--- a/docs/PP.pptx
+++ b/docs/PP.pptx
@@ -2,7 +2,7 @@
 <file path=ppt/presentation.xml><?xml version="1.0" encoding="utf-8"?>
 <p:presentation xmlns:a="http://schemas.openxmlformats.org/drawingml/2006/main" xmlns:r="http://schemas.openxmlformats.org/officeDocument/2006/relationships" xmlns:p="http://schemas.openxmlformats.org/presentationml/2006/main" saveSubsetFonts="1">
   <p:sldMasterIdLst>
-    <p:sldMasterId id="2147483660" r:id="rId1"/>
+    <p:sldMasterId id="2147483677" r:id="rId1"/>
   </p:sldMasterIdLst>
   <p:sldIdLst>
     <p:sldId id="256" r:id="rId2"/>
@@ -110,11 +110,16 @@
       </a:defRPr>
     </a:lvl9pPr>
   </p:defaultTextStyle>
+  <p:extLst>
+    <p:ext uri="{EFAFB233-063F-42B5-8137-9DF3F51BA10A}">
+      <p15:sldGuideLst xmlns:p15="http://schemas.microsoft.com/office/powerpoint/2012/main"/>
+    </p:ext>
+  </p:extLst>
 </p:presentation>
 </file>
 
 <file path=ppt/slideLayouts/slideLayout1.xml><?xml version="1.0" encoding="utf-8"?>
-<p:sldLayout xmlns:a="http://schemas.openxmlformats.org/drawingml/2006/main" xmlns:r="http://schemas.openxmlformats.org/officeDocument/2006/relationships" xmlns:p="http://schemas.openxmlformats.org/presentationml/2006/main" showMasterSp="0" type="title" preserve="1">
+<p:sldLayout xmlns:a="http://schemas.openxmlformats.org/drawingml/2006/main" xmlns:r="http://schemas.openxmlformats.org/officeDocument/2006/relationships" xmlns:p="http://schemas.openxmlformats.org/presentationml/2006/main" type="title" preserve="1">
   <p:cSld name="Titeldia">
     <p:spTree>
       <p:nvGrpSpPr>
@@ -130,536 +135,6 @@
           <a:chExt cx="0" cy="0"/>
         </a:xfrm>
       </p:grpSpPr>
-      <p:grpSp>
-        <p:nvGrpSpPr>
-          <p:cNvPr id="7" name="Group 6"/>
-          <p:cNvGrpSpPr/>
-          <p:nvPr/>
-        </p:nvGrpSpPr>
-        <p:grpSpPr>
-          <a:xfrm>
-            <a:off x="0" y="-8467"/>
-            <a:ext cx="12192000" cy="6866467"/>
-            <a:chOff x="0" y="-8467"/>
-            <a:chExt cx="12192000" cy="6866467"/>
-          </a:xfrm>
-        </p:grpSpPr>
-        <p:cxnSp>
-          <p:nvCxnSpPr>
-            <p:cNvPr id="32" name="Straight Connector 31"/>
-            <p:cNvCxnSpPr/>
-            <p:nvPr/>
-          </p:nvCxnSpPr>
-          <p:spPr>
-            <a:xfrm>
-              <a:off x="9371012" y="0"/>
-              <a:ext cx="1219200" cy="6858000"/>
-            </a:xfrm>
-            <a:prstGeom prst="line">
-              <a:avLst/>
-            </a:prstGeom>
-            <a:ln w="9525">
-              <a:solidFill>
-                <a:schemeClr val="bg1">
-                  <a:lumMod val="75000"/>
-                </a:schemeClr>
-              </a:solidFill>
-            </a:ln>
-          </p:spPr>
-          <p:style>
-            <a:lnRef idx="2">
-              <a:schemeClr val="accent1"/>
-            </a:lnRef>
-            <a:fillRef idx="0">
-              <a:schemeClr val="accent1"/>
-            </a:fillRef>
-            <a:effectRef idx="1">
-              <a:schemeClr val="accent1"/>
-            </a:effectRef>
-            <a:fontRef idx="minor">
-              <a:schemeClr val="tx1"/>
-            </a:fontRef>
-          </p:style>
-        </p:cxnSp>
-        <p:cxnSp>
-          <p:nvCxnSpPr>
-            <p:cNvPr id="21" name="Straight Connector 20"/>
-            <p:cNvCxnSpPr/>
-            <p:nvPr/>
-          </p:nvCxnSpPr>
-          <p:spPr>
-            <a:xfrm flipH="1">
-              <a:off x="7425267" y="3681413"/>
-              <a:ext cx="4763558" cy="3176587"/>
-            </a:xfrm>
-            <a:prstGeom prst="line">
-              <a:avLst/>
-            </a:prstGeom>
-            <a:ln w="9525">
-              <a:solidFill>
-                <a:schemeClr val="bg1">
-                  <a:lumMod val="85000"/>
-                </a:schemeClr>
-              </a:solidFill>
-            </a:ln>
-          </p:spPr>
-          <p:style>
-            <a:lnRef idx="2">
-              <a:schemeClr val="accent1"/>
-            </a:lnRef>
-            <a:fillRef idx="0">
-              <a:schemeClr val="accent1"/>
-            </a:fillRef>
-            <a:effectRef idx="1">
-              <a:schemeClr val="accent1"/>
-            </a:effectRef>
-            <a:fontRef idx="minor">
-              <a:schemeClr val="tx1"/>
-            </a:fontRef>
-          </p:style>
-        </p:cxnSp>
-        <p:sp>
-          <p:nvSpPr>
-            <p:cNvPr id="24" name="Rectangle 23"/>
-            <p:cNvSpPr/>
-            <p:nvPr/>
-          </p:nvSpPr>
-          <p:spPr>
-            <a:xfrm>
-              <a:off x="9181476" y="-8467"/>
-              <a:ext cx="3007349" cy="6866467"/>
-            </a:xfrm>
-            <a:custGeom>
-              <a:avLst/>
-              <a:gdLst/>
-              <a:ahLst/>
-              <a:cxnLst/>
-              <a:rect l="l" t="t" r="r" b="b"/>
-              <a:pathLst>
-                <a:path w="3007349" h="6866467">
-                  <a:moveTo>
-                    <a:pt x="2045532" y="0"/>
-                  </a:moveTo>
-                  <a:lnTo>
-                    <a:pt x="3007349" y="0"/>
-                  </a:lnTo>
-                  <a:lnTo>
-                    <a:pt x="3007349" y="6866467"/>
-                  </a:lnTo>
-                  <a:lnTo>
-                    <a:pt x="0" y="6866467"/>
-                  </a:lnTo>
-                  <a:lnTo>
-                    <a:pt x="2045532" y="0"/>
-                  </a:lnTo>
-                  <a:close/>
-                </a:path>
-              </a:pathLst>
-            </a:custGeom>
-            <a:solidFill>
-              <a:schemeClr val="accent1">
-                <a:alpha val="30000"/>
-              </a:schemeClr>
-            </a:solidFill>
-            <a:ln>
-              <a:noFill/>
-            </a:ln>
-            <a:effectLst/>
-          </p:spPr>
-          <p:style>
-            <a:lnRef idx="1">
-              <a:schemeClr val="accent1"/>
-            </a:lnRef>
-            <a:fillRef idx="3">
-              <a:schemeClr val="accent1"/>
-            </a:fillRef>
-            <a:effectRef idx="2">
-              <a:schemeClr val="accent1"/>
-            </a:effectRef>
-            <a:fontRef idx="minor">
-              <a:schemeClr val="lt1"/>
-            </a:fontRef>
-          </p:style>
-        </p:sp>
-        <p:sp>
-          <p:nvSpPr>
-            <p:cNvPr id="26" name="Rectangle 25"/>
-            <p:cNvSpPr/>
-            <p:nvPr/>
-          </p:nvSpPr>
-          <p:spPr>
-            <a:xfrm>
-              <a:off x="9603442" y="-8467"/>
-              <a:ext cx="2588558" cy="6866467"/>
-            </a:xfrm>
-            <a:custGeom>
-              <a:avLst/>
-              <a:gdLst/>
-              <a:ahLst/>
-              <a:cxnLst/>
-              <a:rect l="l" t="t" r="r" b="b"/>
-              <a:pathLst>
-                <a:path w="2573311" h="6866467">
-                  <a:moveTo>
-                    <a:pt x="0" y="0"/>
-                  </a:moveTo>
-                  <a:lnTo>
-                    <a:pt x="2573311" y="0"/>
-                  </a:lnTo>
-                  <a:lnTo>
-                    <a:pt x="2573311" y="6866467"/>
-                  </a:lnTo>
-                  <a:lnTo>
-                    <a:pt x="1202336" y="6866467"/>
-                  </a:lnTo>
-                  <a:lnTo>
-                    <a:pt x="0" y="0"/>
-                  </a:lnTo>
-                  <a:close/>
-                </a:path>
-              </a:pathLst>
-            </a:custGeom>
-            <a:solidFill>
-              <a:schemeClr val="accent1">
-                <a:alpha val="20000"/>
-              </a:schemeClr>
-            </a:solidFill>
-            <a:ln>
-              <a:noFill/>
-            </a:ln>
-            <a:effectLst/>
-          </p:spPr>
-          <p:style>
-            <a:lnRef idx="1">
-              <a:schemeClr val="accent1"/>
-            </a:lnRef>
-            <a:fillRef idx="3">
-              <a:schemeClr val="accent1"/>
-            </a:fillRef>
-            <a:effectRef idx="2">
-              <a:schemeClr val="accent1"/>
-            </a:effectRef>
-            <a:fontRef idx="minor">
-              <a:schemeClr val="lt1"/>
-            </a:fontRef>
-          </p:style>
-        </p:sp>
-        <p:sp>
-          <p:nvSpPr>
-            <p:cNvPr id="27" name="Isosceles Triangle 26"/>
-            <p:cNvSpPr/>
-            <p:nvPr/>
-          </p:nvSpPr>
-          <p:spPr>
-            <a:xfrm>
-              <a:off x="8932333" y="3048000"/>
-              <a:ext cx="3259667" cy="3810000"/>
-            </a:xfrm>
-            <a:prstGeom prst="triangle">
-              <a:avLst>
-                <a:gd name="adj" fmla="val 100000"/>
-              </a:avLst>
-            </a:prstGeom>
-            <a:solidFill>
-              <a:schemeClr val="accent2">
-                <a:alpha val="72000"/>
-              </a:schemeClr>
-            </a:solidFill>
-            <a:ln>
-              <a:noFill/>
-            </a:ln>
-            <a:effectLst/>
-          </p:spPr>
-          <p:style>
-            <a:lnRef idx="1">
-              <a:schemeClr val="accent1"/>
-            </a:lnRef>
-            <a:fillRef idx="3">
-              <a:schemeClr val="accent1"/>
-            </a:fillRef>
-            <a:effectRef idx="2">
-              <a:schemeClr val="accent1"/>
-            </a:effectRef>
-            <a:fontRef idx="minor">
-              <a:schemeClr val="lt1"/>
-            </a:fontRef>
-          </p:style>
-        </p:sp>
-        <p:sp>
-          <p:nvSpPr>
-            <p:cNvPr id="28" name="Rectangle 27"/>
-            <p:cNvSpPr/>
-            <p:nvPr/>
-          </p:nvSpPr>
-          <p:spPr>
-            <a:xfrm>
-              <a:off x="9334500" y="-8467"/>
-              <a:ext cx="2854326" cy="6866467"/>
-            </a:xfrm>
-            <a:custGeom>
-              <a:avLst/>
-              <a:gdLst/>
-              <a:ahLst/>
-              <a:cxnLst/>
-              <a:rect l="l" t="t" r="r" b="b"/>
-              <a:pathLst>
-                <a:path w="2858013" h="6866467">
-                  <a:moveTo>
-                    <a:pt x="0" y="0"/>
-                  </a:moveTo>
-                  <a:lnTo>
-                    <a:pt x="2858013" y="0"/>
-                  </a:lnTo>
-                  <a:lnTo>
-                    <a:pt x="2858013" y="6866467"/>
-                  </a:lnTo>
-                  <a:lnTo>
-                    <a:pt x="2473942" y="6866467"/>
-                  </a:lnTo>
-                  <a:lnTo>
-                    <a:pt x="0" y="0"/>
-                  </a:lnTo>
-                  <a:close/>
-                </a:path>
-              </a:pathLst>
-            </a:custGeom>
-            <a:solidFill>
-              <a:schemeClr val="accent2">
-                <a:lumMod val="75000"/>
-                <a:alpha val="70000"/>
-              </a:schemeClr>
-            </a:solidFill>
-            <a:ln>
-              <a:noFill/>
-            </a:ln>
-            <a:effectLst/>
-          </p:spPr>
-          <p:style>
-            <a:lnRef idx="1">
-              <a:schemeClr val="accent1"/>
-            </a:lnRef>
-            <a:fillRef idx="3">
-              <a:schemeClr val="accent1"/>
-            </a:fillRef>
-            <a:effectRef idx="2">
-              <a:schemeClr val="accent1"/>
-            </a:effectRef>
-            <a:fontRef idx="minor">
-              <a:schemeClr val="lt1"/>
-            </a:fontRef>
-          </p:style>
-        </p:sp>
-        <p:sp>
-          <p:nvSpPr>
-            <p:cNvPr id="29" name="Rectangle 28"/>
-            <p:cNvSpPr/>
-            <p:nvPr/>
-          </p:nvSpPr>
-          <p:spPr>
-            <a:xfrm>
-              <a:off x="10898730" y="-8467"/>
-              <a:ext cx="1290094" cy="6866467"/>
-            </a:xfrm>
-            <a:custGeom>
-              <a:avLst/>
-              <a:gdLst/>
-              <a:ahLst/>
-              <a:cxnLst/>
-              <a:rect l="l" t="t" r="r" b="b"/>
-              <a:pathLst>
-                <a:path w="1290094" h="6858000">
-                  <a:moveTo>
-                    <a:pt x="1019735" y="0"/>
-                  </a:moveTo>
-                  <a:lnTo>
-                    <a:pt x="1290094" y="0"/>
-                  </a:lnTo>
-                  <a:lnTo>
-                    <a:pt x="1290094" y="6858000"/>
-                  </a:lnTo>
-                  <a:lnTo>
-                    <a:pt x="0" y="6858000"/>
-                  </a:lnTo>
-                  <a:lnTo>
-                    <a:pt x="1019735" y="0"/>
-                  </a:lnTo>
-                  <a:close/>
-                </a:path>
-              </a:pathLst>
-            </a:custGeom>
-            <a:solidFill>
-              <a:schemeClr val="accent1">
-                <a:lumMod val="60000"/>
-                <a:lumOff val="40000"/>
-                <a:alpha val="70000"/>
-              </a:schemeClr>
-            </a:solidFill>
-            <a:ln>
-              <a:noFill/>
-            </a:ln>
-            <a:effectLst/>
-          </p:spPr>
-          <p:style>
-            <a:lnRef idx="1">
-              <a:schemeClr val="accent1"/>
-            </a:lnRef>
-            <a:fillRef idx="3">
-              <a:schemeClr val="accent1"/>
-            </a:fillRef>
-            <a:effectRef idx="2">
-              <a:schemeClr val="accent1"/>
-            </a:effectRef>
-            <a:fontRef idx="minor">
-              <a:schemeClr val="lt1"/>
-            </a:fontRef>
-          </p:style>
-        </p:sp>
-        <p:sp>
-          <p:nvSpPr>
-            <p:cNvPr id="30" name="Rectangle 29"/>
-            <p:cNvSpPr/>
-            <p:nvPr/>
-          </p:nvSpPr>
-          <p:spPr>
-            <a:xfrm>
-              <a:off x="10938999" y="-8467"/>
-              <a:ext cx="1249825" cy="6866467"/>
-            </a:xfrm>
-            <a:custGeom>
-              <a:avLst/>
-              <a:gdLst/>
-              <a:ahLst/>
-              <a:cxnLst/>
-              <a:rect l="l" t="t" r="r" b="b"/>
-              <a:pathLst>
-                <a:path w="1249825" h="6858000">
-                  <a:moveTo>
-                    <a:pt x="0" y="0"/>
-                  </a:moveTo>
-                  <a:lnTo>
-                    <a:pt x="1249825" y="0"/>
-                  </a:lnTo>
-                  <a:lnTo>
-                    <a:pt x="1249825" y="6858000"/>
-                  </a:lnTo>
-                  <a:lnTo>
-                    <a:pt x="1109382" y="6858000"/>
-                  </a:lnTo>
-                  <a:lnTo>
-                    <a:pt x="0" y="0"/>
-                  </a:lnTo>
-                  <a:close/>
-                </a:path>
-              </a:pathLst>
-            </a:custGeom>
-            <a:solidFill>
-              <a:schemeClr val="accent1">
-                <a:alpha val="65000"/>
-              </a:schemeClr>
-            </a:solidFill>
-            <a:ln>
-              <a:noFill/>
-            </a:ln>
-            <a:effectLst/>
-          </p:spPr>
-          <p:style>
-            <a:lnRef idx="1">
-              <a:schemeClr val="accent1"/>
-            </a:lnRef>
-            <a:fillRef idx="3">
-              <a:schemeClr val="accent1"/>
-            </a:fillRef>
-            <a:effectRef idx="2">
-              <a:schemeClr val="accent1"/>
-            </a:effectRef>
-            <a:fontRef idx="minor">
-              <a:schemeClr val="lt1"/>
-            </a:fontRef>
-          </p:style>
-        </p:sp>
-        <p:sp>
-          <p:nvSpPr>
-            <p:cNvPr id="31" name="Isosceles Triangle 30"/>
-            <p:cNvSpPr/>
-            <p:nvPr/>
-          </p:nvSpPr>
-          <p:spPr>
-            <a:xfrm>
-              <a:off x="10371666" y="3589867"/>
-              <a:ext cx="1817159" cy="3268133"/>
-            </a:xfrm>
-            <a:prstGeom prst="triangle">
-              <a:avLst>
-                <a:gd name="adj" fmla="val 100000"/>
-              </a:avLst>
-            </a:prstGeom>
-            <a:solidFill>
-              <a:schemeClr val="accent1">
-                <a:alpha val="80000"/>
-              </a:schemeClr>
-            </a:solidFill>
-            <a:ln>
-              <a:noFill/>
-            </a:ln>
-            <a:effectLst/>
-          </p:spPr>
-          <p:style>
-            <a:lnRef idx="1">
-              <a:schemeClr val="accent1"/>
-            </a:lnRef>
-            <a:fillRef idx="3">
-              <a:schemeClr val="accent1"/>
-            </a:fillRef>
-            <a:effectRef idx="2">
-              <a:schemeClr val="accent1"/>
-            </a:effectRef>
-            <a:fontRef idx="minor">
-              <a:schemeClr val="lt1"/>
-            </a:fontRef>
-          </p:style>
-        </p:sp>
-        <p:sp>
-          <p:nvSpPr>
-            <p:cNvPr id="19" name="Isosceles Triangle 18"/>
-            <p:cNvSpPr/>
-            <p:nvPr/>
-          </p:nvSpPr>
-          <p:spPr>
-            <a:xfrm rot="10800000">
-              <a:off x="0" y="0"/>
-              <a:ext cx="842596" cy="5666154"/>
-            </a:xfrm>
-            <a:prstGeom prst="triangle">
-              <a:avLst>
-                <a:gd name="adj" fmla="val 100000"/>
-              </a:avLst>
-            </a:prstGeom>
-            <a:solidFill>
-              <a:schemeClr val="accent1">
-                <a:alpha val="85000"/>
-              </a:schemeClr>
-            </a:solidFill>
-            <a:ln>
-              <a:noFill/>
-            </a:ln>
-            <a:effectLst/>
-          </p:spPr>
-          <p:style>
-            <a:lnRef idx="1">
-              <a:schemeClr val="accent1"/>
-            </a:lnRef>
-            <a:fillRef idx="3">
-              <a:schemeClr val="accent1"/>
-            </a:fillRef>
-            <a:effectRef idx="2">
-              <a:schemeClr val="accent1"/>
-            </a:effectRef>
-            <a:fontRef idx="minor">
-              <a:schemeClr val="lt1"/>
-            </a:fontRef>
-          </p:style>
-        </p:sp>
-      </p:grpSp>
       <p:sp>
         <p:nvSpPr>
           <p:cNvPr id="2" name="Title 1"/>
@@ -672,21 +147,15 @@
         </p:nvSpPr>
         <p:spPr>
           <a:xfrm>
-            <a:off x="1507067" y="2404534"/>
-            <a:ext cx="7766936" cy="1646302"/>
+            <a:off x="1154955" y="1447800"/>
+            <a:ext cx="8825658" cy="3329581"/>
           </a:xfrm>
         </p:spPr>
         <p:txBody>
-          <a:bodyPr anchor="b">
-            <a:noAutofit/>
-          </a:bodyPr>
+          <a:bodyPr anchor="b"/>
           <a:lstStyle>
-            <a:lvl1pPr algn="r">
-              <a:defRPr sz="5400">
-                <a:solidFill>
-                  <a:schemeClr val="accent1"/>
-                </a:solidFill>
-              </a:defRPr>
+            <a:lvl1pPr>
+              <a:defRPr sz="7200"/>
             </a:lvl1pPr>
           </a:lstStyle>
           <a:p>
@@ -710,20 +179,20 @@
         </p:nvSpPr>
         <p:spPr>
           <a:xfrm>
-            <a:off x="1507067" y="4050833"/>
-            <a:ext cx="7766936" cy="1096899"/>
+            <a:off x="1154955" y="4777380"/>
+            <a:ext cx="8825658" cy="861420"/>
           </a:xfrm>
         </p:spPr>
         <p:txBody>
           <a:bodyPr anchor="t"/>
           <a:lstStyle>
-            <a:lvl1pPr marL="0" indent="0" algn="r">
-              <a:buNone/>
-              <a:defRPr>
+            <a:lvl1pPr marL="0" indent="0" algn="l">
+              <a:buNone/>
+              <a:defRPr cap="all">
                 <a:solidFill>
-                  <a:schemeClr val="tx1">
-                    <a:lumMod val="50000"/>
-                    <a:lumOff val="50000"/>
+                  <a:schemeClr val="bg2">
+                    <a:lumMod val="40000"/>
+                    <a:lumOff val="60000"/>
                   </a:schemeClr>
                 </a:solidFill>
               </a:defRPr>
@@ -886,7 +355,7 @@
     </p:spTree>
     <p:extLst>
       <p:ext uri="{BB962C8B-B14F-4D97-AF65-F5344CB8AC3E}">
-        <p14:creationId xmlns:p14="http://schemas.microsoft.com/office/powerpoint/2010/main" val="2403757515"/>
+        <p14:creationId xmlns:p14="http://schemas.microsoft.com/office/powerpoint/2010/main" val="1979603114"/>
       </p:ext>
     </p:extLst>
   </p:cSld>
@@ -897,6 +366,281 @@
 </file>
 
 <file path=ppt/slideLayouts/slideLayout10.xml><?xml version="1.0" encoding="utf-8"?>
+<p:sldLayout xmlns:a="http://schemas.openxmlformats.org/drawingml/2006/main" xmlns:r="http://schemas.openxmlformats.org/officeDocument/2006/relationships" xmlns:p="http://schemas.openxmlformats.org/presentationml/2006/main" preserve="1">
+  <p:cSld name="Panoramische afbeelding met bijschrift">
+    <p:spTree>
+      <p:nvGrpSpPr>
+        <p:cNvPr id="1" name=""/>
+        <p:cNvGrpSpPr/>
+        <p:nvPr/>
+      </p:nvGrpSpPr>
+      <p:grpSpPr>
+        <a:xfrm>
+          <a:off x="0" y="0"/>
+          <a:ext cx="0" cy="0"/>
+          <a:chOff x="0" y="0"/>
+          <a:chExt cx="0" cy="0"/>
+        </a:xfrm>
+      </p:grpSpPr>
+      <p:sp>
+        <p:nvSpPr>
+          <p:cNvPr id="2" name="Title 1"/>
+          <p:cNvSpPr>
+            <a:spLocks noGrp="1"/>
+          </p:cNvSpPr>
+          <p:nvPr>
+            <p:ph type="title"/>
+          </p:nvPr>
+        </p:nvSpPr>
+        <p:spPr>
+          <a:xfrm>
+            <a:off x="1154956" y="4800587"/>
+            <a:ext cx="8825657" cy="566738"/>
+          </a:xfrm>
+        </p:spPr>
+        <p:txBody>
+          <a:bodyPr anchor="b">
+            <a:normAutofit/>
+          </a:bodyPr>
+          <a:lstStyle>
+            <a:lvl1pPr algn="l">
+              <a:defRPr sz="2400" b="0"/>
+            </a:lvl1pPr>
+          </a:lstStyle>
+          <a:p>
+            <a:r>
+              <a:rPr lang="nl-NL" smtClean="0"/>
+              <a:t>Klik om de stijl te bewerken</a:t>
+            </a:r>
+            <a:endParaRPr lang="en-US" dirty="0"/>
+          </a:p>
+        </p:txBody>
+      </p:sp>
+      <p:sp>
+        <p:nvSpPr>
+          <p:cNvPr id="3" name="Picture Placeholder 2"/>
+          <p:cNvSpPr>
+            <a:spLocks noGrp="1" noChangeAspect="1"/>
+          </p:cNvSpPr>
+          <p:nvPr>
+            <p:ph type="pic" idx="1"/>
+          </p:nvPr>
+        </p:nvSpPr>
+        <p:spPr>
+          <a:xfrm>
+            <a:off x="1154955" y="685800"/>
+            <a:ext cx="8825658" cy="3640666"/>
+          </a:xfrm>
+          <a:prstGeom prst="roundRect">
+            <a:avLst>
+              <a:gd name="adj" fmla="val 1858"/>
+            </a:avLst>
+          </a:prstGeom>
+          <a:effectLst>
+            <a:outerShdw blurRad="50800" dist="50800" dir="5400000" algn="tl" rotWithShape="0">
+              <a:srgbClr val="000000">
+                <a:alpha val="43000"/>
+              </a:srgbClr>
+            </a:outerShdw>
+          </a:effectLst>
+        </p:spPr>
+        <p:txBody>
+          <a:bodyPr anchor="t">
+            <a:normAutofit/>
+          </a:bodyPr>
+          <a:lstStyle>
+            <a:lvl1pPr marL="0" indent="0" algn="ctr">
+              <a:buNone/>
+              <a:defRPr sz="1600"/>
+            </a:lvl1pPr>
+            <a:lvl2pPr marL="457200" indent="0">
+              <a:buNone/>
+              <a:defRPr sz="1600"/>
+            </a:lvl2pPr>
+            <a:lvl3pPr marL="914400" indent="0">
+              <a:buNone/>
+              <a:defRPr sz="1600"/>
+            </a:lvl3pPr>
+            <a:lvl4pPr marL="1371600" indent="0">
+              <a:buNone/>
+              <a:defRPr sz="1600"/>
+            </a:lvl4pPr>
+            <a:lvl5pPr marL="1828800" indent="0">
+              <a:buNone/>
+              <a:defRPr sz="1600"/>
+            </a:lvl5pPr>
+            <a:lvl6pPr marL="2286000" indent="0">
+              <a:buNone/>
+              <a:defRPr sz="1600"/>
+            </a:lvl6pPr>
+            <a:lvl7pPr marL="2743200" indent="0">
+              <a:buNone/>
+              <a:defRPr sz="1600"/>
+            </a:lvl7pPr>
+            <a:lvl8pPr marL="3200400" indent="0">
+              <a:buNone/>
+              <a:defRPr sz="1600"/>
+            </a:lvl8pPr>
+            <a:lvl9pPr marL="3657600" indent="0">
+              <a:buNone/>
+              <a:defRPr sz="1600"/>
+            </a:lvl9pPr>
+          </a:lstStyle>
+          <a:p>
+            <a:r>
+              <a:rPr lang="nl-NL" smtClean="0"/>
+              <a:t>Klik op het pictogram als u een afbeelding wilt toevoegen</a:t>
+            </a:r>
+            <a:endParaRPr lang="en-US" dirty="0"/>
+          </a:p>
+        </p:txBody>
+      </p:sp>
+      <p:sp>
+        <p:nvSpPr>
+          <p:cNvPr id="4" name="Text Placeholder 3"/>
+          <p:cNvSpPr>
+            <a:spLocks noGrp="1"/>
+          </p:cNvSpPr>
+          <p:nvPr>
+            <p:ph type="body" sz="half" idx="2"/>
+          </p:nvPr>
+        </p:nvSpPr>
+        <p:spPr>
+          <a:xfrm>
+            <a:off x="1154956" y="5367325"/>
+            <a:ext cx="8825656" cy="493712"/>
+          </a:xfrm>
+        </p:spPr>
+        <p:txBody>
+          <a:bodyPr>
+            <a:normAutofit/>
+          </a:bodyPr>
+          <a:lstStyle>
+            <a:lvl1pPr marL="0" indent="0">
+              <a:buNone/>
+              <a:defRPr sz="1200"/>
+            </a:lvl1pPr>
+            <a:lvl2pPr marL="457200" indent="0">
+              <a:buNone/>
+              <a:defRPr sz="1200"/>
+            </a:lvl2pPr>
+            <a:lvl3pPr marL="914400" indent="0">
+              <a:buNone/>
+              <a:defRPr sz="1000"/>
+            </a:lvl3pPr>
+            <a:lvl4pPr marL="1371600" indent="0">
+              <a:buNone/>
+              <a:defRPr sz="900"/>
+            </a:lvl4pPr>
+            <a:lvl5pPr marL="1828800" indent="0">
+              <a:buNone/>
+              <a:defRPr sz="900"/>
+            </a:lvl5pPr>
+            <a:lvl6pPr marL="2286000" indent="0">
+              <a:buNone/>
+              <a:defRPr sz="900"/>
+            </a:lvl6pPr>
+            <a:lvl7pPr marL="2743200" indent="0">
+              <a:buNone/>
+              <a:defRPr sz="900"/>
+            </a:lvl7pPr>
+            <a:lvl8pPr marL="3200400" indent="0">
+              <a:buNone/>
+              <a:defRPr sz="900"/>
+            </a:lvl8pPr>
+            <a:lvl9pPr marL="3657600" indent="0">
+              <a:buNone/>
+              <a:defRPr sz="900"/>
+            </a:lvl9pPr>
+          </a:lstStyle>
+          <a:p>
+            <a:pPr lvl="0"/>
+            <a:r>
+              <a:rPr lang="nl-NL" smtClean="0"/>
+              <a:t>Klik om de modelstijlen te bewerken</a:t>
+            </a:r>
+          </a:p>
+        </p:txBody>
+      </p:sp>
+      <p:sp>
+        <p:nvSpPr>
+          <p:cNvPr id="5" name="Date Placeholder 4"/>
+          <p:cNvSpPr>
+            <a:spLocks noGrp="1"/>
+          </p:cNvSpPr>
+          <p:nvPr>
+            <p:ph type="dt" sz="half" idx="10"/>
+          </p:nvPr>
+        </p:nvSpPr>
+        <p:spPr/>
+        <p:txBody>
+          <a:bodyPr/>
+          <a:lstStyle/>
+          <a:p>
+            <a:fld id="{D079006D-3D4A-43F0-954E-277C07F6533F}" type="datetimeFigureOut">
+              <a:rPr lang="nl-NL" smtClean="0"/>
+              <a:t>26-2-2016</a:t>
+            </a:fld>
+            <a:endParaRPr lang="nl-NL"/>
+          </a:p>
+        </p:txBody>
+      </p:sp>
+      <p:sp>
+        <p:nvSpPr>
+          <p:cNvPr id="6" name="Footer Placeholder 5"/>
+          <p:cNvSpPr>
+            <a:spLocks noGrp="1"/>
+          </p:cNvSpPr>
+          <p:nvPr>
+            <p:ph type="ftr" sz="quarter" idx="11"/>
+          </p:nvPr>
+        </p:nvSpPr>
+        <p:spPr/>
+        <p:txBody>
+          <a:bodyPr/>
+          <a:lstStyle/>
+          <a:p>
+            <a:endParaRPr lang="nl-NL"/>
+          </a:p>
+        </p:txBody>
+      </p:sp>
+      <p:sp>
+        <p:nvSpPr>
+          <p:cNvPr id="7" name="Slide Number Placeholder 6"/>
+          <p:cNvSpPr>
+            <a:spLocks noGrp="1"/>
+          </p:cNvSpPr>
+          <p:nvPr>
+            <p:ph type="sldNum" sz="quarter" idx="12"/>
+          </p:nvPr>
+        </p:nvSpPr>
+        <p:spPr/>
+        <p:txBody>
+          <a:bodyPr/>
+          <a:lstStyle/>
+          <a:p>
+            <a:fld id="{ABB89995-1380-491F-8726-78A6D4E8BF10}" type="slidenum">
+              <a:rPr lang="nl-NL" smtClean="0"/>
+              <a:t>‹nr.›</a:t>
+            </a:fld>
+            <a:endParaRPr lang="nl-NL"/>
+          </a:p>
+        </p:txBody>
+      </p:sp>
+    </p:spTree>
+    <p:extLst>
+      <p:ext uri="{BB962C8B-B14F-4D97-AF65-F5344CB8AC3E}">
+        <p14:creationId xmlns:p14="http://schemas.microsoft.com/office/powerpoint/2010/main" val="1203149457"/>
+      </p:ext>
+    </p:extLst>
+  </p:cSld>
+  <p:clrMapOvr>
+    <a:masterClrMapping/>
+  </p:clrMapOvr>
+</p:sldLayout>
+</file>
+
+<file path=ppt/slideLayouts/slideLayout11.xml><?xml version="1.0" encoding="utf-8"?>
 <p:sldLayout xmlns:a="http://schemas.openxmlformats.org/drawingml/2006/main" xmlns:r="http://schemas.openxmlformats.org/officeDocument/2006/relationships" xmlns:p="http://schemas.openxmlformats.org/presentationml/2006/main" preserve="1">
   <p:cSld name="Titel en bijschrift">
     <p:spTree>
@@ -925,8 +669,40 @@
         </p:nvSpPr>
         <p:spPr>
           <a:xfrm>
-            <a:off x="677335" y="609600"/>
-            <a:ext cx="8596668" cy="3403600"/>
+            <a:off x="1154954" y="1447800"/>
+            <a:ext cx="8825659" cy="1981200"/>
+          </a:xfrm>
+        </p:spPr>
+        <p:txBody>
+          <a:bodyPr/>
+          <a:lstStyle>
+            <a:lvl1pPr>
+              <a:defRPr sz="4800"/>
+            </a:lvl1pPr>
+          </a:lstStyle>
+          <a:p>
+            <a:r>
+              <a:rPr lang="nl-NL" smtClean="0"/>
+              <a:t>Klik om de stijl te bewerken</a:t>
+            </a:r>
+            <a:endParaRPr lang="en-US" dirty="0"/>
+          </a:p>
+        </p:txBody>
+      </p:sp>
+      <p:sp>
+        <p:nvSpPr>
+          <p:cNvPr id="8" name="Text Placeholder 3"/>
+          <p:cNvSpPr>
+            <a:spLocks noGrp="1"/>
+          </p:cNvSpPr>
+          <p:nvPr>
+            <p:ph type="body" sz="half" idx="2"/>
+          </p:nvPr>
+        </p:nvSpPr>
+        <p:spPr>
+          <a:xfrm>
+            <a:off x="1154954" y="3657600"/>
+            <a:ext cx="8825659" cy="2362200"/>
           </a:xfrm>
         </p:spPr>
         <p:txBody>
@@ -934,130 +710,41 @@
             <a:normAutofit/>
           </a:bodyPr>
           <a:lstStyle>
-            <a:lvl1pPr algn="l">
-              <a:defRPr sz="4400" b="0" cap="none"/>
-            </a:lvl1pPr>
-          </a:lstStyle>
-          <a:p>
-            <a:r>
-              <a:rPr lang="nl-NL" smtClean="0"/>
-              <a:t>Klik om de stijl te bewerken</a:t>
-            </a:r>
-            <a:endParaRPr lang="en-US" dirty="0"/>
-          </a:p>
-        </p:txBody>
-      </p:sp>
-      <p:sp>
-        <p:nvSpPr>
-          <p:cNvPr id="3" name="Text Placeholder 2"/>
-          <p:cNvSpPr>
-            <a:spLocks noGrp="1"/>
-          </p:cNvSpPr>
-          <p:nvPr>
-            <p:ph type="body" idx="1"/>
-          </p:nvPr>
-        </p:nvSpPr>
-        <p:spPr>
-          <a:xfrm>
-            <a:off x="677335" y="4470400"/>
-            <a:ext cx="8596668" cy="1570962"/>
-          </a:xfrm>
-        </p:spPr>
-        <p:txBody>
-          <a:bodyPr anchor="ctr">
-            <a:normAutofit/>
-          </a:bodyPr>
-          <a:lstStyle>
-            <a:lvl1pPr marL="0" indent="0" algn="l">
-              <a:buNone/>
-              <a:defRPr sz="1800">
-                <a:solidFill>
-                  <a:schemeClr val="tx1">
-                    <a:lumMod val="75000"/>
-                    <a:lumOff val="25000"/>
-                  </a:schemeClr>
-                </a:solidFill>
-              </a:defRPr>
+            <a:lvl1pPr marL="0" indent="0">
+              <a:buNone/>
+              <a:defRPr sz="1800"/>
             </a:lvl1pPr>
             <a:lvl2pPr marL="457200" indent="0">
               <a:buNone/>
-              <a:defRPr sz="1800">
-                <a:solidFill>
-                  <a:schemeClr val="tx1">
-                    <a:tint val="75000"/>
-                  </a:schemeClr>
-                </a:solidFill>
-              </a:defRPr>
+              <a:defRPr sz="1200"/>
             </a:lvl2pPr>
             <a:lvl3pPr marL="914400" indent="0">
               <a:buNone/>
-              <a:defRPr sz="1600">
-                <a:solidFill>
-                  <a:schemeClr val="tx1">
-                    <a:tint val="75000"/>
-                  </a:schemeClr>
-                </a:solidFill>
-              </a:defRPr>
+              <a:defRPr sz="1000"/>
             </a:lvl3pPr>
             <a:lvl4pPr marL="1371600" indent="0">
               <a:buNone/>
-              <a:defRPr sz="1400">
-                <a:solidFill>
-                  <a:schemeClr val="tx1">
-                    <a:tint val="75000"/>
-                  </a:schemeClr>
-                </a:solidFill>
-              </a:defRPr>
+              <a:defRPr sz="900"/>
             </a:lvl4pPr>
             <a:lvl5pPr marL="1828800" indent="0">
               <a:buNone/>
-              <a:defRPr sz="1400">
-                <a:solidFill>
-                  <a:schemeClr val="tx1">
-                    <a:tint val="75000"/>
-                  </a:schemeClr>
-                </a:solidFill>
-              </a:defRPr>
+              <a:defRPr sz="900"/>
             </a:lvl5pPr>
             <a:lvl6pPr marL="2286000" indent="0">
               <a:buNone/>
-              <a:defRPr sz="1400">
-                <a:solidFill>
-                  <a:schemeClr val="tx1">
-                    <a:tint val="75000"/>
-                  </a:schemeClr>
-                </a:solidFill>
-              </a:defRPr>
+              <a:defRPr sz="900"/>
             </a:lvl6pPr>
             <a:lvl7pPr marL="2743200" indent="0">
               <a:buNone/>
-              <a:defRPr sz="1400">
-                <a:solidFill>
-                  <a:schemeClr val="tx1">
-                    <a:tint val="75000"/>
-                  </a:schemeClr>
-                </a:solidFill>
-              </a:defRPr>
+              <a:defRPr sz="900"/>
             </a:lvl7pPr>
             <a:lvl8pPr marL="3200400" indent="0">
               <a:buNone/>
-              <a:defRPr sz="1400">
-                <a:solidFill>
-                  <a:schemeClr val="tx1">
-                    <a:tint val="75000"/>
-                  </a:schemeClr>
-                </a:solidFill>
-              </a:defRPr>
+              <a:defRPr sz="900"/>
             </a:lvl8pPr>
             <a:lvl9pPr marL="3657600" indent="0">
               <a:buNone/>
-              <a:defRPr sz="1400">
-                <a:solidFill>
-                  <a:schemeClr val="tx1">
-                    <a:tint val="75000"/>
-                  </a:schemeClr>
-                </a:solidFill>
-              </a:defRPr>
+              <a:defRPr sz="900"/>
             </a:lvl9pPr>
           </a:lstStyle>
           <a:p>
@@ -1137,7 +824,7 @@
     </p:spTree>
     <p:extLst>
       <p:ext uri="{BB962C8B-B14F-4D97-AF65-F5344CB8AC3E}">
-        <p14:creationId xmlns:p14="http://schemas.microsoft.com/office/powerpoint/2010/main" val="2627216520"/>
+        <p14:creationId xmlns:p14="http://schemas.microsoft.com/office/powerpoint/2010/main" val="1302618163"/>
       </p:ext>
     </p:extLst>
   </p:cSld>
@@ -1147,7 +834,7 @@
 </p:sldLayout>
 </file>
 
-<file path=ppt/slideLayouts/slideLayout11.xml><?xml version="1.0" encoding="utf-8"?>
+<file path=ppt/slideLayouts/slideLayout12.xml><?xml version="1.0" encoding="utf-8"?>
 <p:sldLayout xmlns:a="http://schemas.openxmlformats.org/drawingml/2006/main" xmlns:r="http://schemas.openxmlformats.org/officeDocument/2006/relationships" xmlns:p="http://schemas.openxmlformats.org/presentationml/2006/main" preserve="1">
   <p:cSld name="Citeraat met bijschrift">
     <p:spTree>
@@ -1176,8 +863,119 @@
         </p:nvSpPr>
         <p:spPr>
           <a:xfrm>
-            <a:off x="931334" y="609600"/>
-            <a:ext cx="8094134" cy="3022600"/>
+            <a:off x="1574801" y="1447800"/>
+            <a:ext cx="7999315" cy="2323374"/>
+          </a:xfrm>
+        </p:spPr>
+        <p:txBody>
+          <a:bodyPr/>
+          <a:lstStyle>
+            <a:lvl1pPr>
+              <a:defRPr sz="4800"/>
+            </a:lvl1pPr>
+          </a:lstStyle>
+          <a:p>
+            <a:r>
+              <a:rPr lang="nl-NL" smtClean="0"/>
+              <a:t>Klik om de stijl te bewerken</a:t>
+            </a:r>
+            <a:endParaRPr lang="en-US" dirty="0"/>
+          </a:p>
+        </p:txBody>
+      </p:sp>
+      <p:sp>
+        <p:nvSpPr>
+          <p:cNvPr id="11" name="Text Placeholder 3"/>
+          <p:cNvSpPr>
+            <a:spLocks noGrp="1"/>
+          </p:cNvSpPr>
+          <p:nvPr>
+            <p:ph type="body" sz="half" idx="14"/>
+          </p:nvPr>
+        </p:nvSpPr>
+        <p:spPr>
+          <a:xfrm>
+            <a:off x="1930400" y="3771174"/>
+            <a:ext cx="7279649" cy="342174"/>
+          </a:xfrm>
+        </p:spPr>
+        <p:txBody>
+          <a:bodyPr vert="horz" lIns="91440" tIns="45720" rIns="91440" bIns="45720" rtlCol="0" anchor="t">
+            <a:normAutofit/>
+          </a:bodyPr>
+          <a:lstStyle>
+            <a:lvl1pPr marL="0" indent="0">
+              <a:buNone/>
+              <a:defRPr lang="en-US" sz="1400" b="0" i="0" kern="1200" cap="small" dirty="0">
+                <a:solidFill>
+                  <a:schemeClr val="bg2">
+                    <a:lumMod val="40000"/>
+                    <a:lumOff val="60000"/>
+                  </a:schemeClr>
+                </a:solidFill>
+                <a:latin typeface="+mj-lt"/>
+                <a:ea typeface="+mj-ea"/>
+                <a:cs typeface="+mj-cs"/>
+              </a:defRPr>
+            </a:lvl1pPr>
+            <a:lvl2pPr marL="457200" indent="0">
+              <a:buNone/>
+              <a:defRPr sz="1200"/>
+            </a:lvl2pPr>
+            <a:lvl3pPr marL="914400" indent="0">
+              <a:buNone/>
+              <a:defRPr sz="1000"/>
+            </a:lvl3pPr>
+            <a:lvl4pPr marL="1371600" indent="0">
+              <a:buNone/>
+              <a:defRPr sz="900"/>
+            </a:lvl4pPr>
+            <a:lvl5pPr marL="1828800" indent="0">
+              <a:buNone/>
+              <a:defRPr sz="900"/>
+            </a:lvl5pPr>
+            <a:lvl6pPr marL="2286000" indent="0">
+              <a:buNone/>
+              <a:defRPr sz="900"/>
+            </a:lvl6pPr>
+            <a:lvl7pPr marL="2743200" indent="0">
+              <a:buNone/>
+              <a:defRPr sz="900"/>
+            </a:lvl7pPr>
+            <a:lvl8pPr marL="3200400" indent="0">
+              <a:buNone/>
+              <a:defRPr sz="900"/>
+            </a:lvl8pPr>
+            <a:lvl9pPr marL="3657600" indent="0">
+              <a:buNone/>
+              <a:defRPr sz="900"/>
+            </a:lvl9pPr>
+          </a:lstStyle>
+          <a:p>
+            <a:pPr marL="0" lvl="0" indent="0">
+              <a:buNone/>
+            </a:pPr>
+            <a:r>
+              <a:rPr lang="nl-NL" smtClean="0"/>
+              <a:t>Klik om de modelstijlen te bewerken</a:t>
+            </a:r>
+          </a:p>
+        </p:txBody>
+      </p:sp>
+      <p:sp>
+        <p:nvSpPr>
+          <p:cNvPr id="10" name="Text Placeholder 3"/>
+          <p:cNvSpPr>
+            <a:spLocks noGrp="1"/>
+          </p:cNvSpPr>
+          <p:nvPr>
+            <p:ph type="body" sz="half" idx="2"/>
+          </p:nvPr>
+        </p:nvSpPr>
+        <p:spPr>
+          <a:xfrm>
+            <a:off x="1154954" y="4350657"/>
+            <a:ext cx="8825659" cy="1676400"/>
           </a:xfrm>
         </p:spPr>
         <p:txBody>
@@ -1185,193 +983,41 @@
             <a:normAutofit/>
           </a:bodyPr>
           <a:lstStyle>
-            <a:lvl1pPr algn="l">
-              <a:defRPr sz="4400" b="0" cap="none"/>
-            </a:lvl1pPr>
-          </a:lstStyle>
-          <a:p>
-            <a:r>
-              <a:rPr lang="nl-NL" smtClean="0"/>
-              <a:t>Klik om de stijl te bewerken</a:t>
-            </a:r>
-            <a:endParaRPr lang="en-US" dirty="0"/>
-          </a:p>
-        </p:txBody>
-      </p:sp>
-      <p:sp>
-        <p:nvSpPr>
-          <p:cNvPr id="23" name="Text Placeholder 9"/>
-          <p:cNvSpPr>
-            <a:spLocks noGrp="1"/>
-          </p:cNvSpPr>
-          <p:nvPr>
-            <p:ph type="body" sz="quarter" idx="13"/>
-          </p:nvPr>
-        </p:nvSpPr>
-        <p:spPr>
-          <a:xfrm>
-            <a:off x="1366139" y="3632200"/>
-            <a:ext cx="7224524" cy="381000"/>
-          </a:xfrm>
-        </p:spPr>
-        <p:txBody>
-          <a:bodyPr anchor="ctr">
-            <a:noAutofit/>
-          </a:bodyPr>
-          <a:lstStyle>
             <a:lvl1pPr marL="0" indent="0">
-              <a:buFontTx/>
-              <a:buNone/>
-              <a:defRPr sz="1600">
-                <a:solidFill>
-                  <a:schemeClr val="tx1">
-                    <a:lumMod val="50000"/>
-                    <a:lumOff val="50000"/>
-                  </a:schemeClr>
-                </a:solidFill>
-              </a:defRPr>
+              <a:buNone/>
+              <a:defRPr sz="1800"/>
             </a:lvl1pPr>
             <a:lvl2pPr marL="457200" indent="0">
-              <a:buFontTx/>
-              <a:buNone/>
-              <a:defRPr/>
+              <a:buNone/>
+              <a:defRPr sz="1200"/>
             </a:lvl2pPr>
             <a:lvl3pPr marL="914400" indent="0">
-              <a:buFontTx/>
-              <a:buNone/>
-              <a:defRPr/>
+              <a:buNone/>
+              <a:defRPr sz="1000"/>
             </a:lvl3pPr>
             <a:lvl4pPr marL="1371600" indent="0">
-              <a:buFontTx/>
-              <a:buNone/>
-              <a:defRPr/>
+              <a:buNone/>
+              <a:defRPr sz="900"/>
             </a:lvl4pPr>
             <a:lvl5pPr marL="1828800" indent="0">
-              <a:buFontTx/>
-              <a:buNone/>
-              <a:defRPr/>
-            </a:lvl5pPr>
-          </a:lstStyle>
-          <a:p>
-            <a:pPr lvl="0"/>
-            <a:r>
-              <a:rPr lang="nl-NL" smtClean="0"/>
-              <a:t>Klik om de modelstijlen te bewerken</a:t>
-            </a:r>
-          </a:p>
-        </p:txBody>
-      </p:sp>
-      <p:sp>
-        <p:nvSpPr>
-          <p:cNvPr id="3" name="Text Placeholder 2"/>
-          <p:cNvSpPr>
-            <a:spLocks noGrp="1"/>
-          </p:cNvSpPr>
-          <p:nvPr>
-            <p:ph type="body" idx="1"/>
-          </p:nvPr>
-        </p:nvSpPr>
-        <p:spPr>
-          <a:xfrm>
-            <a:off x="677335" y="4470400"/>
-            <a:ext cx="8596668" cy="1570962"/>
-          </a:xfrm>
-        </p:spPr>
-        <p:txBody>
-          <a:bodyPr anchor="ctr">
-            <a:normAutofit/>
-          </a:bodyPr>
-          <a:lstStyle>
-            <a:lvl1pPr marL="0" indent="0" algn="l">
-              <a:buNone/>
-              <a:defRPr sz="1800">
-                <a:solidFill>
-                  <a:schemeClr val="tx1">
-                    <a:lumMod val="75000"/>
-                    <a:lumOff val="25000"/>
-                  </a:schemeClr>
-                </a:solidFill>
-              </a:defRPr>
-            </a:lvl1pPr>
-            <a:lvl2pPr marL="457200" indent="0">
-              <a:buNone/>
-              <a:defRPr sz="1800">
-                <a:solidFill>
-                  <a:schemeClr val="tx1">
-                    <a:tint val="75000"/>
-                  </a:schemeClr>
-                </a:solidFill>
-              </a:defRPr>
-            </a:lvl2pPr>
-            <a:lvl3pPr marL="914400" indent="0">
-              <a:buNone/>
-              <a:defRPr sz="1600">
-                <a:solidFill>
-                  <a:schemeClr val="tx1">
-                    <a:tint val="75000"/>
-                  </a:schemeClr>
-                </a:solidFill>
-              </a:defRPr>
-            </a:lvl3pPr>
-            <a:lvl4pPr marL="1371600" indent="0">
-              <a:buNone/>
-              <a:defRPr sz="1400">
-                <a:solidFill>
-                  <a:schemeClr val="tx1">
-                    <a:tint val="75000"/>
-                  </a:schemeClr>
-                </a:solidFill>
-              </a:defRPr>
-            </a:lvl4pPr>
-            <a:lvl5pPr marL="1828800" indent="0">
-              <a:buNone/>
-              <a:defRPr sz="1400">
-                <a:solidFill>
-                  <a:schemeClr val="tx1">
-                    <a:tint val="75000"/>
-                  </a:schemeClr>
-                </a:solidFill>
-              </a:defRPr>
+              <a:buNone/>
+              <a:defRPr sz="900"/>
             </a:lvl5pPr>
             <a:lvl6pPr marL="2286000" indent="0">
               <a:buNone/>
-              <a:defRPr sz="1400">
-                <a:solidFill>
-                  <a:schemeClr val="tx1">
-                    <a:tint val="75000"/>
-                  </a:schemeClr>
-                </a:solidFill>
-              </a:defRPr>
+              <a:defRPr sz="900"/>
             </a:lvl6pPr>
             <a:lvl7pPr marL="2743200" indent="0">
               <a:buNone/>
-              <a:defRPr sz="1400">
-                <a:solidFill>
-                  <a:schemeClr val="tx1">
-                    <a:tint val="75000"/>
-                  </a:schemeClr>
-                </a:solidFill>
-              </a:defRPr>
+              <a:defRPr sz="900"/>
             </a:lvl7pPr>
             <a:lvl8pPr marL="3200400" indent="0">
               <a:buNone/>
-              <a:defRPr sz="1400">
-                <a:solidFill>
-                  <a:schemeClr val="tx1">
-                    <a:tint val="75000"/>
-                  </a:schemeClr>
-                </a:solidFill>
-              </a:defRPr>
+              <a:defRPr sz="900"/>
             </a:lvl8pPr>
             <a:lvl9pPr marL="3657600" indent="0">
               <a:buNone/>
-              <a:defRPr sz="1400">
-                <a:solidFill>
-                  <a:schemeClr val="tx1">
-                    <a:tint val="75000"/>
-                  </a:schemeClr>
-                </a:solidFill>
-              </a:defRPr>
+              <a:defRPr sz="900"/>
             </a:lvl9pPr>
           </a:lstStyle>
           <a:p>
@@ -1450,40 +1096,46 @@
       </p:sp>
       <p:sp>
         <p:nvSpPr>
-          <p:cNvPr id="20" name="TextBox 19"/>
+          <p:cNvPr id="12" name="TextBox 11"/>
           <p:cNvSpPr txBox="1"/>
           <p:nvPr/>
         </p:nvSpPr>
         <p:spPr>
           <a:xfrm>
-            <a:off x="541870" y="790378"/>
-            <a:ext cx="609600" cy="584776"/>
+            <a:off x="898295" y="971253"/>
+            <a:ext cx="801912" cy="1969770"/>
           </a:xfrm>
           <a:prstGeom prst="rect">
             <a:avLst/>
           </a:prstGeom>
+          <a:noFill/>
         </p:spPr>
         <p:txBody>
-          <a:bodyPr vert="horz" lIns="91440" tIns="45720" rIns="91440" bIns="45720" rtlCol="0" anchor="ctr">
-            <a:noAutofit/>
+          <a:bodyPr wrap="square" rtlCol="0">
+            <a:spAutoFit/>
           </a:bodyPr>
-          <a:lstStyle/>
-          <a:p>
-            <a:pPr lvl="0"/>
-            <a:r>
-              <a:rPr lang="en-US" sz="8000" baseline="0" dirty="0">
-                <a:ln w="3175" cmpd="sng">
-                  <a:noFill/>
-                </a:ln>
+          <a:lstStyle>
+            <a:defPPr>
+              <a:defRPr lang="en-US"/>
+            </a:defPPr>
+            <a:lvl1pPr algn="r">
+              <a:defRPr sz="12200" b="0" i="0">
                 <a:solidFill>
-                  <a:schemeClr val="accent1">
-                    <a:lumMod val="60000"/>
-                    <a:lumOff val="40000"/>
+                  <a:schemeClr val="bg2">
+                    <a:lumMod val="40000"/>
+                    <a:lumOff val="60000"/>
                   </a:schemeClr>
                 </a:solidFill>
-                <a:effectLst/>
                 <a:latin typeface="Arial"/>
-              </a:rPr>
+                <a:ea typeface="+mj-ea"/>
+                <a:cs typeface="+mj-cs"/>
+              </a:defRPr>
+            </a:lvl1pPr>
+          </a:lstStyle>
+          <a:p>
+            <a:pPr lvl="0"/>
+            <a:r>
+              <a:rPr lang="en-US" dirty="0"/>
               <a:t>“</a:t>
             </a:r>
           </a:p>
@@ -1491,57 +1143,55 @@
       </p:sp>
       <p:sp>
         <p:nvSpPr>
-          <p:cNvPr id="22" name="TextBox 21"/>
+          <p:cNvPr id="15" name="TextBox 14"/>
           <p:cNvSpPr txBox="1"/>
           <p:nvPr/>
         </p:nvSpPr>
         <p:spPr>
           <a:xfrm>
-            <a:off x="8893011" y="2886556"/>
-            <a:ext cx="609600" cy="584776"/>
+            <a:off x="9330490" y="2613787"/>
+            <a:ext cx="801912" cy="1969770"/>
           </a:xfrm>
           <a:prstGeom prst="rect">
             <a:avLst/>
           </a:prstGeom>
+          <a:noFill/>
         </p:spPr>
         <p:txBody>
-          <a:bodyPr vert="horz" lIns="91440" tIns="45720" rIns="91440" bIns="45720" rtlCol="0" anchor="ctr">
-            <a:noAutofit/>
+          <a:bodyPr wrap="square" rtlCol="0">
+            <a:spAutoFit/>
           </a:bodyPr>
-          <a:lstStyle/>
-          <a:p>
-            <a:pPr lvl="0"/>
-            <a:r>
-              <a:rPr lang="en-US" sz="8000" baseline="0" dirty="0">
-                <a:ln w="3175" cmpd="sng">
-                  <a:noFill/>
-                </a:ln>
+          <a:lstStyle>
+            <a:defPPr>
+              <a:defRPr lang="en-US"/>
+            </a:defPPr>
+            <a:lvl1pPr algn="r">
+              <a:defRPr sz="12200" b="0" i="0">
                 <a:solidFill>
-                  <a:schemeClr val="accent1">
-                    <a:lumMod val="60000"/>
-                    <a:lumOff val="40000"/>
+                  <a:schemeClr val="bg2">
+                    <a:lumMod val="40000"/>
+                    <a:lumOff val="60000"/>
                   </a:schemeClr>
                 </a:solidFill>
                 <a:latin typeface="Arial"/>
-              </a:rPr>
+                <a:ea typeface="+mj-ea"/>
+                <a:cs typeface="+mj-cs"/>
+              </a:defRPr>
+            </a:lvl1pPr>
+          </a:lstStyle>
+          <a:p>
+            <a:pPr lvl="0"/>
+            <a:r>
+              <a:rPr lang="en-US" dirty="0"/>
               <a:t>”</a:t>
             </a:r>
-            <a:endParaRPr lang="en-US" dirty="0">
-              <a:solidFill>
-                <a:schemeClr val="accent1">
-                  <a:lumMod val="60000"/>
-                  <a:lumOff val="40000"/>
-                </a:schemeClr>
-              </a:solidFill>
-              <a:latin typeface="Arial"/>
-            </a:endParaRPr>
           </a:p>
         </p:txBody>
       </p:sp>
     </p:spTree>
     <p:extLst>
       <p:ext uri="{BB962C8B-B14F-4D97-AF65-F5344CB8AC3E}">
-        <p14:creationId xmlns:p14="http://schemas.microsoft.com/office/powerpoint/2010/main" val="964027170"/>
+        <p14:creationId xmlns:p14="http://schemas.microsoft.com/office/powerpoint/2010/main" val="3139804171"/>
       </p:ext>
     </p:extLst>
   </p:cSld>
@@ -1551,7 +1201,7 @@
 </p:sldLayout>
 </file>
 
-<file path=ppt/slideLayouts/slideLayout12.xml><?xml version="1.0" encoding="utf-8"?>
+<file path=ppt/slideLayouts/slideLayout13.xml><?xml version="1.0" encoding="utf-8"?>
 <p:sldLayout xmlns:a="http://schemas.openxmlformats.org/drawingml/2006/main" xmlns:r="http://schemas.openxmlformats.org/officeDocument/2006/relationships" xmlns:p="http://schemas.openxmlformats.org/presentationml/2006/main" preserve="1">
   <p:cSld name="Naamkaartje">
     <p:spTree>
@@ -1580,17 +1230,15 @@
         </p:nvSpPr>
         <p:spPr>
           <a:xfrm>
-            <a:off x="677335" y="1931988"/>
-            <a:ext cx="8596668" cy="2595460"/>
+            <a:off x="1154954" y="3124201"/>
+            <a:ext cx="8825660" cy="1653180"/>
           </a:xfrm>
         </p:spPr>
         <p:txBody>
-          <a:bodyPr anchor="b">
-            <a:normAutofit/>
-          </a:bodyPr>
+          <a:bodyPr anchor="b"/>
           <a:lstStyle>
             <a:lvl1pPr algn="l">
-              <a:defRPr sz="4400" b="0" cap="none"/>
+              <a:defRPr sz="4000" b="0" cap="none"/>
             </a:lvl1pPr>
           </a:lstStyle>
           <a:p>
@@ -1614,22 +1262,20 @@
         </p:nvSpPr>
         <p:spPr>
           <a:xfrm>
-            <a:off x="677335" y="4527448"/>
-            <a:ext cx="8596668" cy="1513914"/>
+            <a:off x="1154954" y="4777381"/>
+            <a:ext cx="8825659" cy="860400"/>
           </a:xfrm>
         </p:spPr>
         <p:txBody>
-          <a:bodyPr anchor="t">
-            <a:normAutofit/>
-          </a:bodyPr>
+          <a:bodyPr anchor="t"/>
           <a:lstStyle>
             <a:lvl1pPr marL="0" indent="0" algn="l">
               <a:buNone/>
-              <a:defRPr sz="1800">
+              <a:defRPr sz="2000" cap="none">
                 <a:solidFill>
-                  <a:schemeClr val="tx1">
-                    <a:lumMod val="75000"/>
-                    <a:lumOff val="25000"/>
+                  <a:schemeClr val="bg2">
+                    <a:lumMod val="40000"/>
+                    <a:lumOff val="60000"/>
                   </a:schemeClr>
                 </a:solidFill>
               </a:defRPr>
@@ -1792,7 +1438,7 @@
     </p:spTree>
     <p:extLst>
       <p:ext uri="{BB962C8B-B14F-4D97-AF65-F5344CB8AC3E}">
-        <p14:creationId xmlns:p14="http://schemas.microsoft.com/office/powerpoint/2010/main" val="3304520224"/>
+        <p14:creationId xmlns:p14="http://schemas.microsoft.com/office/powerpoint/2010/main" val="383036255"/>
       </p:ext>
     </p:extLst>
   </p:cSld>
@@ -1802,9 +1448,9 @@
 </p:sldLayout>
 </file>
 
-<file path=ppt/slideLayouts/slideLayout13.xml><?xml version="1.0" encoding="utf-8"?>
+<file path=ppt/slideLayouts/slideLayout14.xml><?xml version="1.0" encoding="utf-8"?>
 <p:sldLayout xmlns:a="http://schemas.openxmlformats.org/drawingml/2006/main" xmlns:r="http://schemas.openxmlformats.org/officeDocument/2006/relationships" xmlns:p="http://schemas.openxmlformats.org/presentationml/2006/main" preserve="1">
-  <p:cSld name="Offerte naamkaartje">
+  <p:cSld name="3 kolommen">
     <p:spTree>
       <p:nvGrpSpPr>
         <p:cNvPr id="1" name=""/>
@@ -1829,44 +1475,37 @@
             <p:ph type="title"/>
           </p:nvPr>
         </p:nvSpPr>
+        <p:spPr/>
+        <p:txBody>
+          <a:bodyPr/>
+          <a:lstStyle>
+            <a:lvl1pPr>
+              <a:defRPr sz="4200"/>
+            </a:lvl1pPr>
+          </a:lstStyle>
+          <a:p>
+            <a:r>
+              <a:rPr lang="nl-NL" smtClean="0"/>
+              <a:t>Klik om de stijl te bewerken</a:t>
+            </a:r>
+            <a:endParaRPr lang="en-US" dirty="0"/>
+          </a:p>
+        </p:txBody>
+      </p:sp>
+      <p:sp>
+        <p:nvSpPr>
+          <p:cNvPr id="3" name="Text Placeholder 2"/>
+          <p:cNvSpPr>
+            <a:spLocks noGrp="1"/>
+          </p:cNvSpPr>
+          <p:nvPr>
+            <p:ph type="body" idx="1"/>
+          </p:nvPr>
+        </p:nvSpPr>
         <p:spPr>
           <a:xfrm>
-            <a:off x="931334" y="609600"/>
-            <a:ext cx="8094134" cy="3022600"/>
-          </a:xfrm>
-        </p:spPr>
-        <p:txBody>
-          <a:bodyPr anchor="ctr">
-            <a:normAutofit/>
-          </a:bodyPr>
-          <a:lstStyle>
-            <a:lvl1pPr algn="l">
-              <a:defRPr sz="4400" b="0" cap="none"/>
-            </a:lvl1pPr>
-          </a:lstStyle>
-          <a:p>
-            <a:r>
-              <a:rPr lang="nl-NL" smtClean="0"/>
-              <a:t>Klik om de stijl te bewerken</a:t>
-            </a:r>
-            <a:endParaRPr lang="en-US" dirty="0"/>
-          </a:p>
-        </p:txBody>
-      </p:sp>
-      <p:sp>
-        <p:nvSpPr>
-          <p:cNvPr id="23" name="Text Placeholder 9"/>
-          <p:cNvSpPr>
-            <a:spLocks noGrp="1"/>
-          </p:cNvSpPr>
-          <p:nvPr>
-            <p:ph type="body" sz="quarter" idx="13"/>
-          </p:nvPr>
-        </p:nvSpPr>
-        <p:spPr>
-          <a:xfrm>
-            <a:off x="677332" y="4013200"/>
-            <a:ext cx="8596669" cy="514248"/>
+            <a:off x="632947" y="1981200"/>
+            <a:ext cx="2946866" cy="576262"/>
           </a:xfrm>
         </p:spPr>
         <p:txBody>
@@ -1875,37 +1514,48 @@
           </a:bodyPr>
           <a:lstStyle>
             <a:lvl1pPr marL="0" indent="0">
-              <a:buFontTx/>
-              <a:buNone/>
-              <a:defRPr sz="2400">
+              <a:buNone/>
+              <a:defRPr sz="2400" b="0">
                 <a:solidFill>
-                  <a:schemeClr val="tx1">
-                    <a:lumMod val="75000"/>
-                    <a:lumOff val="25000"/>
+                  <a:schemeClr val="bg2">
+                    <a:lumMod val="40000"/>
+                    <a:lumOff val="60000"/>
                   </a:schemeClr>
                 </a:solidFill>
               </a:defRPr>
             </a:lvl1pPr>
             <a:lvl2pPr marL="457200" indent="0">
-              <a:buFontTx/>
-              <a:buNone/>
-              <a:defRPr/>
+              <a:buNone/>
+              <a:defRPr sz="2000" b="1"/>
             </a:lvl2pPr>
             <a:lvl3pPr marL="914400" indent="0">
-              <a:buFontTx/>
-              <a:buNone/>
-              <a:defRPr/>
+              <a:buNone/>
+              <a:defRPr sz="1800" b="1"/>
             </a:lvl3pPr>
             <a:lvl4pPr marL="1371600" indent="0">
-              <a:buFontTx/>
-              <a:buNone/>
-              <a:defRPr/>
+              <a:buNone/>
+              <a:defRPr sz="1600" b="1"/>
             </a:lvl4pPr>
             <a:lvl5pPr marL="1828800" indent="0">
-              <a:buFontTx/>
-              <a:buNone/>
-              <a:defRPr/>
+              <a:buNone/>
+              <a:defRPr sz="1600" b="1"/>
             </a:lvl5pPr>
+            <a:lvl6pPr marL="2286000" indent="0">
+              <a:buNone/>
+              <a:defRPr sz="1600" b="1"/>
+            </a:lvl6pPr>
+            <a:lvl7pPr marL="2743200" indent="0">
+              <a:buNone/>
+              <a:defRPr sz="1600" b="1"/>
+            </a:lvl7pPr>
+            <a:lvl8pPr marL="3200400" indent="0">
+              <a:buNone/>
+              <a:defRPr sz="1600" b="1"/>
+            </a:lvl8pPr>
+            <a:lvl9pPr marL="3657600" indent="0">
+              <a:buNone/>
+              <a:defRPr sz="1600" b="1"/>
+            </a:lvl9pPr>
           </a:lstStyle>
           <a:p>
             <a:pPr lvl="0"/>
@@ -1918,18 +1568,18 @@
       </p:sp>
       <p:sp>
         <p:nvSpPr>
-          <p:cNvPr id="3" name="Text Placeholder 2"/>
-          <p:cNvSpPr>
-            <a:spLocks noGrp="1"/>
-          </p:cNvSpPr>
-          <p:nvPr>
-            <p:ph type="body" idx="1"/>
+          <p:cNvPr id="16" name="Text Placeholder 3"/>
+          <p:cNvSpPr>
+            <a:spLocks noGrp="1"/>
+          </p:cNvSpPr>
+          <p:nvPr>
+            <p:ph type="body" sz="half" idx="15"/>
           </p:nvPr>
         </p:nvSpPr>
         <p:spPr>
           <a:xfrm>
-            <a:off x="677335" y="4527448"/>
-            <a:ext cx="8596668" cy="1513914"/>
+            <a:off x="652463" y="2667000"/>
+            <a:ext cx="2927350" cy="3589338"/>
           </a:xfrm>
         </p:spPr>
         <p:txBody>
@@ -1937,96 +1587,256 @@
             <a:normAutofit/>
           </a:bodyPr>
           <a:lstStyle>
-            <a:lvl1pPr marL="0" indent="0" algn="l">
-              <a:buNone/>
-              <a:defRPr sz="1800">
+            <a:lvl1pPr marL="0" indent="0">
+              <a:buNone/>
+              <a:defRPr sz="1400"/>
+            </a:lvl1pPr>
+            <a:lvl2pPr marL="457200" indent="0">
+              <a:buNone/>
+              <a:defRPr sz="1200"/>
+            </a:lvl2pPr>
+            <a:lvl3pPr marL="914400" indent="0">
+              <a:buNone/>
+              <a:defRPr sz="1000"/>
+            </a:lvl3pPr>
+            <a:lvl4pPr marL="1371600" indent="0">
+              <a:buNone/>
+              <a:defRPr sz="900"/>
+            </a:lvl4pPr>
+            <a:lvl5pPr marL="1828800" indent="0">
+              <a:buNone/>
+              <a:defRPr sz="900"/>
+            </a:lvl5pPr>
+            <a:lvl6pPr marL="2286000" indent="0">
+              <a:buNone/>
+              <a:defRPr sz="900"/>
+            </a:lvl6pPr>
+            <a:lvl7pPr marL="2743200" indent="0">
+              <a:buNone/>
+              <a:defRPr sz="900"/>
+            </a:lvl7pPr>
+            <a:lvl8pPr marL="3200400" indent="0">
+              <a:buNone/>
+              <a:defRPr sz="900"/>
+            </a:lvl8pPr>
+            <a:lvl9pPr marL="3657600" indent="0">
+              <a:buNone/>
+              <a:defRPr sz="900"/>
+            </a:lvl9pPr>
+          </a:lstStyle>
+          <a:p>
+            <a:pPr lvl="0"/>
+            <a:r>
+              <a:rPr lang="nl-NL" smtClean="0"/>
+              <a:t>Klik om de modelstijlen te bewerken</a:t>
+            </a:r>
+          </a:p>
+        </p:txBody>
+      </p:sp>
+      <p:sp>
+        <p:nvSpPr>
+          <p:cNvPr id="5" name="Text Placeholder 4"/>
+          <p:cNvSpPr>
+            <a:spLocks noGrp="1"/>
+          </p:cNvSpPr>
+          <p:nvPr>
+            <p:ph type="body" sz="quarter" idx="3"/>
+          </p:nvPr>
+        </p:nvSpPr>
+        <p:spPr>
+          <a:xfrm>
+            <a:off x="3883659" y="1981200"/>
+            <a:ext cx="2936241" cy="576262"/>
+          </a:xfrm>
+        </p:spPr>
+        <p:txBody>
+          <a:bodyPr anchor="b">
+            <a:noAutofit/>
+          </a:bodyPr>
+          <a:lstStyle>
+            <a:lvl1pPr marL="0" indent="0">
+              <a:buNone/>
+              <a:defRPr sz="2400" b="0">
                 <a:solidFill>
-                  <a:schemeClr val="tx1">
-                    <a:lumMod val="50000"/>
-                    <a:lumOff val="50000"/>
+                  <a:schemeClr val="bg2">
+                    <a:lumMod val="40000"/>
+                    <a:lumOff val="60000"/>
                   </a:schemeClr>
                 </a:solidFill>
               </a:defRPr>
             </a:lvl1pPr>
             <a:lvl2pPr marL="457200" indent="0">
               <a:buNone/>
-              <a:defRPr sz="1800">
+              <a:defRPr sz="2000" b="1"/>
+            </a:lvl2pPr>
+            <a:lvl3pPr marL="914400" indent="0">
+              <a:buNone/>
+              <a:defRPr sz="1800" b="1"/>
+            </a:lvl3pPr>
+            <a:lvl4pPr marL="1371600" indent="0">
+              <a:buNone/>
+              <a:defRPr sz="1600" b="1"/>
+            </a:lvl4pPr>
+            <a:lvl5pPr marL="1828800" indent="0">
+              <a:buNone/>
+              <a:defRPr sz="1600" b="1"/>
+            </a:lvl5pPr>
+            <a:lvl6pPr marL="2286000" indent="0">
+              <a:buNone/>
+              <a:defRPr sz="1600" b="1"/>
+            </a:lvl6pPr>
+            <a:lvl7pPr marL="2743200" indent="0">
+              <a:buNone/>
+              <a:defRPr sz="1600" b="1"/>
+            </a:lvl7pPr>
+            <a:lvl8pPr marL="3200400" indent="0">
+              <a:buNone/>
+              <a:defRPr sz="1600" b="1"/>
+            </a:lvl8pPr>
+            <a:lvl9pPr marL="3657600" indent="0">
+              <a:buNone/>
+              <a:defRPr sz="1600" b="1"/>
+            </a:lvl9pPr>
+          </a:lstStyle>
+          <a:p>
+            <a:pPr lvl="0"/>
+            <a:r>
+              <a:rPr lang="nl-NL" smtClean="0"/>
+              <a:t>Klik om de modelstijlen te bewerken</a:t>
+            </a:r>
+          </a:p>
+        </p:txBody>
+      </p:sp>
+      <p:sp>
+        <p:nvSpPr>
+          <p:cNvPr id="19" name="Text Placeholder 3"/>
+          <p:cNvSpPr>
+            <a:spLocks noGrp="1"/>
+          </p:cNvSpPr>
+          <p:nvPr>
+            <p:ph type="body" sz="half" idx="16"/>
+          </p:nvPr>
+        </p:nvSpPr>
+        <p:spPr>
+          <a:xfrm>
+            <a:off x="3873106" y="2667000"/>
+            <a:ext cx="2946794" cy="3589338"/>
+          </a:xfrm>
+        </p:spPr>
+        <p:txBody>
+          <a:bodyPr anchor="t">
+            <a:normAutofit/>
+          </a:bodyPr>
+          <a:lstStyle>
+            <a:lvl1pPr marL="0" indent="0">
+              <a:buNone/>
+              <a:defRPr sz="1400"/>
+            </a:lvl1pPr>
+            <a:lvl2pPr marL="457200" indent="0">
+              <a:buNone/>
+              <a:defRPr sz="1200"/>
+            </a:lvl2pPr>
+            <a:lvl3pPr marL="914400" indent="0">
+              <a:buNone/>
+              <a:defRPr sz="1000"/>
+            </a:lvl3pPr>
+            <a:lvl4pPr marL="1371600" indent="0">
+              <a:buNone/>
+              <a:defRPr sz="900"/>
+            </a:lvl4pPr>
+            <a:lvl5pPr marL="1828800" indent="0">
+              <a:buNone/>
+              <a:defRPr sz="900"/>
+            </a:lvl5pPr>
+            <a:lvl6pPr marL="2286000" indent="0">
+              <a:buNone/>
+              <a:defRPr sz="900"/>
+            </a:lvl6pPr>
+            <a:lvl7pPr marL="2743200" indent="0">
+              <a:buNone/>
+              <a:defRPr sz="900"/>
+            </a:lvl7pPr>
+            <a:lvl8pPr marL="3200400" indent="0">
+              <a:buNone/>
+              <a:defRPr sz="900"/>
+            </a:lvl8pPr>
+            <a:lvl9pPr marL="3657600" indent="0">
+              <a:buNone/>
+              <a:defRPr sz="900"/>
+            </a:lvl9pPr>
+          </a:lstStyle>
+          <a:p>
+            <a:pPr lvl="0"/>
+            <a:r>
+              <a:rPr lang="nl-NL" smtClean="0"/>
+              <a:t>Klik om de modelstijlen te bewerken</a:t>
+            </a:r>
+          </a:p>
+        </p:txBody>
+      </p:sp>
+      <p:sp>
+        <p:nvSpPr>
+          <p:cNvPr id="14" name="Text Placeholder 4"/>
+          <p:cNvSpPr>
+            <a:spLocks noGrp="1"/>
+          </p:cNvSpPr>
+          <p:nvPr>
+            <p:ph type="body" sz="quarter" idx="13"/>
+          </p:nvPr>
+        </p:nvSpPr>
+        <p:spPr>
+          <a:xfrm>
+            <a:off x="7124700" y="1981200"/>
+            <a:ext cx="2932113" cy="576262"/>
+          </a:xfrm>
+        </p:spPr>
+        <p:txBody>
+          <a:bodyPr anchor="b">
+            <a:noAutofit/>
+          </a:bodyPr>
+          <a:lstStyle>
+            <a:lvl1pPr marL="0" indent="0">
+              <a:buNone/>
+              <a:defRPr sz="2400" b="0">
                 <a:solidFill>
-                  <a:schemeClr val="tx1">
-                    <a:tint val="75000"/>
+                  <a:schemeClr val="bg2">
+                    <a:lumMod val="40000"/>
+                    <a:lumOff val="60000"/>
                   </a:schemeClr>
                 </a:solidFill>
               </a:defRPr>
+            </a:lvl1pPr>
+            <a:lvl2pPr marL="457200" indent="0">
+              <a:buNone/>
+              <a:defRPr sz="2000" b="1"/>
             </a:lvl2pPr>
             <a:lvl3pPr marL="914400" indent="0">
               <a:buNone/>
-              <a:defRPr sz="1600">
-                <a:solidFill>
-                  <a:schemeClr val="tx1">
-                    <a:tint val="75000"/>
-                  </a:schemeClr>
-                </a:solidFill>
-              </a:defRPr>
+              <a:defRPr sz="1800" b="1"/>
             </a:lvl3pPr>
             <a:lvl4pPr marL="1371600" indent="0">
               <a:buNone/>
-              <a:defRPr sz="1400">
-                <a:solidFill>
-                  <a:schemeClr val="tx1">
-                    <a:tint val="75000"/>
-                  </a:schemeClr>
-                </a:solidFill>
-              </a:defRPr>
+              <a:defRPr sz="1600" b="1"/>
             </a:lvl4pPr>
             <a:lvl5pPr marL="1828800" indent="0">
               <a:buNone/>
-              <a:defRPr sz="1400">
-                <a:solidFill>
-                  <a:schemeClr val="tx1">
-                    <a:tint val="75000"/>
-                  </a:schemeClr>
-                </a:solidFill>
-              </a:defRPr>
+              <a:defRPr sz="1600" b="1"/>
             </a:lvl5pPr>
             <a:lvl6pPr marL="2286000" indent="0">
               <a:buNone/>
-              <a:defRPr sz="1400">
-                <a:solidFill>
-                  <a:schemeClr val="tx1">
-                    <a:tint val="75000"/>
-                  </a:schemeClr>
-                </a:solidFill>
-              </a:defRPr>
+              <a:defRPr sz="1600" b="1"/>
             </a:lvl6pPr>
             <a:lvl7pPr marL="2743200" indent="0">
               <a:buNone/>
-              <a:defRPr sz="1400">
-                <a:solidFill>
-                  <a:schemeClr val="tx1">
-                    <a:tint val="75000"/>
-                  </a:schemeClr>
-                </a:solidFill>
-              </a:defRPr>
+              <a:defRPr sz="1600" b="1"/>
             </a:lvl7pPr>
             <a:lvl8pPr marL="3200400" indent="0">
               <a:buNone/>
-              <a:defRPr sz="1400">
-                <a:solidFill>
-                  <a:schemeClr val="tx1">
-                    <a:tint val="75000"/>
-                  </a:schemeClr>
-                </a:solidFill>
-              </a:defRPr>
+              <a:defRPr sz="1600" b="1"/>
             </a:lvl8pPr>
             <a:lvl9pPr marL="3657600" indent="0">
               <a:buNone/>
-              <a:defRPr sz="1400">
-                <a:solidFill>
-                  <a:schemeClr val="tx1">
-                    <a:tint val="75000"/>
-                  </a:schemeClr>
-                </a:solidFill>
-              </a:defRPr>
+              <a:defRPr sz="1600" b="1"/>
             </a:lvl9pPr>
           </a:lstStyle>
           <a:p>
@@ -2040,7 +1850,152 @@
       </p:sp>
       <p:sp>
         <p:nvSpPr>
-          <p:cNvPr id="4" name="Date Placeholder 3"/>
+          <p:cNvPr id="20" name="Text Placeholder 3"/>
+          <p:cNvSpPr>
+            <a:spLocks noGrp="1"/>
+          </p:cNvSpPr>
+          <p:nvPr>
+            <p:ph type="body" sz="half" idx="17"/>
+          </p:nvPr>
+        </p:nvSpPr>
+        <p:spPr>
+          <a:xfrm>
+            <a:off x="7124700" y="2667000"/>
+            <a:ext cx="2932113" cy="3589338"/>
+          </a:xfrm>
+        </p:spPr>
+        <p:txBody>
+          <a:bodyPr anchor="t">
+            <a:normAutofit/>
+          </a:bodyPr>
+          <a:lstStyle>
+            <a:lvl1pPr marL="0" indent="0">
+              <a:buNone/>
+              <a:defRPr sz="1400"/>
+            </a:lvl1pPr>
+            <a:lvl2pPr marL="457200" indent="0">
+              <a:buNone/>
+              <a:defRPr sz="1200"/>
+            </a:lvl2pPr>
+            <a:lvl3pPr marL="914400" indent="0">
+              <a:buNone/>
+              <a:defRPr sz="1000"/>
+            </a:lvl3pPr>
+            <a:lvl4pPr marL="1371600" indent="0">
+              <a:buNone/>
+              <a:defRPr sz="900"/>
+            </a:lvl4pPr>
+            <a:lvl5pPr marL="1828800" indent="0">
+              <a:buNone/>
+              <a:defRPr sz="900"/>
+            </a:lvl5pPr>
+            <a:lvl6pPr marL="2286000" indent="0">
+              <a:buNone/>
+              <a:defRPr sz="900"/>
+            </a:lvl6pPr>
+            <a:lvl7pPr marL="2743200" indent="0">
+              <a:buNone/>
+              <a:defRPr sz="900"/>
+            </a:lvl7pPr>
+            <a:lvl8pPr marL="3200400" indent="0">
+              <a:buNone/>
+              <a:defRPr sz="900"/>
+            </a:lvl8pPr>
+            <a:lvl9pPr marL="3657600" indent="0">
+              <a:buNone/>
+              <a:defRPr sz="900"/>
+            </a:lvl9pPr>
+          </a:lstStyle>
+          <a:p>
+            <a:pPr lvl="0"/>
+            <a:r>
+              <a:rPr lang="nl-NL" smtClean="0"/>
+              <a:t>Klik om de modelstijlen te bewerken</a:t>
+            </a:r>
+          </a:p>
+        </p:txBody>
+      </p:sp>
+      <p:cxnSp>
+        <p:nvCxnSpPr>
+          <p:cNvPr id="17" name="Straight Connector 16"/>
+          <p:cNvCxnSpPr/>
+          <p:nvPr/>
+        </p:nvCxnSpPr>
+        <p:spPr>
+          <a:xfrm>
+            <a:off x="3726142" y="2133600"/>
+            <a:ext cx="0" cy="3962400"/>
+          </a:xfrm>
+          <a:prstGeom prst="line">
+            <a:avLst/>
+          </a:prstGeom>
+          <a:ln w="12700" cmpd="sng">
+            <a:solidFill>
+              <a:schemeClr val="bg2">
+                <a:lumMod val="40000"/>
+                <a:lumOff val="60000"/>
+                <a:alpha val="40000"/>
+              </a:schemeClr>
+            </a:solidFill>
+          </a:ln>
+        </p:spPr>
+        <p:style>
+          <a:lnRef idx="2">
+            <a:schemeClr val="accent1"/>
+          </a:lnRef>
+          <a:fillRef idx="0">
+            <a:schemeClr val="accent1"/>
+          </a:fillRef>
+          <a:effectRef idx="1">
+            <a:schemeClr val="accent1"/>
+          </a:effectRef>
+          <a:fontRef idx="minor">
+            <a:schemeClr val="tx1"/>
+          </a:fontRef>
+        </p:style>
+      </p:cxnSp>
+      <p:cxnSp>
+        <p:nvCxnSpPr>
+          <p:cNvPr id="18" name="Straight Connector 17"/>
+          <p:cNvCxnSpPr/>
+          <p:nvPr/>
+        </p:nvCxnSpPr>
+        <p:spPr>
+          <a:xfrm>
+            <a:off x="6962227" y="2133600"/>
+            <a:ext cx="0" cy="3966882"/>
+          </a:xfrm>
+          <a:prstGeom prst="line">
+            <a:avLst/>
+          </a:prstGeom>
+          <a:ln w="12700" cmpd="sng">
+            <a:solidFill>
+              <a:schemeClr val="bg2">
+                <a:lumMod val="40000"/>
+                <a:lumOff val="60000"/>
+                <a:alpha val="40000"/>
+              </a:schemeClr>
+            </a:solidFill>
+          </a:ln>
+        </p:spPr>
+        <p:style>
+          <a:lnRef idx="2">
+            <a:schemeClr val="accent1"/>
+          </a:lnRef>
+          <a:fillRef idx="0">
+            <a:schemeClr val="accent1"/>
+          </a:fillRef>
+          <a:effectRef idx="1">
+            <a:schemeClr val="accent1"/>
+          </a:effectRef>
+          <a:fontRef idx="minor">
+            <a:schemeClr val="tx1"/>
+          </a:fontRef>
+        </p:style>
+      </p:cxnSp>
+      <p:sp>
+        <p:nvSpPr>
+          <p:cNvPr id="7" name="Date Placeholder 3"/>
           <p:cNvSpPr>
             <a:spLocks noGrp="1"/>
           </p:cNvSpPr>
@@ -2063,7 +2018,7 @@
       </p:sp>
       <p:sp>
         <p:nvSpPr>
-          <p:cNvPr id="5" name="Footer Placeholder 4"/>
+          <p:cNvPr id="4" name="Footer Placeholder 4"/>
           <p:cNvSpPr>
             <a:spLocks noGrp="1"/>
           </p:cNvSpPr>
@@ -2103,92 +2058,10 @@
           </a:p>
         </p:txBody>
       </p:sp>
-      <p:sp>
-        <p:nvSpPr>
-          <p:cNvPr id="24" name="TextBox 23"/>
-          <p:cNvSpPr txBox="1"/>
-          <p:nvPr/>
-        </p:nvSpPr>
-        <p:spPr>
-          <a:xfrm>
-            <a:off x="541870" y="790378"/>
-            <a:ext cx="609600" cy="584776"/>
-          </a:xfrm>
-          <a:prstGeom prst="rect">
-            <a:avLst/>
-          </a:prstGeom>
-        </p:spPr>
-        <p:txBody>
-          <a:bodyPr vert="horz" lIns="91440" tIns="45720" rIns="91440" bIns="45720" rtlCol="0" anchor="ctr">
-            <a:noAutofit/>
-          </a:bodyPr>
-          <a:lstStyle/>
-          <a:p>
-            <a:pPr lvl="0"/>
-            <a:r>
-              <a:rPr lang="en-US" sz="8000" baseline="0" dirty="0">
-                <a:ln w="3175" cmpd="sng">
-                  <a:noFill/>
-                </a:ln>
-                <a:solidFill>
-                  <a:schemeClr val="accent1">
-                    <a:lumMod val="60000"/>
-                    <a:lumOff val="40000"/>
-                  </a:schemeClr>
-                </a:solidFill>
-                <a:effectLst/>
-                <a:latin typeface="Arial"/>
-              </a:rPr>
-              <a:t>“</a:t>
-            </a:r>
-          </a:p>
-        </p:txBody>
-      </p:sp>
-      <p:sp>
-        <p:nvSpPr>
-          <p:cNvPr id="25" name="TextBox 24"/>
-          <p:cNvSpPr txBox="1"/>
-          <p:nvPr/>
-        </p:nvSpPr>
-        <p:spPr>
-          <a:xfrm>
-            <a:off x="8893011" y="2886556"/>
-            <a:ext cx="609600" cy="584776"/>
-          </a:xfrm>
-          <a:prstGeom prst="rect">
-            <a:avLst/>
-          </a:prstGeom>
-        </p:spPr>
-        <p:txBody>
-          <a:bodyPr vert="horz" lIns="91440" tIns="45720" rIns="91440" bIns="45720" rtlCol="0" anchor="ctr">
-            <a:noAutofit/>
-          </a:bodyPr>
-          <a:lstStyle/>
-          <a:p>
-            <a:pPr lvl="0"/>
-            <a:r>
-              <a:rPr lang="en-US" sz="8000" baseline="0" dirty="0">
-                <a:ln w="3175" cmpd="sng">
-                  <a:noFill/>
-                </a:ln>
-                <a:solidFill>
-                  <a:schemeClr val="accent1">
-                    <a:lumMod val="60000"/>
-                    <a:lumOff val="40000"/>
-                  </a:schemeClr>
-                </a:solidFill>
-                <a:effectLst/>
-                <a:latin typeface="Arial"/>
-              </a:rPr>
-              <a:t>”</a:t>
-            </a:r>
-          </a:p>
-        </p:txBody>
-      </p:sp>
     </p:spTree>
     <p:extLst>
       <p:ext uri="{BB962C8B-B14F-4D97-AF65-F5344CB8AC3E}">
-        <p14:creationId xmlns:p14="http://schemas.microsoft.com/office/powerpoint/2010/main" val="3829106712"/>
+        <p14:creationId xmlns:p14="http://schemas.microsoft.com/office/powerpoint/2010/main" val="705264051"/>
       </p:ext>
     </p:extLst>
   </p:cSld>
@@ -2198,9 +2071,9 @@
 </p:sldLayout>
 </file>
 
-<file path=ppt/slideLayouts/slideLayout14.xml><?xml version="1.0" encoding="utf-8"?>
+<file path=ppt/slideLayouts/slideLayout15.xml><?xml version="1.0" encoding="utf-8"?>
 <p:sldLayout xmlns:a="http://schemas.openxmlformats.org/drawingml/2006/main" xmlns:r="http://schemas.openxmlformats.org/officeDocument/2006/relationships" xmlns:p="http://schemas.openxmlformats.org/presentationml/2006/main" preserve="1">
-  <p:cSld name="Waar of onwaar">
+  <p:cSld name="3 Afbeelding-kolom">
     <p:spTree>
       <p:nvGrpSpPr>
         <p:cNvPr id="1" name=""/>
@@ -2225,44 +2098,37 @@
             <p:ph type="title"/>
           </p:nvPr>
         </p:nvSpPr>
+        <p:spPr/>
+        <p:txBody>
+          <a:bodyPr/>
+          <a:lstStyle>
+            <a:lvl1pPr>
+              <a:defRPr sz="4200"/>
+            </a:lvl1pPr>
+          </a:lstStyle>
+          <a:p>
+            <a:r>
+              <a:rPr lang="nl-NL" smtClean="0"/>
+              <a:t>Klik om de stijl te bewerken</a:t>
+            </a:r>
+            <a:endParaRPr lang="en-US" dirty="0"/>
+          </a:p>
+        </p:txBody>
+      </p:sp>
+      <p:sp>
+        <p:nvSpPr>
+          <p:cNvPr id="3" name="Text Placeholder 2"/>
+          <p:cNvSpPr>
+            <a:spLocks noGrp="1"/>
+          </p:cNvSpPr>
+          <p:nvPr>
+            <p:ph type="body" idx="1"/>
+          </p:nvPr>
+        </p:nvSpPr>
         <p:spPr>
           <a:xfrm>
-            <a:off x="685799" y="609600"/>
-            <a:ext cx="8588203" cy="3022600"/>
-          </a:xfrm>
-        </p:spPr>
-        <p:txBody>
-          <a:bodyPr anchor="ctr">
-            <a:normAutofit/>
-          </a:bodyPr>
-          <a:lstStyle>
-            <a:lvl1pPr algn="l">
-              <a:defRPr sz="4400" b="0" cap="none"/>
-            </a:lvl1pPr>
-          </a:lstStyle>
-          <a:p>
-            <a:r>
-              <a:rPr lang="nl-NL" smtClean="0"/>
-              <a:t>Klik om de stijl te bewerken</a:t>
-            </a:r>
-            <a:endParaRPr lang="en-US" dirty="0"/>
-          </a:p>
-        </p:txBody>
-      </p:sp>
-      <p:sp>
-        <p:nvSpPr>
-          <p:cNvPr id="23" name="Text Placeholder 9"/>
-          <p:cNvSpPr>
-            <a:spLocks noGrp="1"/>
-          </p:cNvSpPr>
-          <p:nvPr>
-            <p:ph type="body" sz="quarter" idx="13"/>
-          </p:nvPr>
-        </p:nvSpPr>
-        <p:spPr>
-          <a:xfrm>
-            <a:off x="677332" y="4013200"/>
-            <a:ext cx="8596669" cy="514248"/>
+            <a:off x="652463" y="4250949"/>
+            <a:ext cx="2940050" cy="576262"/>
           </a:xfrm>
         </p:spPr>
         <p:txBody>
@@ -2271,155 +2137,487 @@
           </a:bodyPr>
           <a:lstStyle>
             <a:lvl1pPr marL="0" indent="0">
-              <a:buFontTx/>
-              <a:buNone/>
-              <a:defRPr sz="2400">
+              <a:buNone/>
+              <a:defRPr sz="2400" b="0">
                 <a:solidFill>
-                  <a:schemeClr val="accent1"/>
-                </a:solidFill>
-              </a:defRPr>
-            </a:lvl1pPr>
-            <a:lvl2pPr marL="457200" indent="0">
-              <a:buFontTx/>
-              <a:buNone/>
-              <a:defRPr/>
-            </a:lvl2pPr>
-            <a:lvl3pPr marL="914400" indent="0">
-              <a:buFontTx/>
-              <a:buNone/>
-              <a:defRPr/>
-            </a:lvl3pPr>
-            <a:lvl4pPr marL="1371600" indent="0">
-              <a:buFontTx/>
-              <a:buNone/>
-              <a:defRPr/>
-            </a:lvl4pPr>
-            <a:lvl5pPr marL="1828800" indent="0">
-              <a:buFontTx/>
-              <a:buNone/>
-              <a:defRPr/>
-            </a:lvl5pPr>
-          </a:lstStyle>
-          <a:p>
-            <a:pPr lvl="0"/>
-            <a:r>
-              <a:rPr lang="nl-NL" smtClean="0"/>
-              <a:t>Klik om de modelstijlen te bewerken</a:t>
-            </a:r>
-          </a:p>
-        </p:txBody>
-      </p:sp>
-      <p:sp>
-        <p:nvSpPr>
-          <p:cNvPr id="3" name="Text Placeholder 2"/>
-          <p:cNvSpPr>
-            <a:spLocks noGrp="1"/>
-          </p:cNvSpPr>
-          <p:nvPr>
-            <p:ph type="body" idx="1"/>
-          </p:nvPr>
-        </p:nvSpPr>
-        <p:spPr>
-          <a:xfrm>
-            <a:off x="677335" y="4527448"/>
-            <a:ext cx="8596668" cy="1513914"/>
-          </a:xfrm>
-        </p:spPr>
-        <p:txBody>
-          <a:bodyPr anchor="t">
-            <a:normAutofit/>
-          </a:bodyPr>
-          <a:lstStyle>
-            <a:lvl1pPr marL="0" indent="0" algn="l">
-              <a:buNone/>
-              <a:defRPr sz="1800">
-                <a:solidFill>
-                  <a:schemeClr val="tx1">
-                    <a:lumMod val="50000"/>
-                    <a:lumOff val="50000"/>
+                  <a:schemeClr val="bg2">
+                    <a:lumMod val="40000"/>
+                    <a:lumOff val="60000"/>
                   </a:schemeClr>
                 </a:solidFill>
               </a:defRPr>
             </a:lvl1pPr>
             <a:lvl2pPr marL="457200" indent="0">
               <a:buNone/>
-              <a:defRPr sz="1800">
+              <a:defRPr sz="2000" b="1"/>
+            </a:lvl2pPr>
+            <a:lvl3pPr marL="914400" indent="0">
+              <a:buNone/>
+              <a:defRPr sz="1800" b="1"/>
+            </a:lvl3pPr>
+            <a:lvl4pPr marL="1371600" indent="0">
+              <a:buNone/>
+              <a:defRPr sz="1600" b="1"/>
+            </a:lvl4pPr>
+            <a:lvl5pPr marL="1828800" indent="0">
+              <a:buNone/>
+              <a:defRPr sz="1600" b="1"/>
+            </a:lvl5pPr>
+            <a:lvl6pPr marL="2286000" indent="0">
+              <a:buNone/>
+              <a:defRPr sz="1600" b="1"/>
+            </a:lvl6pPr>
+            <a:lvl7pPr marL="2743200" indent="0">
+              <a:buNone/>
+              <a:defRPr sz="1600" b="1"/>
+            </a:lvl7pPr>
+            <a:lvl8pPr marL="3200400" indent="0">
+              <a:buNone/>
+              <a:defRPr sz="1600" b="1"/>
+            </a:lvl8pPr>
+            <a:lvl9pPr marL="3657600" indent="0">
+              <a:buNone/>
+              <a:defRPr sz="1600" b="1"/>
+            </a:lvl9pPr>
+          </a:lstStyle>
+          <a:p>
+            <a:pPr lvl="0"/>
+            <a:r>
+              <a:rPr lang="nl-NL" smtClean="0"/>
+              <a:t>Klik om de modelstijlen te bewerken</a:t>
+            </a:r>
+          </a:p>
+        </p:txBody>
+      </p:sp>
+      <p:sp>
+        <p:nvSpPr>
+          <p:cNvPr id="29" name="Picture Placeholder 2"/>
+          <p:cNvSpPr>
+            <a:spLocks noGrp="1" noChangeAspect="1"/>
+          </p:cNvSpPr>
+          <p:nvPr>
+            <p:ph type="pic" idx="15"/>
+          </p:nvPr>
+        </p:nvSpPr>
+        <p:spPr>
+          <a:xfrm>
+            <a:off x="652463" y="2209800"/>
+            <a:ext cx="2940050" cy="1524000"/>
+          </a:xfrm>
+          <a:prstGeom prst="roundRect">
+            <a:avLst>
+              <a:gd name="adj" fmla="val 1858"/>
+            </a:avLst>
+          </a:prstGeom>
+          <a:effectLst>
+            <a:outerShdw blurRad="50800" dist="50800" dir="5400000" algn="tl" rotWithShape="0">
+              <a:srgbClr val="000000">
+                <a:alpha val="43000"/>
+              </a:srgbClr>
+            </a:outerShdw>
+          </a:effectLst>
+        </p:spPr>
+        <p:txBody>
+          <a:bodyPr anchor="t">
+            <a:normAutofit/>
+          </a:bodyPr>
+          <a:lstStyle>
+            <a:lvl1pPr marL="0" indent="0" algn="ctr">
+              <a:buNone/>
+              <a:defRPr sz="1600"/>
+            </a:lvl1pPr>
+            <a:lvl2pPr marL="457200" indent="0">
+              <a:buNone/>
+              <a:defRPr sz="1600"/>
+            </a:lvl2pPr>
+            <a:lvl3pPr marL="914400" indent="0">
+              <a:buNone/>
+              <a:defRPr sz="1600"/>
+            </a:lvl3pPr>
+            <a:lvl4pPr marL="1371600" indent="0">
+              <a:buNone/>
+              <a:defRPr sz="1600"/>
+            </a:lvl4pPr>
+            <a:lvl5pPr marL="1828800" indent="0">
+              <a:buNone/>
+              <a:defRPr sz="1600"/>
+            </a:lvl5pPr>
+            <a:lvl6pPr marL="2286000" indent="0">
+              <a:buNone/>
+              <a:defRPr sz="1600"/>
+            </a:lvl6pPr>
+            <a:lvl7pPr marL="2743200" indent="0">
+              <a:buNone/>
+              <a:defRPr sz="1600"/>
+            </a:lvl7pPr>
+            <a:lvl8pPr marL="3200400" indent="0">
+              <a:buNone/>
+              <a:defRPr sz="1600"/>
+            </a:lvl8pPr>
+            <a:lvl9pPr marL="3657600" indent="0">
+              <a:buNone/>
+              <a:defRPr sz="1600"/>
+            </a:lvl9pPr>
+          </a:lstStyle>
+          <a:p>
+            <a:r>
+              <a:rPr lang="nl-NL" smtClean="0"/>
+              <a:t>Klik op het pictogram als u een afbeelding wilt toevoegen</a:t>
+            </a:r>
+            <a:endParaRPr lang="en-US" dirty="0"/>
+          </a:p>
+        </p:txBody>
+      </p:sp>
+      <p:sp>
+        <p:nvSpPr>
+          <p:cNvPr id="22" name="Text Placeholder 3"/>
+          <p:cNvSpPr>
+            <a:spLocks noGrp="1"/>
+          </p:cNvSpPr>
+          <p:nvPr>
+            <p:ph type="body" sz="half" idx="18"/>
+          </p:nvPr>
+        </p:nvSpPr>
+        <p:spPr>
+          <a:xfrm>
+            <a:off x="652463" y="4827211"/>
+            <a:ext cx="2940050" cy="659189"/>
+          </a:xfrm>
+        </p:spPr>
+        <p:txBody>
+          <a:bodyPr anchor="t">
+            <a:normAutofit/>
+          </a:bodyPr>
+          <a:lstStyle>
+            <a:lvl1pPr marL="0" indent="0">
+              <a:buNone/>
+              <a:defRPr sz="1400"/>
+            </a:lvl1pPr>
+            <a:lvl2pPr marL="457200" indent="0">
+              <a:buNone/>
+              <a:defRPr sz="1200"/>
+            </a:lvl2pPr>
+            <a:lvl3pPr marL="914400" indent="0">
+              <a:buNone/>
+              <a:defRPr sz="1000"/>
+            </a:lvl3pPr>
+            <a:lvl4pPr marL="1371600" indent="0">
+              <a:buNone/>
+              <a:defRPr sz="900"/>
+            </a:lvl4pPr>
+            <a:lvl5pPr marL="1828800" indent="0">
+              <a:buNone/>
+              <a:defRPr sz="900"/>
+            </a:lvl5pPr>
+            <a:lvl6pPr marL="2286000" indent="0">
+              <a:buNone/>
+              <a:defRPr sz="900"/>
+            </a:lvl6pPr>
+            <a:lvl7pPr marL="2743200" indent="0">
+              <a:buNone/>
+              <a:defRPr sz="900"/>
+            </a:lvl7pPr>
+            <a:lvl8pPr marL="3200400" indent="0">
+              <a:buNone/>
+              <a:defRPr sz="900"/>
+            </a:lvl8pPr>
+            <a:lvl9pPr marL="3657600" indent="0">
+              <a:buNone/>
+              <a:defRPr sz="900"/>
+            </a:lvl9pPr>
+          </a:lstStyle>
+          <a:p>
+            <a:pPr lvl="0"/>
+            <a:r>
+              <a:rPr lang="nl-NL" smtClean="0"/>
+              <a:t>Klik om de modelstijlen te bewerken</a:t>
+            </a:r>
+          </a:p>
+        </p:txBody>
+      </p:sp>
+      <p:sp>
+        <p:nvSpPr>
+          <p:cNvPr id="5" name="Text Placeholder 4"/>
+          <p:cNvSpPr>
+            <a:spLocks noGrp="1"/>
+          </p:cNvSpPr>
+          <p:nvPr>
+            <p:ph type="body" sz="quarter" idx="3"/>
+          </p:nvPr>
+        </p:nvSpPr>
+        <p:spPr>
+          <a:xfrm>
+            <a:off x="3889375" y="4250949"/>
+            <a:ext cx="2930525" cy="576262"/>
+          </a:xfrm>
+        </p:spPr>
+        <p:txBody>
+          <a:bodyPr anchor="b">
+            <a:noAutofit/>
+          </a:bodyPr>
+          <a:lstStyle>
+            <a:lvl1pPr marL="0" indent="0">
+              <a:buNone/>
+              <a:defRPr sz="2400" b="0">
                 <a:solidFill>
-                  <a:schemeClr val="tx1">
-                    <a:tint val="75000"/>
+                  <a:schemeClr val="bg2">
+                    <a:lumMod val="40000"/>
+                    <a:lumOff val="60000"/>
                   </a:schemeClr>
                 </a:solidFill>
               </a:defRPr>
+            </a:lvl1pPr>
+            <a:lvl2pPr marL="457200" indent="0">
+              <a:buNone/>
+              <a:defRPr sz="2000" b="1"/>
             </a:lvl2pPr>
             <a:lvl3pPr marL="914400" indent="0">
               <a:buNone/>
-              <a:defRPr sz="1600">
+              <a:defRPr sz="1800" b="1"/>
+            </a:lvl3pPr>
+            <a:lvl4pPr marL="1371600" indent="0">
+              <a:buNone/>
+              <a:defRPr sz="1600" b="1"/>
+            </a:lvl4pPr>
+            <a:lvl5pPr marL="1828800" indent="0">
+              <a:buNone/>
+              <a:defRPr sz="1600" b="1"/>
+            </a:lvl5pPr>
+            <a:lvl6pPr marL="2286000" indent="0">
+              <a:buNone/>
+              <a:defRPr sz="1600" b="1"/>
+            </a:lvl6pPr>
+            <a:lvl7pPr marL="2743200" indent="0">
+              <a:buNone/>
+              <a:defRPr sz="1600" b="1"/>
+            </a:lvl7pPr>
+            <a:lvl8pPr marL="3200400" indent="0">
+              <a:buNone/>
+              <a:defRPr sz="1600" b="1"/>
+            </a:lvl8pPr>
+            <a:lvl9pPr marL="3657600" indent="0">
+              <a:buNone/>
+              <a:defRPr sz="1600" b="1"/>
+            </a:lvl9pPr>
+          </a:lstStyle>
+          <a:p>
+            <a:pPr lvl="0"/>
+            <a:r>
+              <a:rPr lang="nl-NL" smtClean="0"/>
+              <a:t>Klik om de modelstijlen te bewerken</a:t>
+            </a:r>
+          </a:p>
+        </p:txBody>
+      </p:sp>
+      <p:sp>
+        <p:nvSpPr>
+          <p:cNvPr id="30" name="Picture Placeholder 2"/>
+          <p:cNvSpPr>
+            <a:spLocks noGrp="1" noChangeAspect="1"/>
+          </p:cNvSpPr>
+          <p:nvPr>
+            <p:ph type="pic" idx="21"/>
+          </p:nvPr>
+        </p:nvSpPr>
+        <p:spPr>
+          <a:xfrm>
+            <a:off x="3889374" y="2209800"/>
+            <a:ext cx="2930525" cy="1524000"/>
+          </a:xfrm>
+          <a:prstGeom prst="roundRect">
+            <a:avLst>
+              <a:gd name="adj" fmla="val 1858"/>
+            </a:avLst>
+          </a:prstGeom>
+          <a:effectLst>
+            <a:outerShdw blurRad="50800" dist="50800" dir="5400000" algn="tl" rotWithShape="0">
+              <a:srgbClr val="000000">
+                <a:alpha val="43000"/>
+              </a:srgbClr>
+            </a:outerShdw>
+          </a:effectLst>
+        </p:spPr>
+        <p:txBody>
+          <a:bodyPr anchor="t">
+            <a:normAutofit/>
+          </a:bodyPr>
+          <a:lstStyle>
+            <a:lvl1pPr marL="0" indent="0" algn="ctr">
+              <a:buNone/>
+              <a:defRPr sz="1600"/>
+            </a:lvl1pPr>
+            <a:lvl2pPr marL="457200" indent="0">
+              <a:buNone/>
+              <a:defRPr sz="1600"/>
+            </a:lvl2pPr>
+            <a:lvl3pPr marL="914400" indent="0">
+              <a:buNone/>
+              <a:defRPr sz="1600"/>
+            </a:lvl3pPr>
+            <a:lvl4pPr marL="1371600" indent="0">
+              <a:buNone/>
+              <a:defRPr sz="1600"/>
+            </a:lvl4pPr>
+            <a:lvl5pPr marL="1828800" indent="0">
+              <a:buNone/>
+              <a:defRPr sz="1600"/>
+            </a:lvl5pPr>
+            <a:lvl6pPr marL="2286000" indent="0">
+              <a:buNone/>
+              <a:defRPr sz="1600"/>
+            </a:lvl6pPr>
+            <a:lvl7pPr marL="2743200" indent="0">
+              <a:buNone/>
+              <a:defRPr sz="1600"/>
+            </a:lvl7pPr>
+            <a:lvl8pPr marL="3200400" indent="0">
+              <a:buNone/>
+              <a:defRPr sz="1600"/>
+            </a:lvl8pPr>
+            <a:lvl9pPr marL="3657600" indent="0">
+              <a:buNone/>
+              <a:defRPr sz="1600"/>
+            </a:lvl9pPr>
+          </a:lstStyle>
+          <a:p>
+            <a:r>
+              <a:rPr lang="nl-NL" smtClean="0"/>
+              <a:t>Klik op het pictogram als u een afbeelding wilt toevoegen</a:t>
+            </a:r>
+            <a:endParaRPr lang="en-US" dirty="0"/>
+          </a:p>
+        </p:txBody>
+      </p:sp>
+      <p:sp>
+        <p:nvSpPr>
+          <p:cNvPr id="23" name="Text Placeholder 3"/>
+          <p:cNvSpPr>
+            <a:spLocks noGrp="1"/>
+          </p:cNvSpPr>
+          <p:nvPr>
+            <p:ph type="body" sz="half" idx="19"/>
+          </p:nvPr>
+        </p:nvSpPr>
+        <p:spPr>
+          <a:xfrm>
+            <a:off x="3888022" y="4827210"/>
+            <a:ext cx="2934406" cy="659189"/>
+          </a:xfrm>
+        </p:spPr>
+        <p:txBody>
+          <a:bodyPr anchor="t">
+            <a:normAutofit/>
+          </a:bodyPr>
+          <a:lstStyle>
+            <a:lvl1pPr marL="0" indent="0">
+              <a:buNone/>
+              <a:defRPr sz="1400"/>
+            </a:lvl1pPr>
+            <a:lvl2pPr marL="457200" indent="0">
+              <a:buNone/>
+              <a:defRPr sz="1200"/>
+            </a:lvl2pPr>
+            <a:lvl3pPr marL="914400" indent="0">
+              <a:buNone/>
+              <a:defRPr sz="1000"/>
+            </a:lvl3pPr>
+            <a:lvl4pPr marL="1371600" indent="0">
+              <a:buNone/>
+              <a:defRPr sz="900"/>
+            </a:lvl4pPr>
+            <a:lvl5pPr marL="1828800" indent="0">
+              <a:buNone/>
+              <a:defRPr sz="900"/>
+            </a:lvl5pPr>
+            <a:lvl6pPr marL="2286000" indent="0">
+              <a:buNone/>
+              <a:defRPr sz="900"/>
+            </a:lvl6pPr>
+            <a:lvl7pPr marL="2743200" indent="0">
+              <a:buNone/>
+              <a:defRPr sz="900"/>
+            </a:lvl7pPr>
+            <a:lvl8pPr marL="3200400" indent="0">
+              <a:buNone/>
+              <a:defRPr sz="900"/>
+            </a:lvl8pPr>
+            <a:lvl9pPr marL="3657600" indent="0">
+              <a:buNone/>
+              <a:defRPr sz="900"/>
+            </a:lvl9pPr>
+          </a:lstStyle>
+          <a:p>
+            <a:pPr lvl="0"/>
+            <a:r>
+              <a:rPr lang="nl-NL" smtClean="0"/>
+              <a:t>Klik om de modelstijlen te bewerken</a:t>
+            </a:r>
+          </a:p>
+        </p:txBody>
+      </p:sp>
+      <p:sp>
+        <p:nvSpPr>
+          <p:cNvPr id="14" name="Text Placeholder 4"/>
+          <p:cNvSpPr>
+            <a:spLocks noGrp="1"/>
+          </p:cNvSpPr>
+          <p:nvPr>
+            <p:ph type="body" sz="quarter" idx="13"/>
+          </p:nvPr>
+        </p:nvSpPr>
+        <p:spPr>
+          <a:xfrm>
+            <a:off x="7124700" y="4250949"/>
+            <a:ext cx="2932113" cy="576262"/>
+          </a:xfrm>
+        </p:spPr>
+        <p:txBody>
+          <a:bodyPr anchor="b">
+            <a:noAutofit/>
+          </a:bodyPr>
+          <a:lstStyle>
+            <a:lvl1pPr marL="0" indent="0">
+              <a:buNone/>
+              <a:defRPr sz="2400" b="0">
                 <a:solidFill>
-                  <a:schemeClr val="tx1">
-                    <a:tint val="75000"/>
+                  <a:schemeClr val="bg2">
+                    <a:lumMod val="40000"/>
+                    <a:lumOff val="60000"/>
                   </a:schemeClr>
                 </a:solidFill>
               </a:defRPr>
+            </a:lvl1pPr>
+            <a:lvl2pPr marL="457200" indent="0">
+              <a:buNone/>
+              <a:defRPr sz="2000" b="1"/>
+            </a:lvl2pPr>
+            <a:lvl3pPr marL="914400" indent="0">
+              <a:buNone/>
+              <a:defRPr sz="1800" b="1"/>
             </a:lvl3pPr>
             <a:lvl4pPr marL="1371600" indent="0">
               <a:buNone/>
-              <a:defRPr sz="1400">
-                <a:solidFill>
-                  <a:schemeClr val="tx1">
-                    <a:tint val="75000"/>
-                  </a:schemeClr>
-                </a:solidFill>
-              </a:defRPr>
+              <a:defRPr sz="1600" b="1"/>
             </a:lvl4pPr>
             <a:lvl5pPr marL="1828800" indent="0">
               <a:buNone/>
-              <a:defRPr sz="1400">
-                <a:solidFill>
-                  <a:schemeClr val="tx1">
-                    <a:tint val="75000"/>
-                  </a:schemeClr>
-                </a:solidFill>
-              </a:defRPr>
+              <a:defRPr sz="1600" b="1"/>
             </a:lvl5pPr>
             <a:lvl6pPr marL="2286000" indent="0">
               <a:buNone/>
-              <a:defRPr sz="1400">
-                <a:solidFill>
-                  <a:schemeClr val="tx1">
-                    <a:tint val="75000"/>
-                  </a:schemeClr>
-                </a:solidFill>
-              </a:defRPr>
+              <a:defRPr sz="1600" b="1"/>
             </a:lvl6pPr>
             <a:lvl7pPr marL="2743200" indent="0">
               <a:buNone/>
-              <a:defRPr sz="1400">
-                <a:solidFill>
-                  <a:schemeClr val="tx1">
-                    <a:tint val="75000"/>
-                  </a:schemeClr>
-                </a:solidFill>
-              </a:defRPr>
+              <a:defRPr sz="1600" b="1"/>
             </a:lvl7pPr>
             <a:lvl8pPr marL="3200400" indent="0">
               <a:buNone/>
-              <a:defRPr sz="1400">
-                <a:solidFill>
-                  <a:schemeClr val="tx1">
-                    <a:tint val="75000"/>
-                  </a:schemeClr>
-                </a:solidFill>
-              </a:defRPr>
+              <a:defRPr sz="1600" b="1"/>
             </a:lvl8pPr>
             <a:lvl9pPr marL="3657600" indent="0">
               <a:buNone/>
-              <a:defRPr sz="1400">
-                <a:solidFill>
-                  <a:schemeClr val="tx1">
-                    <a:tint val="75000"/>
-                  </a:schemeClr>
-                </a:solidFill>
-              </a:defRPr>
+              <a:defRPr sz="1600" b="1"/>
             </a:lvl9pPr>
           </a:lstStyle>
           <a:p>
@@ -2433,7 +2631,231 @@
       </p:sp>
       <p:sp>
         <p:nvSpPr>
-          <p:cNvPr id="4" name="Date Placeholder 3"/>
+          <p:cNvPr id="31" name="Picture Placeholder 2"/>
+          <p:cNvSpPr>
+            <a:spLocks noGrp="1" noChangeAspect="1"/>
+          </p:cNvSpPr>
+          <p:nvPr>
+            <p:ph type="pic" idx="22"/>
+          </p:nvPr>
+        </p:nvSpPr>
+        <p:spPr>
+          <a:xfrm>
+            <a:off x="7124699" y="2209800"/>
+            <a:ext cx="2932113" cy="1524000"/>
+          </a:xfrm>
+          <a:prstGeom prst="roundRect">
+            <a:avLst>
+              <a:gd name="adj" fmla="val 1858"/>
+            </a:avLst>
+          </a:prstGeom>
+          <a:effectLst>
+            <a:outerShdw blurRad="50800" dist="50800" dir="5400000" algn="tl" rotWithShape="0">
+              <a:srgbClr val="000000">
+                <a:alpha val="43000"/>
+              </a:srgbClr>
+            </a:outerShdw>
+          </a:effectLst>
+        </p:spPr>
+        <p:txBody>
+          <a:bodyPr anchor="t">
+            <a:normAutofit/>
+          </a:bodyPr>
+          <a:lstStyle>
+            <a:lvl1pPr marL="0" indent="0" algn="ctr">
+              <a:buNone/>
+              <a:defRPr sz="1600"/>
+            </a:lvl1pPr>
+            <a:lvl2pPr marL="457200" indent="0">
+              <a:buNone/>
+              <a:defRPr sz="1600"/>
+            </a:lvl2pPr>
+            <a:lvl3pPr marL="914400" indent="0">
+              <a:buNone/>
+              <a:defRPr sz="1600"/>
+            </a:lvl3pPr>
+            <a:lvl4pPr marL="1371600" indent="0">
+              <a:buNone/>
+              <a:defRPr sz="1600"/>
+            </a:lvl4pPr>
+            <a:lvl5pPr marL="1828800" indent="0">
+              <a:buNone/>
+              <a:defRPr sz="1600"/>
+            </a:lvl5pPr>
+            <a:lvl6pPr marL="2286000" indent="0">
+              <a:buNone/>
+              <a:defRPr sz="1600"/>
+            </a:lvl6pPr>
+            <a:lvl7pPr marL="2743200" indent="0">
+              <a:buNone/>
+              <a:defRPr sz="1600"/>
+            </a:lvl7pPr>
+            <a:lvl8pPr marL="3200400" indent="0">
+              <a:buNone/>
+              <a:defRPr sz="1600"/>
+            </a:lvl8pPr>
+            <a:lvl9pPr marL="3657600" indent="0">
+              <a:buNone/>
+              <a:defRPr sz="1600"/>
+            </a:lvl9pPr>
+          </a:lstStyle>
+          <a:p>
+            <a:r>
+              <a:rPr lang="nl-NL" smtClean="0"/>
+              <a:t>Klik op het pictogram als u een afbeelding wilt toevoegen</a:t>
+            </a:r>
+            <a:endParaRPr lang="en-US" dirty="0"/>
+          </a:p>
+        </p:txBody>
+      </p:sp>
+      <p:sp>
+        <p:nvSpPr>
+          <p:cNvPr id="24" name="Text Placeholder 3"/>
+          <p:cNvSpPr>
+            <a:spLocks noGrp="1"/>
+          </p:cNvSpPr>
+          <p:nvPr>
+            <p:ph type="body" sz="half" idx="20"/>
+          </p:nvPr>
+        </p:nvSpPr>
+        <p:spPr>
+          <a:xfrm>
+            <a:off x="7124575" y="4827208"/>
+            <a:ext cx="2935997" cy="659189"/>
+          </a:xfrm>
+        </p:spPr>
+        <p:txBody>
+          <a:bodyPr anchor="t">
+            <a:normAutofit/>
+          </a:bodyPr>
+          <a:lstStyle>
+            <a:lvl1pPr marL="0" indent="0">
+              <a:buNone/>
+              <a:defRPr sz="1400"/>
+            </a:lvl1pPr>
+            <a:lvl2pPr marL="457200" indent="0">
+              <a:buNone/>
+              <a:defRPr sz="1200"/>
+            </a:lvl2pPr>
+            <a:lvl3pPr marL="914400" indent="0">
+              <a:buNone/>
+              <a:defRPr sz="1000"/>
+            </a:lvl3pPr>
+            <a:lvl4pPr marL="1371600" indent="0">
+              <a:buNone/>
+              <a:defRPr sz="900"/>
+            </a:lvl4pPr>
+            <a:lvl5pPr marL="1828800" indent="0">
+              <a:buNone/>
+              <a:defRPr sz="900"/>
+            </a:lvl5pPr>
+            <a:lvl6pPr marL="2286000" indent="0">
+              <a:buNone/>
+              <a:defRPr sz="900"/>
+            </a:lvl6pPr>
+            <a:lvl7pPr marL="2743200" indent="0">
+              <a:buNone/>
+              <a:defRPr sz="900"/>
+            </a:lvl7pPr>
+            <a:lvl8pPr marL="3200400" indent="0">
+              <a:buNone/>
+              <a:defRPr sz="900"/>
+            </a:lvl8pPr>
+            <a:lvl9pPr marL="3657600" indent="0">
+              <a:buNone/>
+              <a:defRPr sz="900"/>
+            </a:lvl9pPr>
+          </a:lstStyle>
+          <a:p>
+            <a:pPr lvl="0"/>
+            <a:r>
+              <a:rPr lang="nl-NL" smtClean="0"/>
+              <a:t>Klik om de modelstijlen te bewerken</a:t>
+            </a:r>
+          </a:p>
+        </p:txBody>
+      </p:sp>
+      <p:cxnSp>
+        <p:nvCxnSpPr>
+          <p:cNvPr id="19" name="Straight Connector 18"/>
+          <p:cNvCxnSpPr/>
+          <p:nvPr/>
+        </p:nvCxnSpPr>
+        <p:spPr>
+          <a:xfrm>
+            <a:off x="3726142" y="2133600"/>
+            <a:ext cx="0" cy="3962400"/>
+          </a:xfrm>
+          <a:prstGeom prst="line">
+            <a:avLst/>
+          </a:prstGeom>
+          <a:ln w="12700" cmpd="sng">
+            <a:solidFill>
+              <a:schemeClr val="bg2">
+                <a:lumMod val="40000"/>
+                <a:lumOff val="60000"/>
+                <a:alpha val="40000"/>
+              </a:schemeClr>
+            </a:solidFill>
+          </a:ln>
+        </p:spPr>
+        <p:style>
+          <a:lnRef idx="2">
+            <a:schemeClr val="accent1"/>
+          </a:lnRef>
+          <a:fillRef idx="0">
+            <a:schemeClr val="accent1"/>
+          </a:fillRef>
+          <a:effectRef idx="1">
+            <a:schemeClr val="accent1"/>
+          </a:effectRef>
+          <a:fontRef idx="minor">
+            <a:schemeClr val="tx1"/>
+          </a:fontRef>
+        </p:style>
+      </p:cxnSp>
+      <p:cxnSp>
+        <p:nvCxnSpPr>
+          <p:cNvPr id="20" name="Straight Connector 19"/>
+          <p:cNvCxnSpPr/>
+          <p:nvPr/>
+        </p:nvCxnSpPr>
+        <p:spPr>
+          <a:xfrm>
+            <a:off x="6962227" y="2133600"/>
+            <a:ext cx="0" cy="3966882"/>
+          </a:xfrm>
+          <a:prstGeom prst="line">
+            <a:avLst/>
+          </a:prstGeom>
+          <a:ln w="12700" cmpd="sng">
+            <a:solidFill>
+              <a:schemeClr val="bg2">
+                <a:lumMod val="40000"/>
+                <a:lumOff val="60000"/>
+                <a:alpha val="40000"/>
+              </a:schemeClr>
+            </a:solidFill>
+          </a:ln>
+        </p:spPr>
+        <p:style>
+          <a:lnRef idx="2">
+            <a:schemeClr val="accent1"/>
+          </a:lnRef>
+          <a:fillRef idx="0">
+            <a:schemeClr val="accent1"/>
+          </a:fillRef>
+          <a:effectRef idx="1">
+            <a:schemeClr val="accent1"/>
+          </a:effectRef>
+          <a:fontRef idx="minor">
+            <a:schemeClr val="tx1"/>
+          </a:fontRef>
+        </p:style>
+      </p:cxnSp>
+      <p:sp>
+        <p:nvSpPr>
+          <p:cNvPr id="7" name="Date Placeholder 3"/>
           <p:cNvSpPr>
             <a:spLocks noGrp="1"/>
           </p:cNvSpPr>
@@ -2456,7 +2878,7 @@
       </p:sp>
       <p:sp>
         <p:nvSpPr>
-          <p:cNvPr id="5" name="Footer Placeholder 4"/>
+          <p:cNvPr id="4" name="Footer Placeholder 4"/>
           <p:cNvSpPr>
             <a:spLocks noGrp="1"/>
           </p:cNvSpPr>
@@ -2499,7 +2921,7 @@
     </p:spTree>
     <p:extLst>
       <p:ext uri="{BB962C8B-B14F-4D97-AF65-F5344CB8AC3E}">
-        <p14:creationId xmlns:p14="http://schemas.microsoft.com/office/powerpoint/2010/main" val="2116959409"/>
+        <p14:creationId xmlns:p14="http://schemas.microsoft.com/office/powerpoint/2010/main" val="455679728"/>
       </p:ext>
     </p:extLst>
   </p:cSld>
@@ -2509,7 +2931,7 @@
 </p:sldLayout>
 </file>
 
-<file path=ppt/slideLayouts/slideLayout15.xml><?xml version="1.0" encoding="utf-8"?>
+<file path=ppt/slideLayouts/slideLayout16.xml><?xml version="1.0" encoding="utf-8"?>
 <p:sldLayout xmlns:a="http://schemas.openxmlformats.org/drawingml/2006/main" xmlns:r="http://schemas.openxmlformats.org/officeDocument/2006/relationships" xmlns:p="http://schemas.openxmlformats.org/presentationml/2006/main" type="vertTx" preserve="1">
   <p:cSld name="Titel en verticale tekst">
     <p:spTree>
@@ -2561,7 +2983,7 @@
         </p:nvSpPr>
         <p:spPr/>
         <p:txBody>
-          <a:bodyPr vert="eaVert"/>
+          <a:bodyPr vert="eaVert" anchor="t" anchorCtr="0"/>
           <a:lstStyle/>
           <a:p>
             <a:pPr lvl="0"/>
@@ -2669,7 +3091,7 @@
     </p:spTree>
     <p:extLst>
       <p:ext uri="{BB962C8B-B14F-4D97-AF65-F5344CB8AC3E}">
-        <p14:creationId xmlns:p14="http://schemas.microsoft.com/office/powerpoint/2010/main" val="2827735535"/>
+        <p14:creationId xmlns:p14="http://schemas.microsoft.com/office/powerpoint/2010/main" val="1457244712"/>
       </p:ext>
     </p:extLst>
   </p:cSld>
@@ -2679,7 +3101,7 @@
 </p:sldLayout>
 </file>
 
-<file path=ppt/slideLayouts/slideLayout16.xml><?xml version="1.0" encoding="utf-8"?>
+<file path=ppt/slideLayouts/slideLayout17.xml><?xml version="1.0" encoding="utf-8"?>
 <p:sldLayout xmlns:a="http://schemas.openxmlformats.org/drawingml/2006/main" xmlns:r="http://schemas.openxmlformats.org/officeDocument/2006/relationships" xmlns:p="http://schemas.openxmlformats.org/presentationml/2006/main" type="vertTitleAndTx" preserve="1">
   <p:cSld name="Verticale titel en tekst">
     <p:spTree>
@@ -2708,12 +3130,12 @@
         </p:nvSpPr>
         <p:spPr>
           <a:xfrm>
-            <a:off x="7967673" y="609599"/>
-            <a:ext cx="1304743" cy="5251451"/>
+            <a:off x="8304212" y="430213"/>
+            <a:ext cx="1752601" cy="5826125"/>
           </a:xfrm>
         </p:spPr>
         <p:txBody>
-          <a:bodyPr vert="eaVert" anchor="ctr"/>
+          <a:bodyPr vert="eaVert" anchor="b" anchorCtr="0"/>
           <a:lstStyle/>
           <a:p>
             <a:r>
@@ -2736,8 +3158,8 @@
         </p:nvSpPr>
         <p:spPr>
           <a:xfrm>
-            <a:off x="677335" y="609600"/>
-            <a:ext cx="7060150" cy="5251450"/>
+            <a:off x="652463" y="887414"/>
+            <a:ext cx="7423149" cy="5368924"/>
           </a:xfrm>
         </p:spPr>
         <p:txBody>
@@ -2849,7 +3271,7 @@
     </p:spTree>
     <p:extLst>
       <p:ext uri="{BB962C8B-B14F-4D97-AF65-F5344CB8AC3E}">
-        <p14:creationId xmlns:p14="http://schemas.microsoft.com/office/powerpoint/2010/main" val="3378446980"/>
+        <p14:creationId xmlns:p14="http://schemas.microsoft.com/office/powerpoint/2010/main" val="1237700968"/>
       </p:ext>
     </p:extLst>
   </p:cSld>
@@ -2888,14 +3310,8 @@
         </p:nvSpPr>
         <p:spPr/>
         <p:txBody>
-          <a:bodyPr>
-            <a:normAutofit/>
-          </a:bodyPr>
-          <a:lstStyle>
-            <a:lvl1pPr>
-              <a:defRPr sz="3600"/>
-            </a:lvl1pPr>
-          </a:lstStyle>
+          <a:bodyPr/>
+          <a:lstStyle/>
           <a:p>
             <a:r>
               <a:rPr lang="nl-NL" smtClean="0"/>
@@ -2959,7 +3375,7 @@
       </p:sp>
       <p:sp>
         <p:nvSpPr>
-          <p:cNvPr id="4" name="Date Placeholder 3"/>
+          <p:cNvPr id="7" name="Date Placeholder 3"/>
           <p:cNvSpPr>
             <a:spLocks noGrp="1"/>
           </p:cNvSpPr>
@@ -3025,7 +3441,7 @@
     </p:spTree>
     <p:extLst>
       <p:ext uri="{BB962C8B-B14F-4D97-AF65-F5344CB8AC3E}">
-        <p14:creationId xmlns:p14="http://schemas.microsoft.com/office/powerpoint/2010/main" val="763677007"/>
+        <p14:creationId xmlns:p14="http://schemas.microsoft.com/office/powerpoint/2010/main" val="678352685"/>
       </p:ext>
     </p:extLst>
   </p:cSld>
@@ -3064,8 +3480,8 @@
         </p:nvSpPr>
         <p:spPr>
           <a:xfrm>
-            <a:off x="677335" y="2700867"/>
-            <a:ext cx="8596668" cy="1826581"/>
+            <a:off x="1154956" y="2861733"/>
+            <a:ext cx="8825657" cy="1915647"/>
           </a:xfrm>
         </p:spPr>
         <p:txBody>
@@ -3096,8 +3512,8 @@
         </p:nvSpPr>
         <p:spPr>
           <a:xfrm>
-            <a:off x="677335" y="4527448"/>
-            <a:ext cx="8596668" cy="860400"/>
+            <a:off x="1154955" y="4777381"/>
+            <a:ext cx="8825658" cy="860400"/>
           </a:xfrm>
         </p:spPr>
         <p:txBody>
@@ -3105,11 +3521,11 @@
           <a:lstStyle>
             <a:lvl1pPr marL="0" indent="0" algn="l">
               <a:buNone/>
-              <a:defRPr sz="2000">
+              <a:defRPr sz="2000" cap="all">
                 <a:solidFill>
-                  <a:schemeClr val="tx1">
-                    <a:lumMod val="50000"/>
-                    <a:lumOff val="50000"/>
+                  <a:schemeClr val="bg2">
+                    <a:lumMod val="40000"/>
+                    <a:lumOff val="60000"/>
                   </a:schemeClr>
                 </a:solidFill>
               </a:defRPr>
@@ -3272,7 +3688,7 @@
     </p:spTree>
     <p:extLst>
       <p:ext uri="{BB962C8B-B14F-4D97-AF65-F5344CB8AC3E}">
-        <p14:creationId xmlns:p14="http://schemas.microsoft.com/office/powerpoint/2010/main" val="590054866"/>
+        <p14:creationId xmlns:p14="http://schemas.microsoft.com/office/powerpoint/2010/main" val="2599880821"/>
       </p:ext>
     </p:extLst>
   </p:cSld>
@@ -3334,13 +3750,43 @@
         </p:nvSpPr>
         <p:spPr>
           <a:xfrm>
-            <a:off x="677334" y="2160589"/>
-            <a:ext cx="4184035" cy="3880772"/>
+            <a:off x="1103312" y="2060575"/>
+            <a:ext cx="4396339" cy="4195763"/>
           </a:xfrm>
         </p:spPr>
         <p:txBody>
-          <a:bodyPr/>
-          <a:lstStyle/>
+          <a:bodyPr>
+            <a:normAutofit/>
+          </a:bodyPr>
+          <a:lstStyle>
+            <a:lvl1pPr>
+              <a:defRPr sz="1800"/>
+            </a:lvl1pPr>
+            <a:lvl2pPr>
+              <a:defRPr sz="1600"/>
+            </a:lvl2pPr>
+            <a:lvl3pPr>
+              <a:defRPr sz="1400"/>
+            </a:lvl3pPr>
+            <a:lvl4pPr>
+              <a:defRPr sz="1200"/>
+            </a:lvl4pPr>
+            <a:lvl5pPr>
+              <a:defRPr sz="1200"/>
+            </a:lvl5pPr>
+            <a:lvl6pPr>
+              <a:defRPr sz="1200"/>
+            </a:lvl6pPr>
+            <a:lvl7pPr>
+              <a:defRPr sz="1200"/>
+            </a:lvl7pPr>
+            <a:lvl8pPr>
+              <a:defRPr sz="1200"/>
+            </a:lvl8pPr>
+            <a:lvl9pPr>
+              <a:defRPr sz="1200"/>
+            </a:lvl9pPr>
+          </a:lstStyle>
           <a:p>
             <a:pPr lvl="0"/>
             <a:r>
@@ -3391,13 +3837,43 @@
         </p:nvSpPr>
         <p:spPr>
           <a:xfrm>
-            <a:off x="5089970" y="2160589"/>
-            <a:ext cx="4184034" cy="3880773"/>
+            <a:off x="5654493" y="2056092"/>
+            <a:ext cx="4396341" cy="4200245"/>
           </a:xfrm>
         </p:spPr>
         <p:txBody>
-          <a:bodyPr/>
-          <a:lstStyle/>
+          <a:bodyPr>
+            <a:normAutofit/>
+          </a:bodyPr>
+          <a:lstStyle>
+            <a:lvl1pPr>
+              <a:defRPr sz="1800"/>
+            </a:lvl1pPr>
+            <a:lvl2pPr>
+              <a:defRPr sz="1600"/>
+            </a:lvl2pPr>
+            <a:lvl3pPr>
+              <a:defRPr sz="1400"/>
+            </a:lvl3pPr>
+            <a:lvl4pPr>
+              <a:defRPr sz="1200"/>
+            </a:lvl4pPr>
+            <a:lvl5pPr>
+              <a:defRPr sz="1200"/>
+            </a:lvl5pPr>
+            <a:lvl6pPr>
+              <a:defRPr sz="1200"/>
+            </a:lvl6pPr>
+            <a:lvl7pPr>
+              <a:defRPr sz="1200"/>
+            </a:lvl7pPr>
+            <a:lvl8pPr>
+              <a:defRPr sz="1200"/>
+            </a:lvl8pPr>
+            <a:lvl9pPr>
+              <a:defRPr sz="1200"/>
+            </a:lvl9pPr>
+          </a:lstStyle>
           <a:p>
             <a:pPr lvl="0"/>
             <a:r>
@@ -3504,7 +3980,7 @@
     </p:spTree>
     <p:extLst>
       <p:ext uri="{BB962C8B-B14F-4D97-AF65-F5344CB8AC3E}">
-        <p14:creationId xmlns:p14="http://schemas.microsoft.com/office/powerpoint/2010/main" val="3579560403"/>
+        <p14:creationId xmlns:p14="http://schemas.microsoft.com/office/powerpoint/2010/main" val="3058583034"/>
       </p:ext>
     </p:extLst>
   </p:cSld>
@@ -3570,8 +4046,8 @@
         </p:nvSpPr>
         <p:spPr>
           <a:xfrm>
-            <a:off x="675745" y="2160983"/>
-            <a:ext cx="4185623" cy="576262"/>
+            <a:off x="1103313" y="1905000"/>
+            <a:ext cx="4396338" cy="576262"/>
           </a:xfrm>
         </p:spPr>
         <p:txBody>
@@ -3581,7 +4057,14 @@
           <a:lstStyle>
             <a:lvl1pPr marL="0" indent="0">
               <a:buNone/>
-              <a:defRPr sz="2400" b="0"/>
+              <a:defRPr sz="2400" b="0">
+                <a:solidFill>
+                  <a:schemeClr val="bg2">
+                    <a:lumMod val="40000"/>
+                    <a:lumOff val="60000"/>
+                  </a:schemeClr>
+                </a:solidFill>
+              </a:defRPr>
             </a:lvl1pPr>
             <a:lvl2pPr marL="457200" indent="0">
               <a:buNone/>
@@ -3637,15 +4120,43 @@
         </p:nvSpPr>
         <p:spPr>
           <a:xfrm>
-            <a:off x="675745" y="2737245"/>
-            <a:ext cx="4185623" cy="3304117"/>
+            <a:off x="1103312" y="2514600"/>
+            <a:ext cx="4396339" cy="3741738"/>
           </a:xfrm>
         </p:spPr>
         <p:txBody>
           <a:bodyPr>
             <a:normAutofit/>
           </a:bodyPr>
-          <a:lstStyle/>
+          <a:lstStyle>
+            <a:lvl1pPr>
+              <a:defRPr sz="1800"/>
+            </a:lvl1pPr>
+            <a:lvl2pPr>
+              <a:defRPr sz="1600"/>
+            </a:lvl2pPr>
+            <a:lvl3pPr>
+              <a:defRPr sz="1400"/>
+            </a:lvl3pPr>
+            <a:lvl4pPr>
+              <a:defRPr sz="1200"/>
+            </a:lvl4pPr>
+            <a:lvl5pPr>
+              <a:defRPr sz="1200"/>
+            </a:lvl5pPr>
+            <a:lvl6pPr>
+              <a:defRPr sz="1200"/>
+            </a:lvl6pPr>
+            <a:lvl7pPr>
+              <a:defRPr sz="1200"/>
+            </a:lvl7pPr>
+            <a:lvl8pPr>
+              <a:defRPr sz="1200"/>
+            </a:lvl8pPr>
+            <a:lvl9pPr>
+              <a:defRPr sz="1200"/>
+            </a:lvl9pPr>
+          </a:lstStyle>
           <a:p>
             <a:pPr lvl="0"/>
             <a:r>
@@ -3696,8 +4207,8 @@
         </p:nvSpPr>
         <p:spPr>
           <a:xfrm>
-            <a:off x="5088383" y="2160983"/>
-            <a:ext cx="4185618" cy="576262"/>
+            <a:off x="5654495" y="1905000"/>
+            <a:ext cx="4396339" cy="576262"/>
           </a:xfrm>
         </p:spPr>
         <p:txBody>
@@ -3707,7 +4218,14 @@
           <a:lstStyle>
             <a:lvl1pPr marL="0" indent="0">
               <a:buNone/>
-              <a:defRPr sz="2400" b="0"/>
+              <a:defRPr sz="2400" b="0">
+                <a:solidFill>
+                  <a:schemeClr val="bg2">
+                    <a:lumMod val="40000"/>
+                    <a:lumOff val="60000"/>
+                  </a:schemeClr>
+                </a:solidFill>
+              </a:defRPr>
             </a:lvl1pPr>
             <a:lvl2pPr marL="457200" indent="0">
               <a:buNone/>
@@ -3763,15 +4281,43 @@
         </p:nvSpPr>
         <p:spPr>
           <a:xfrm>
-            <a:off x="5088384" y="2737245"/>
-            <a:ext cx="4185617" cy="3304117"/>
+            <a:off x="5654495" y="2514600"/>
+            <a:ext cx="4396339" cy="3741738"/>
           </a:xfrm>
         </p:spPr>
         <p:txBody>
           <a:bodyPr>
             <a:normAutofit/>
           </a:bodyPr>
-          <a:lstStyle/>
+          <a:lstStyle>
+            <a:lvl1pPr>
+              <a:defRPr sz="1800"/>
+            </a:lvl1pPr>
+            <a:lvl2pPr>
+              <a:defRPr sz="1600"/>
+            </a:lvl2pPr>
+            <a:lvl3pPr>
+              <a:defRPr sz="1400"/>
+            </a:lvl3pPr>
+            <a:lvl4pPr>
+              <a:defRPr sz="1200"/>
+            </a:lvl4pPr>
+            <a:lvl5pPr>
+              <a:defRPr sz="1200"/>
+            </a:lvl5pPr>
+            <a:lvl6pPr>
+              <a:defRPr sz="1200"/>
+            </a:lvl6pPr>
+            <a:lvl7pPr>
+              <a:defRPr sz="1200"/>
+            </a:lvl7pPr>
+            <a:lvl8pPr>
+              <a:defRPr sz="1200"/>
+            </a:lvl8pPr>
+            <a:lvl9pPr>
+              <a:defRPr sz="1200"/>
+            </a:lvl9pPr>
+          </a:lstStyle>
           <a:p>
             <a:pPr lvl="0"/>
             <a:r>
@@ -3878,7 +4424,7 @@
     </p:spTree>
     <p:extLst>
       <p:ext uri="{BB962C8B-B14F-4D97-AF65-F5344CB8AC3E}">
-        <p14:creationId xmlns:p14="http://schemas.microsoft.com/office/powerpoint/2010/main" val="3302817527"/>
+        <p14:creationId xmlns:p14="http://schemas.microsoft.com/office/powerpoint/2010/main" val="4161980926"/>
       </p:ext>
     </p:extLst>
   </p:cSld>
@@ -3915,12 +4461,7 @@
             <p:ph type="title"/>
           </p:nvPr>
         </p:nvSpPr>
-        <p:spPr>
-          <a:xfrm>
-            <a:off x="677334" y="609600"/>
-            <a:ext cx="8596668" cy="1320800"/>
-          </a:xfrm>
-        </p:spPr>
+        <p:spPr/>
         <p:txBody>
           <a:bodyPr/>
           <a:lstStyle/>
@@ -3935,7 +4476,7 @@
       </p:sp>
       <p:sp>
         <p:nvSpPr>
-          <p:cNvPr id="3" name="Date Placeholder 2"/>
+          <p:cNvPr id="7" name="Date Placeholder 2"/>
           <p:cNvSpPr>
             <a:spLocks noGrp="1"/>
           </p:cNvSpPr>
@@ -3958,7 +4499,7 @@
       </p:sp>
       <p:sp>
         <p:nvSpPr>
-          <p:cNvPr id="4" name="Footer Placeholder 3"/>
+          <p:cNvPr id="5" name="Footer Placeholder 3"/>
           <p:cNvSpPr>
             <a:spLocks noGrp="1"/>
           </p:cNvSpPr>
@@ -3977,7 +4518,7 @@
       </p:sp>
       <p:sp>
         <p:nvSpPr>
-          <p:cNvPr id="5" name="Slide Number Placeholder 4"/>
+          <p:cNvPr id="6" name="Slide Number Placeholder 4"/>
           <p:cNvSpPr>
             <a:spLocks noGrp="1"/>
           </p:cNvSpPr>
@@ -4001,7 +4542,7 @@
     </p:spTree>
     <p:extLst>
       <p:ext uri="{BB962C8B-B14F-4D97-AF65-F5344CB8AC3E}">
-        <p14:creationId xmlns:p14="http://schemas.microsoft.com/office/powerpoint/2010/main" val="1747663407"/>
+        <p14:creationId xmlns:p14="http://schemas.microsoft.com/office/powerpoint/2010/main" val="3058373742"/>
       </p:ext>
     </p:extLst>
   </p:cSld>
@@ -4030,7 +4571,7 @@
       </p:grpSpPr>
       <p:sp>
         <p:nvSpPr>
-          <p:cNvPr id="2" name="Date Placeholder 1"/>
+          <p:cNvPr id="7" name="Date Placeholder 1"/>
           <p:cNvSpPr>
             <a:spLocks noGrp="1"/>
           </p:cNvSpPr>
@@ -4053,7 +4594,7 @@
       </p:sp>
       <p:sp>
         <p:nvSpPr>
-          <p:cNvPr id="3" name="Footer Placeholder 2"/>
+          <p:cNvPr id="5" name="Footer Placeholder 2"/>
           <p:cNvSpPr>
             <a:spLocks noGrp="1"/>
           </p:cNvSpPr>
@@ -4072,7 +4613,7 @@
       </p:sp>
       <p:sp>
         <p:nvSpPr>
-          <p:cNvPr id="4" name="Slide Number Placeholder 3"/>
+          <p:cNvPr id="6" name="Slide Number Placeholder 3"/>
           <p:cNvSpPr>
             <a:spLocks noGrp="1"/>
           </p:cNvSpPr>
@@ -4096,7 +4637,7 @@
     </p:spTree>
     <p:extLst>
       <p:ext uri="{BB962C8B-B14F-4D97-AF65-F5344CB8AC3E}">
-        <p14:creationId xmlns:p14="http://schemas.microsoft.com/office/powerpoint/2010/main" val="4285928456"/>
+        <p14:creationId xmlns:p14="http://schemas.microsoft.com/office/powerpoint/2010/main" val="2208857002"/>
       </p:ext>
     </p:extLst>
   </p:cSld>
@@ -4135,23 +4676,108 @@
         </p:nvSpPr>
         <p:spPr>
           <a:xfrm>
-            <a:off x="677334" y="1498604"/>
-            <a:ext cx="3854528" cy="1278466"/>
+            <a:off x="1154953" y="1447800"/>
+            <a:ext cx="3401064" cy="1447800"/>
           </a:xfrm>
         </p:spPr>
         <p:txBody>
-          <a:bodyPr anchor="b">
+          <a:bodyPr anchor="b"/>
+          <a:lstStyle>
+            <a:lvl1pPr algn="l">
+              <a:defRPr sz="2400" b="0"/>
+            </a:lvl1pPr>
+          </a:lstStyle>
+          <a:p>
+            <a:r>
+              <a:rPr lang="nl-NL" smtClean="0"/>
+              <a:t>Klik om de stijl te bewerken</a:t>
+            </a:r>
+            <a:endParaRPr lang="en-US" dirty="0"/>
+          </a:p>
+        </p:txBody>
+      </p:sp>
+      <p:sp>
+        <p:nvSpPr>
+          <p:cNvPr id="3" name="Content Placeholder 2"/>
+          <p:cNvSpPr>
+            <a:spLocks noGrp="1"/>
+          </p:cNvSpPr>
+          <p:nvPr>
+            <p:ph idx="1"/>
+          </p:nvPr>
+        </p:nvSpPr>
+        <p:spPr>
+          <a:xfrm>
+            <a:off x="4784616" y="1447800"/>
+            <a:ext cx="5195997" cy="4572000"/>
+          </a:xfrm>
+        </p:spPr>
+        <p:txBody>
+          <a:bodyPr anchor="ctr">
             <a:normAutofit/>
           </a:bodyPr>
           <a:lstStyle>
             <a:lvl1pPr>
               <a:defRPr sz="2000"/>
             </a:lvl1pPr>
+            <a:lvl2pPr>
+              <a:defRPr sz="1800"/>
+            </a:lvl2pPr>
+            <a:lvl3pPr>
+              <a:defRPr sz="1600"/>
+            </a:lvl3pPr>
+            <a:lvl4pPr>
+              <a:defRPr sz="1400"/>
+            </a:lvl4pPr>
+            <a:lvl5pPr>
+              <a:defRPr sz="1400"/>
+            </a:lvl5pPr>
+            <a:lvl6pPr>
+              <a:defRPr sz="1400"/>
+            </a:lvl6pPr>
+            <a:lvl7pPr>
+              <a:defRPr sz="1400"/>
+            </a:lvl7pPr>
+            <a:lvl8pPr>
+              <a:defRPr sz="1400"/>
+            </a:lvl8pPr>
+            <a:lvl9pPr>
+              <a:defRPr sz="1400"/>
+            </a:lvl9pPr>
           </a:lstStyle>
           <a:p>
-            <a:r>
-              <a:rPr lang="nl-NL" smtClean="0"/>
-              <a:t>Klik om de stijl te bewerken</a:t>
+            <a:pPr lvl="0"/>
+            <a:r>
+              <a:rPr lang="nl-NL" smtClean="0"/>
+              <a:t>Klik om de modelstijlen te bewerken</a:t>
+            </a:r>
+          </a:p>
+          <a:p>
+            <a:pPr lvl="1"/>
+            <a:r>
+              <a:rPr lang="nl-NL" smtClean="0"/>
+              <a:t>Tweede niveau</a:t>
+            </a:r>
+          </a:p>
+          <a:p>
+            <a:pPr lvl="2"/>
+            <a:r>
+              <a:rPr lang="nl-NL" smtClean="0"/>
+              <a:t>Derde niveau</a:t>
+            </a:r>
+          </a:p>
+          <a:p>
+            <a:pPr lvl="3"/>
+            <a:r>
+              <a:rPr lang="nl-NL" smtClean="0"/>
+              <a:t>Vierde niveau</a:t>
+            </a:r>
+          </a:p>
+          <a:p>
+            <a:pPr lvl="4"/>
+            <a:r>
+              <a:rPr lang="nl-NL" smtClean="0"/>
+              <a:t>Vijfde niveau</a:t>
             </a:r>
             <a:endParaRPr lang="en-US" dirty="0"/>
           </a:p>
@@ -4159,119 +4785,58 @@
       </p:sp>
       <p:sp>
         <p:nvSpPr>
-          <p:cNvPr id="3" name="Content Placeholder 2"/>
-          <p:cNvSpPr>
-            <a:spLocks noGrp="1"/>
-          </p:cNvSpPr>
-          <p:nvPr>
-            <p:ph idx="1"/>
+          <p:cNvPr id="4" name="Text Placeholder 3"/>
+          <p:cNvSpPr>
+            <a:spLocks noGrp="1"/>
+          </p:cNvSpPr>
+          <p:nvPr>
+            <p:ph type="body" sz="half" idx="2"/>
           </p:nvPr>
         </p:nvSpPr>
         <p:spPr>
           <a:xfrm>
-            <a:off x="4760461" y="514924"/>
-            <a:ext cx="4513541" cy="5526437"/>
+            <a:off x="1154953" y="3129280"/>
+            <a:ext cx="3401063" cy="2895599"/>
           </a:xfrm>
         </p:spPr>
         <p:txBody>
-          <a:bodyPr>
-            <a:normAutofit/>
-          </a:bodyPr>
-          <a:lstStyle/>
-          <a:p>
-            <a:pPr lvl="0"/>
-            <a:r>
-              <a:rPr lang="nl-NL" smtClean="0"/>
-              <a:t>Klik om de modelstijlen te bewerken</a:t>
-            </a:r>
-          </a:p>
-          <a:p>
-            <a:pPr lvl="1"/>
-            <a:r>
-              <a:rPr lang="nl-NL" smtClean="0"/>
-              <a:t>Tweede niveau</a:t>
-            </a:r>
-          </a:p>
-          <a:p>
-            <a:pPr lvl="2"/>
-            <a:r>
-              <a:rPr lang="nl-NL" smtClean="0"/>
-              <a:t>Derde niveau</a:t>
-            </a:r>
-          </a:p>
-          <a:p>
-            <a:pPr lvl="3"/>
-            <a:r>
-              <a:rPr lang="nl-NL" smtClean="0"/>
-              <a:t>Vierde niveau</a:t>
-            </a:r>
-          </a:p>
-          <a:p>
-            <a:pPr lvl="4"/>
-            <a:r>
-              <a:rPr lang="nl-NL" smtClean="0"/>
-              <a:t>Vijfde niveau</a:t>
-            </a:r>
-            <a:endParaRPr lang="en-US" dirty="0"/>
-          </a:p>
-        </p:txBody>
-      </p:sp>
-      <p:sp>
-        <p:nvSpPr>
-          <p:cNvPr id="4" name="Text Placeholder 3"/>
-          <p:cNvSpPr>
-            <a:spLocks noGrp="1"/>
-          </p:cNvSpPr>
-          <p:nvPr>
-            <p:ph type="body" sz="half" idx="2"/>
-          </p:nvPr>
-        </p:nvSpPr>
-        <p:spPr>
-          <a:xfrm>
-            <a:off x="677334" y="2777069"/>
-            <a:ext cx="3854528" cy="2584449"/>
-          </a:xfrm>
-        </p:spPr>
-        <p:txBody>
-          <a:bodyPr>
-            <a:normAutofit/>
-          </a:bodyPr>
+          <a:bodyPr/>
           <a:lstStyle>
             <a:lvl1pPr marL="0" indent="0">
               <a:buNone/>
               <a:defRPr sz="1400"/>
             </a:lvl1pPr>
-            <a:lvl2pPr marL="457063" indent="0">
-              <a:buNone/>
-              <a:defRPr sz="1400"/>
+            <a:lvl2pPr marL="457200" indent="0">
+              <a:buNone/>
+              <a:defRPr sz="1200"/>
             </a:lvl2pPr>
-            <a:lvl3pPr marL="914126" indent="0">
-              <a:buNone/>
-              <a:defRPr sz="1200"/>
+            <a:lvl3pPr marL="914400" indent="0">
+              <a:buNone/>
+              <a:defRPr sz="1000"/>
             </a:lvl3pPr>
-            <a:lvl4pPr marL="1371189" indent="0">
-              <a:buNone/>
-              <a:defRPr sz="1000"/>
+            <a:lvl4pPr marL="1371600" indent="0">
+              <a:buNone/>
+              <a:defRPr sz="900"/>
             </a:lvl4pPr>
-            <a:lvl5pPr marL="1828251" indent="0">
-              <a:buNone/>
-              <a:defRPr sz="1000"/>
+            <a:lvl5pPr marL="1828800" indent="0">
+              <a:buNone/>
+              <a:defRPr sz="900"/>
             </a:lvl5pPr>
-            <a:lvl6pPr marL="2285314" indent="0">
-              <a:buNone/>
-              <a:defRPr sz="1000"/>
+            <a:lvl6pPr marL="2286000" indent="0">
+              <a:buNone/>
+              <a:defRPr sz="900"/>
             </a:lvl6pPr>
-            <a:lvl7pPr marL="2742377" indent="0">
-              <a:buNone/>
-              <a:defRPr sz="1000"/>
+            <a:lvl7pPr marL="2743200" indent="0">
+              <a:buNone/>
+              <a:defRPr sz="900"/>
             </a:lvl7pPr>
-            <a:lvl8pPr marL="3199440" indent="0">
-              <a:buNone/>
-              <a:defRPr sz="1000"/>
+            <a:lvl8pPr marL="3200400" indent="0">
+              <a:buNone/>
+              <a:defRPr sz="900"/>
             </a:lvl8pPr>
-            <a:lvl9pPr marL="3656503" indent="0">
-              <a:buNone/>
-              <a:defRPr sz="1000"/>
+            <a:lvl9pPr marL="3657600" indent="0">
+              <a:buNone/>
+              <a:defRPr sz="900"/>
             </a:lvl9pPr>
           </a:lstStyle>
           <a:p>
@@ -4285,7 +4850,7 @@
       </p:sp>
       <p:sp>
         <p:nvSpPr>
-          <p:cNvPr id="5" name="Date Placeholder 4"/>
+          <p:cNvPr id="7" name="Date Placeholder 4"/>
           <p:cNvSpPr>
             <a:spLocks noGrp="1"/>
           </p:cNvSpPr>
@@ -4308,7 +4873,7 @@
       </p:sp>
       <p:sp>
         <p:nvSpPr>
-          <p:cNvPr id="6" name="Footer Placeholder 5"/>
+          <p:cNvPr id="5" name="Footer Placeholder 5"/>
           <p:cNvSpPr>
             <a:spLocks noGrp="1"/>
           </p:cNvSpPr>
@@ -4327,7 +4892,7 @@
       </p:sp>
       <p:sp>
         <p:nvSpPr>
-          <p:cNvPr id="7" name="Slide Number Placeholder 6"/>
+          <p:cNvPr id="6" name="Slide Number Placeholder 6"/>
           <p:cNvSpPr>
             <a:spLocks noGrp="1"/>
           </p:cNvSpPr>
@@ -4351,7 +4916,7 @@
     </p:spTree>
     <p:extLst>
       <p:ext uri="{BB962C8B-B14F-4D97-AF65-F5344CB8AC3E}">
-        <p14:creationId xmlns:p14="http://schemas.microsoft.com/office/powerpoint/2010/main" val="2041604949"/>
+        <p14:creationId xmlns:p14="http://schemas.microsoft.com/office/powerpoint/2010/main" val="1705472299"/>
       </p:ext>
     </p:extLst>
   </p:cSld>
@@ -4390,8 +4955,8 @@
         </p:nvSpPr>
         <p:spPr>
           <a:xfrm>
-            <a:off x="677334" y="4800600"/>
-            <a:ext cx="8596667" cy="566738"/>
+            <a:off x="1153907" y="1854192"/>
+            <a:ext cx="5092906" cy="1574808"/>
           </a:xfrm>
         </p:spPr>
         <p:txBody>
@@ -4400,7 +4965,7 @@
           </a:bodyPr>
           <a:lstStyle>
             <a:lvl1pPr algn="l">
-              <a:defRPr sz="2400" b="0"/>
+              <a:defRPr sz="3600" b="0"/>
             </a:lvl1pPr>
           </a:lstStyle>
           <a:p>
@@ -4424,9 +4989,21 @@
         </p:nvSpPr>
         <p:spPr>
           <a:xfrm>
-            <a:off x="677334" y="609600"/>
-            <a:ext cx="8596668" cy="3845718"/>
+            <a:off x="6949546" y="1143000"/>
+            <a:ext cx="3200400" cy="4572000"/>
           </a:xfrm>
+          <a:prstGeom prst="roundRect">
+            <a:avLst>
+              <a:gd name="adj" fmla="val 1858"/>
+            </a:avLst>
+          </a:prstGeom>
+          <a:effectLst>
+            <a:outerShdw blurRad="50800" dist="50800" dir="5400000" algn="tl" rotWithShape="0">
+              <a:srgbClr val="000000">
+                <a:alpha val="43000"/>
+              </a:srgbClr>
+            </a:outerShdw>
+          </a:effectLst>
         </p:spPr>
         <p:txBody>
           <a:bodyPr anchor="t">
@@ -4491,8 +5068,8 @@
         </p:nvSpPr>
         <p:spPr>
           <a:xfrm>
-            <a:off x="677334" y="5367338"/>
-            <a:ext cx="8596667" cy="674024"/>
+            <a:off x="1154954" y="3657600"/>
+            <a:ext cx="5084979" cy="1371600"/>
           </a:xfrm>
         </p:spPr>
         <p:txBody>
@@ -4502,7 +5079,7 @@
           <a:lstStyle>
             <a:lvl1pPr marL="0" indent="0">
               <a:buNone/>
-              <a:defRPr sz="1200"/>
+              <a:defRPr sz="1400"/>
             </a:lvl1pPr>
             <a:lvl2pPr marL="457200" indent="0">
               <a:buNone/>
@@ -4614,7 +5191,7 @@
     </p:spTree>
     <p:extLst>
       <p:ext uri="{BB962C8B-B14F-4D97-AF65-F5344CB8AC3E}">
-        <p14:creationId xmlns:p14="http://schemas.microsoft.com/office/powerpoint/2010/main" val="2315030625"/>
+        <p14:creationId xmlns:p14="http://schemas.microsoft.com/office/powerpoint/2010/main" val="3897460664"/>
       </p:ext>
     </p:extLst>
   </p:cSld>
@@ -4628,8 +5205,8 @@
 <p:sldMaster xmlns:a="http://schemas.openxmlformats.org/drawingml/2006/main" xmlns:r="http://schemas.openxmlformats.org/officeDocument/2006/relationships" xmlns:p="http://schemas.openxmlformats.org/presentationml/2006/main">
   <p:cSld>
     <p:bg>
-      <p:bgRef idx="1001">
-        <a:schemeClr val="bg1"/>
+      <p:bgRef idx="1003">
+        <a:schemeClr val="bg2"/>
       </p:bgRef>
     </p:bg>
     <p:spTree>
@@ -4646,655 +5223,420 @@
           <a:chExt cx="0" cy="0"/>
         </a:xfrm>
       </p:grpSpPr>
-      <p:grpSp>
-        <p:nvGrpSpPr>
-          <p:cNvPr id="7" name="Group 6"/>
-          <p:cNvGrpSpPr/>
+      <p:pic>
+        <p:nvPicPr>
+          <p:cNvPr id="8" name="Picture 7"/>
+          <p:cNvPicPr>
+            <a:picLocks noChangeAspect="1"/>
+          </p:cNvPicPr>
           <p:nvPr/>
-        </p:nvGrpSpPr>
-        <p:grpSpPr>
-          <a:xfrm>
-            <a:off x="0" y="-8467"/>
-            <a:ext cx="12192000" cy="6866467"/>
-            <a:chOff x="0" y="-8467"/>
-            <a:chExt cx="12192000" cy="6866467"/>
-          </a:xfrm>
-        </p:grpSpPr>
-        <p:cxnSp>
-          <p:nvCxnSpPr>
-            <p:cNvPr id="20" name="Straight Connector 19"/>
-            <p:cNvCxnSpPr/>
-            <p:nvPr/>
-          </p:nvCxnSpPr>
-          <p:spPr>
-            <a:xfrm>
-              <a:off x="9371012" y="0"/>
-              <a:ext cx="1219200" cy="6858000"/>
-            </a:xfrm>
-            <a:prstGeom prst="line">
-              <a:avLst/>
-            </a:prstGeom>
-            <a:ln w="9525">
-              <a:solidFill>
-                <a:schemeClr val="bg1">
-                  <a:lumMod val="75000"/>
-                </a:schemeClr>
-              </a:solidFill>
-            </a:ln>
-          </p:spPr>
-          <p:style>
-            <a:lnRef idx="2">
-              <a:schemeClr val="accent1"/>
-            </a:lnRef>
-            <a:fillRef idx="0">
-              <a:schemeClr val="accent1"/>
-            </a:fillRef>
-            <a:effectRef idx="1">
-              <a:schemeClr val="accent1"/>
-            </a:effectRef>
-            <a:fontRef idx="minor">
-              <a:schemeClr val="tx1"/>
-            </a:fontRef>
-          </p:style>
-        </p:cxnSp>
-        <p:cxnSp>
-          <p:nvCxnSpPr>
-            <p:cNvPr id="21" name="Straight Connector 20"/>
-            <p:cNvCxnSpPr/>
-            <p:nvPr/>
-          </p:nvCxnSpPr>
-          <p:spPr>
-            <a:xfrm flipH="1">
-              <a:off x="7425267" y="3681413"/>
-              <a:ext cx="4763558" cy="3176587"/>
-            </a:xfrm>
-            <a:prstGeom prst="line">
-              <a:avLst/>
-            </a:prstGeom>
-            <a:ln w="9525">
-              <a:solidFill>
-                <a:schemeClr val="bg1">
-                  <a:lumMod val="85000"/>
-                </a:schemeClr>
-              </a:solidFill>
-            </a:ln>
-          </p:spPr>
-          <p:style>
-            <a:lnRef idx="2">
-              <a:schemeClr val="accent1"/>
-            </a:lnRef>
-            <a:fillRef idx="0">
-              <a:schemeClr val="accent1"/>
-            </a:fillRef>
-            <a:effectRef idx="1">
-              <a:schemeClr val="accent1"/>
-            </a:effectRef>
-            <a:fontRef idx="minor">
-              <a:schemeClr val="tx1"/>
-            </a:fontRef>
-          </p:style>
-        </p:cxnSp>
-        <p:sp>
-          <p:nvSpPr>
-            <p:cNvPr id="22" name="Rectangle 23"/>
-            <p:cNvSpPr/>
-            <p:nvPr/>
-          </p:nvSpPr>
-          <p:spPr>
-            <a:xfrm>
-              <a:off x="9181476" y="-8467"/>
-              <a:ext cx="3007349" cy="6866467"/>
-            </a:xfrm>
-            <a:custGeom>
-              <a:avLst/>
-              <a:gdLst/>
-              <a:ahLst/>
-              <a:cxnLst/>
-              <a:rect l="l" t="t" r="r" b="b"/>
-              <a:pathLst>
-                <a:path w="3007349" h="6866467">
-                  <a:moveTo>
-                    <a:pt x="2045532" y="0"/>
-                  </a:moveTo>
-                  <a:lnTo>
-                    <a:pt x="3007349" y="0"/>
-                  </a:lnTo>
-                  <a:lnTo>
-                    <a:pt x="3007349" y="6866467"/>
-                  </a:lnTo>
-                  <a:lnTo>
-                    <a:pt x="0" y="6866467"/>
-                  </a:lnTo>
-                  <a:lnTo>
-                    <a:pt x="2045532" y="0"/>
-                  </a:lnTo>
-                  <a:close/>
-                </a:path>
-              </a:pathLst>
-            </a:custGeom>
-            <a:solidFill>
-              <a:schemeClr val="accent1">
-                <a:alpha val="30000"/>
-              </a:schemeClr>
-            </a:solidFill>
-            <a:ln>
-              <a:noFill/>
-            </a:ln>
-            <a:effectLst/>
-          </p:spPr>
-          <p:style>
-            <a:lnRef idx="1">
-              <a:schemeClr val="accent1"/>
-            </a:lnRef>
-            <a:fillRef idx="3">
-              <a:schemeClr val="accent1"/>
-            </a:fillRef>
-            <a:effectRef idx="2">
-              <a:schemeClr val="accent1"/>
-            </a:effectRef>
-            <a:fontRef idx="minor">
-              <a:schemeClr val="lt1"/>
-            </a:fontRef>
-          </p:style>
-        </p:sp>
-        <p:sp>
-          <p:nvSpPr>
-            <p:cNvPr id="23" name="Rectangle 25"/>
-            <p:cNvSpPr/>
-            <p:nvPr/>
-          </p:nvSpPr>
-          <p:spPr>
-            <a:xfrm>
-              <a:off x="9603442" y="-8467"/>
-              <a:ext cx="2588558" cy="6866467"/>
-            </a:xfrm>
-            <a:custGeom>
-              <a:avLst/>
-              <a:gdLst/>
-              <a:ahLst/>
-              <a:cxnLst/>
-              <a:rect l="l" t="t" r="r" b="b"/>
-              <a:pathLst>
-                <a:path w="2573311" h="6866467">
-                  <a:moveTo>
-                    <a:pt x="0" y="0"/>
-                  </a:moveTo>
-                  <a:lnTo>
-                    <a:pt x="2573311" y="0"/>
-                  </a:lnTo>
-                  <a:lnTo>
-                    <a:pt x="2573311" y="6866467"/>
-                  </a:lnTo>
-                  <a:lnTo>
-                    <a:pt x="1202336" y="6866467"/>
-                  </a:lnTo>
-                  <a:lnTo>
-                    <a:pt x="0" y="0"/>
-                  </a:lnTo>
-                  <a:close/>
-                </a:path>
-              </a:pathLst>
-            </a:custGeom>
-            <a:solidFill>
-              <a:schemeClr val="accent1">
-                <a:alpha val="20000"/>
-              </a:schemeClr>
-            </a:solidFill>
-            <a:ln>
-              <a:noFill/>
-            </a:ln>
-            <a:effectLst/>
-          </p:spPr>
-          <p:style>
-            <a:lnRef idx="1">
-              <a:schemeClr val="accent1"/>
-            </a:lnRef>
-            <a:fillRef idx="3">
-              <a:schemeClr val="accent1"/>
-            </a:fillRef>
-            <a:effectRef idx="2">
-              <a:schemeClr val="accent1"/>
-            </a:effectRef>
-            <a:fontRef idx="minor">
-              <a:schemeClr val="lt1"/>
-            </a:fontRef>
-          </p:style>
-        </p:sp>
-        <p:sp>
-          <p:nvSpPr>
-            <p:cNvPr id="24" name="Isosceles Triangle 23"/>
-            <p:cNvSpPr/>
-            <p:nvPr/>
-          </p:nvSpPr>
-          <p:spPr>
-            <a:xfrm>
-              <a:off x="8932333" y="3048000"/>
-              <a:ext cx="3259667" cy="3810000"/>
-            </a:xfrm>
-            <a:prstGeom prst="triangle">
-              <a:avLst>
-                <a:gd name="adj" fmla="val 100000"/>
-              </a:avLst>
-            </a:prstGeom>
-            <a:solidFill>
-              <a:schemeClr val="accent2">
-                <a:alpha val="72000"/>
-              </a:schemeClr>
-            </a:solidFill>
-            <a:ln>
-              <a:noFill/>
-            </a:ln>
-            <a:effectLst/>
-          </p:spPr>
-          <p:style>
-            <a:lnRef idx="1">
-              <a:schemeClr val="accent1"/>
-            </a:lnRef>
-            <a:fillRef idx="3">
-              <a:schemeClr val="accent1"/>
-            </a:fillRef>
-            <a:effectRef idx="2">
-              <a:schemeClr val="accent1"/>
-            </a:effectRef>
-            <a:fontRef idx="minor">
-              <a:schemeClr val="lt1"/>
-            </a:fontRef>
-          </p:style>
-        </p:sp>
-        <p:sp>
-          <p:nvSpPr>
-            <p:cNvPr id="25" name="Rectangle 27"/>
-            <p:cNvSpPr/>
-            <p:nvPr/>
-          </p:nvSpPr>
-          <p:spPr>
-            <a:xfrm>
-              <a:off x="9334500" y="-8467"/>
-              <a:ext cx="2854326" cy="6866467"/>
-            </a:xfrm>
-            <a:custGeom>
-              <a:avLst/>
-              <a:gdLst/>
-              <a:ahLst/>
-              <a:cxnLst/>
-              <a:rect l="l" t="t" r="r" b="b"/>
-              <a:pathLst>
-                <a:path w="2858013" h="6866467">
-                  <a:moveTo>
-                    <a:pt x="0" y="0"/>
-                  </a:moveTo>
-                  <a:lnTo>
-                    <a:pt x="2858013" y="0"/>
-                  </a:lnTo>
-                  <a:lnTo>
-                    <a:pt x="2858013" y="6866467"/>
-                  </a:lnTo>
-                  <a:lnTo>
-                    <a:pt x="2473942" y="6866467"/>
-                  </a:lnTo>
-                  <a:lnTo>
-                    <a:pt x="0" y="0"/>
-                  </a:lnTo>
-                  <a:close/>
-                </a:path>
-              </a:pathLst>
-            </a:custGeom>
-            <a:solidFill>
-              <a:schemeClr val="accent2">
-                <a:lumMod val="75000"/>
-                <a:alpha val="70000"/>
-              </a:schemeClr>
-            </a:solidFill>
-            <a:ln>
-              <a:noFill/>
-            </a:ln>
-            <a:effectLst/>
-          </p:spPr>
-          <p:style>
-            <a:lnRef idx="1">
-              <a:schemeClr val="accent1"/>
-            </a:lnRef>
-            <a:fillRef idx="3">
-              <a:schemeClr val="accent1"/>
-            </a:fillRef>
-            <a:effectRef idx="2">
-              <a:schemeClr val="accent1"/>
-            </a:effectRef>
-            <a:fontRef idx="minor">
-              <a:schemeClr val="lt1"/>
-            </a:fontRef>
-          </p:style>
-        </p:sp>
-        <p:sp>
-          <p:nvSpPr>
-            <p:cNvPr id="26" name="Rectangle 28"/>
-            <p:cNvSpPr/>
-            <p:nvPr/>
-          </p:nvSpPr>
-          <p:spPr>
-            <a:xfrm>
-              <a:off x="10898730" y="-8467"/>
-              <a:ext cx="1290094" cy="6866467"/>
-            </a:xfrm>
-            <a:custGeom>
-              <a:avLst/>
-              <a:gdLst/>
-              <a:ahLst/>
-              <a:cxnLst/>
-              <a:rect l="l" t="t" r="r" b="b"/>
-              <a:pathLst>
-                <a:path w="1290094" h="6858000">
-                  <a:moveTo>
-                    <a:pt x="1019735" y="0"/>
-                  </a:moveTo>
-                  <a:lnTo>
-                    <a:pt x="1290094" y="0"/>
-                  </a:lnTo>
-                  <a:lnTo>
-                    <a:pt x="1290094" y="6858000"/>
-                  </a:lnTo>
-                  <a:lnTo>
-                    <a:pt x="0" y="6858000"/>
-                  </a:lnTo>
-                  <a:lnTo>
-                    <a:pt x="1019735" y="0"/>
-                  </a:lnTo>
-                  <a:close/>
-                </a:path>
-              </a:pathLst>
-            </a:custGeom>
-            <a:solidFill>
-              <a:schemeClr val="accent1">
-                <a:lumMod val="60000"/>
-                <a:lumOff val="40000"/>
-                <a:alpha val="70000"/>
-              </a:schemeClr>
-            </a:solidFill>
-            <a:ln>
-              <a:noFill/>
-            </a:ln>
-            <a:effectLst/>
-          </p:spPr>
-          <p:style>
-            <a:lnRef idx="1">
-              <a:schemeClr val="accent1"/>
-            </a:lnRef>
-            <a:fillRef idx="3">
-              <a:schemeClr val="accent1"/>
-            </a:fillRef>
-            <a:effectRef idx="2">
-              <a:schemeClr val="accent1"/>
-            </a:effectRef>
-            <a:fontRef idx="minor">
-              <a:schemeClr val="lt1"/>
-            </a:fontRef>
-          </p:style>
-        </p:sp>
-        <p:sp>
-          <p:nvSpPr>
-            <p:cNvPr id="27" name="Rectangle 29"/>
-            <p:cNvSpPr/>
-            <p:nvPr/>
-          </p:nvSpPr>
-          <p:spPr>
-            <a:xfrm>
-              <a:off x="10938999" y="-8467"/>
-              <a:ext cx="1249825" cy="6866467"/>
-            </a:xfrm>
-            <a:custGeom>
-              <a:avLst/>
-              <a:gdLst/>
-              <a:ahLst/>
-              <a:cxnLst/>
-              <a:rect l="l" t="t" r="r" b="b"/>
-              <a:pathLst>
-                <a:path w="1249825" h="6858000">
-                  <a:moveTo>
-                    <a:pt x="0" y="0"/>
-                  </a:moveTo>
-                  <a:lnTo>
-                    <a:pt x="1249825" y="0"/>
-                  </a:lnTo>
-                  <a:lnTo>
-                    <a:pt x="1249825" y="6858000"/>
-                  </a:lnTo>
-                  <a:lnTo>
-                    <a:pt x="1109382" y="6858000"/>
-                  </a:lnTo>
-                  <a:lnTo>
-                    <a:pt x="0" y="0"/>
-                  </a:lnTo>
-                  <a:close/>
-                </a:path>
-              </a:pathLst>
-            </a:custGeom>
-            <a:solidFill>
-              <a:schemeClr val="accent1">
-                <a:alpha val="65000"/>
-              </a:schemeClr>
-            </a:solidFill>
-            <a:ln>
-              <a:noFill/>
-            </a:ln>
-            <a:effectLst/>
-          </p:spPr>
-          <p:style>
-            <a:lnRef idx="1">
-              <a:schemeClr val="accent1"/>
-            </a:lnRef>
-            <a:fillRef idx="3">
-              <a:schemeClr val="accent1"/>
-            </a:fillRef>
-            <a:effectRef idx="2">
-              <a:schemeClr val="accent1"/>
-            </a:effectRef>
-            <a:fontRef idx="minor">
-              <a:schemeClr val="lt1"/>
-            </a:fontRef>
-          </p:style>
-        </p:sp>
-        <p:sp>
-          <p:nvSpPr>
-            <p:cNvPr id="28" name="Isosceles Triangle 27"/>
-            <p:cNvSpPr/>
-            <p:nvPr/>
-          </p:nvSpPr>
-          <p:spPr>
-            <a:xfrm>
-              <a:off x="10371666" y="3589867"/>
-              <a:ext cx="1817159" cy="3268133"/>
-            </a:xfrm>
-            <a:prstGeom prst="triangle">
-              <a:avLst>
-                <a:gd name="adj" fmla="val 100000"/>
-              </a:avLst>
-            </a:prstGeom>
-            <a:solidFill>
-              <a:schemeClr val="accent1">
-                <a:alpha val="80000"/>
-              </a:schemeClr>
-            </a:solidFill>
-            <a:ln>
-              <a:noFill/>
-            </a:ln>
-            <a:effectLst/>
-          </p:spPr>
-          <p:style>
-            <a:lnRef idx="1">
-              <a:schemeClr val="accent1"/>
-            </a:lnRef>
-            <a:fillRef idx="3">
-              <a:schemeClr val="accent1"/>
-            </a:fillRef>
-            <a:effectRef idx="2">
-              <a:schemeClr val="accent1"/>
-            </a:effectRef>
-            <a:fontRef idx="minor">
-              <a:schemeClr val="lt1"/>
-            </a:fontRef>
-          </p:style>
-        </p:sp>
-        <p:sp>
-          <p:nvSpPr>
-            <p:cNvPr id="29" name="Isosceles Triangle 28"/>
-            <p:cNvSpPr/>
-            <p:nvPr/>
-          </p:nvSpPr>
-          <p:spPr>
-            <a:xfrm>
-              <a:off x="0" y="4013200"/>
-              <a:ext cx="448733" cy="2844800"/>
-            </a:xfrm>
-            <a:prstGeom prst="triangle">
-              <a:avLst>
-                <a:gd name="adj" fmla="val 0"/>
-              </a:avLst>
-            </a:prstGeom>
-            <a:solidFill>
-              <a:schemeClr val="accent1">
-                <a:alpha val="85000"/>
-              </a:schemeClr>
-            </a:solidFill>
-            <a:ln>
-              <a:noFill/>
-            </a:ln>
-            <a:effectLst/>
-          </p:spPr>
-          <p:style>
-            <a:lnRef idx="1">
-              <a:schemeClr val="accent1"/>
-            </a:lnRef>
-            <a:fillRef idx="3">
-              <a:schemeClr val="accent1"/>
-            </a:fillRef>
-            <a:effectRef idx="2">
-              <a:schemeClr val="accent1"/>
-            </a:effectRef>
-            <a:fontRef idx="minor">
-              <a:schemeClr val="lt1"/>
-            </a:fontRef>
-          </p:style>
-        </p:sp>
-      </p:grpSp>
-      <p:sp>
-        <p:nvSpPr>
-          <p:cNvPr id="2" name="Title Placeholder 1"/>
-          <p:cNvSpPr>
-            <a:spLocks noGrp="1"/>
-          </p:cNvSpPr>
-          <p:nvPr>
-            <p:ph type="title"/>
-          </p:nvPr>
-        </p:nvSpPr>
+        </p:nvPicPr>
+        <p:blipFill rotWithShape="1">
+          <a:blip r:embed="rId19">
+            <a:extLst>
+              <a:ext uri="{28A0092B-C50C-407E-A947-70E740481C1C}">
+                <a14:useLocalDpi xmlns:a14="http://schemas.microsoft.com/office/drawing/2010/main" val="0"/>
+              </a:ext>
+            </a:extLst>
+          </a:blip>
+          <a:srcRect l="3613"/>
+          <a:stretch/>
+        </p:blipFill>
         <p:spPr>
           <a:xfrm>
-            <a:off x="677334" y="609600"/>
-            <a:ext cx="8596668" cy="1320800"/>
+            <a:off x="0" y="2669685"/>
+            <a:ext cx="4037012" cy="4188315"/>
           </a:xfrm>
           <a:prstGeom prst="rect">
             <a:avLst/>
           </a:prstGeom>
         </p:spPr>
-        <p:txBody>
-          <a:bodyPr vert="horz" lIns="91440" tIns="45720" rIns="91440" bIns="45720" rtlCol="0" anchor="t">
-            <a:normAutofit/>
-          </a:bodyPr>
-          <a:lstStyle/>
-          <a:p>
-            <a:r>
-              <a:rPr lang="nl-NL" smtClean="0"/>
-              <a:t>Klik om de stijl te bewerken</a:t>
-            </a:r>
-            <a:endParaRPr lang="en-US" dirty="0"/>
-          </a:p>
-        </p:txBody>
-      </p:sp>
-      <p:sp>
-        <p:nvSpPr>
-          <p:cNvPr id="3" name="Text Placeholder 2"/>
-          <p:cNvSpPr>
-            <a:spLocks noGrp="1"/>
-          </p:cNvSpPr>
-          <p:nvPr>
-            <p:ph type="body" idx="1"/>
-          </p:nvPr>
-        </p:nvSpPr>
+      </p:pic>
+      <p:pic>
+        <p:nvPicPr>
+          <p:cNvPr id="7" name="Picture 6"/>
+          <p:cNvPicPr>
+            <a:picLocks noChangeAspect="1"/>
+          </p:cNvPicPr>
+          <p:nvPr/>
+        </p:nvPicPr>
+        <p:blipFill rotWithShape="1">
+          <a:blip r:embed="rId20">
+            <a:extLst>
+              <a:ext uri="{28A0092B-C50C-407E-A947-70E740481C1C}">
+                <a14:useLocalDpi xmlns:a14="http://schemas.microsoft.com/office/drawing/2010/main" val="0"/>
+              </a:ext>
+            </a:extLst>
+          </a:blip>
+          <a:srcRect l="35640"/>
+          <a:stretch/>
+        </p:blipFill>
         <p:spPr>
           <a:xfrm>
-            <a:off x="677334" y="2160589"/>
-            <a:ext cx="8596668" cy="3880773"/>
+            <a:off x="0" y="2892347"/>
+            <a:ext cx="1522412" cy="2365453"/>
           </a:xfrm>
           <a:prstGeom prst="rect">
             <a:avLst/>
           </a:prstGeom>
         </p:spPr>
-        <p:txBody>
-          <a:bodyPr vert="horz" lIns="91440" tIns="45720" rIns="91440" bIns="45720" rtlCol="0">
-            <a:normAutofit/>
-          </a:bodyPr>
-          <a:lstStyle/>
-          <a:p>
-            <a:pPr lvl="0"/>
-            <a:r>
-              <a:rPr lang="nl-NL" smtClean="0"/>
-              <a:t>Klik om de modelstijlen te bewerken</a:t>
-            </a:r>
-          </a:p>
-          <a:p>
-            <a:pPr lvl="1"/>
-            <a:r>
-              <a:rPr lang="nl-NL" smtClean="0"/>
-              <a:t>Tweede niveau</a:t>
-            </a:r>
-          </a:p>
-          <a:p>
-            <a:pPr lvl="2"/>
-            <a:r>
-              <a:rPr lang="nl-NL" smtClean="0"/>
-              <a:t>Derde niveau</a:t>
-            </a:r>
-          </a:p>
-          <a:p>
-            <a:pPr lvl="3"/>
-            <a:r>
-              <a:rPr lang="nl-NL" smtClean="0"/>
-              <a:t>Vierde niveau</a:t>
-            </a:r>
-          </a:p>
-          <a:p>
-            <a:pPr lvl="4"/>
-            <a:r>
-              <a:rPr lang="nl-NL" smtClean="0"/>
-              <a:t>Vijfde niveau</a:t>
-            </a:r>
-            <a:endParaRPr lang="en-US" dirty="0"/>
-          </a:p>
-        </p:txBody>
-      </p:sp>
-      <p:sp>
-        <p:nvSpPr>
-          <p:cNvPr id="4" name="Date Placeholder 3"/>
-          <p:cNvSpPr>
-            <a:spLocks noGrp="1"/>
-          </p:cNvSpPr>
-          <p:nvPr>
-            <p:ph type="dt" sz="half" idx="2"/>
-          </p:nvPr>
+      </p:pic>
+      <p:sp>
+        <p:nvSpPr>
+          <p:cNvPr id="16" name="Oval 15"/>
+          <p:cNvSpPr/>
+          <p:nvPr/>
         </p:nvSpPr>
         <p:spPr>
           <a:xfrm>
-            <a:off x="7205133" y="6041362"/>
-            <a:ext cx="911939" cy="365125"/>
+            <a:off x="8609012" y="1676400"/>
+            <a:ext cx="2819400" cy="2819400"/>
+          </a:xfrm>
+          <a:prstGeom prst="ellipse">
+            <a:avLst/>
+          </a:prstGeom>
+          <a:gradFill flip="none" rotWithShape="1">
+            <a:gsLst>
+              <a:gs pos="0">
+                <a:schemeClr val="bg2">
+                  <a:lumMod val="60000"/>
+                  <a:lumOff val="40000"/>
+                  <a:alpha val="7000"/>
+                </a:schemeClr>
+              </a:gs>
+              <a:gs pos="69000">
+                <a:schemeClr val="bg2">
+                  <a:lumMod val="60000"/>
+                  <a:lumOff val="40000"/>
+                  <a:alpha val="0"/>
+                </a:schemeClr>
+              </a:gs>
+              <a:gs pos="36000">
+                <a:schemeClr val="bg2">
+                  <a:lumMod val="60000"/>
+                  <a:lumOff val="40000"/>
+                  <a:alpha val="6000"/>
+                </a:schemeClr>
+              </a:gs>
+            </a:gsLst>
+            <a:path path="circle">
+              <a:fillToRect l="50000" t="50000" r="50000" b="50000"/>
+            </a:path>
+            <a:tileRect/>
+          </a:gradFill>
+          <a:ln>
+            <a:noFill/>
+          </a:ln>
+          <a:effectLst/>
+        </p:spPr>
+        <p:style>
+          <a:lnRef idx="1">
+            <a:schemeClr val="accent1"/>
+          </a:lnRef>
+          <a:fillRef idx="3">
+            <a:schemeClr val="accent1"/>
+          </a:fillRef>
+          <a:effectRef idx="2">
+            <a:schemeClr val="accent1"/>
+          </a:effectRef>
+          <a:fontRef idx="minor">
+            <a:schemeClr val="lt1"/>
+          </a:fontRef>
+        </p:style>
+      </p:sp>
+      <p:pic>
+        <p:nvPicPr>
+          <p:cNvPr id="9" name="Picture 8"/>
+          <p:cNvPicPr>
+            <a:picLocks noChangeAspect="1"/>
+          </p:cNvPicPr>
+          <p:nvPr/>
+        </p:nvPicPr>
+        <p:blipFill rotWithShape="1">
+          <a:blip r:embed="rId21">
+            <a:extLst>
+              <a:ext uri="{28A0092B-C50C-407E-A947-70E740481C1C}">
+                <a14:useLocalDpi xmlns:a14="http://schemas.microsoft.com/office/drawing/2010/main" val="0"/>
+              </a:ext>
+            </a:extLst>
+          </a:blip>
+          <a:srcRect t="28813"/>
+          <a:stretch/>
+        </p:blipFill>
+        <p:spPr>
+          <a:xfrm>
+            <a:off x="7999412" y="0"/>
+            <a:ext cx="1603387" cy="1141407"/>
           </a:xfrm>
           <a:prstGeom prst="rect">
             <a:avLst/>
           </a:prstGeom>
         </p:spPr>
-        <p:txBody>
-          <a:bodyPr vert="horz" lIns="91440" tIns="45720" rIns="91440" bIns="45720" rtlCol="0" anchor="ctr"/>
+      </p:pic>
+      <p:pic>
+        <p:nvPicPr>
+          <p:cNvPr id="10" name="Picture 9"/>
+          <p:cNvPicPr>
+            <a:picLocks noChangeAspect="1"/>
+          </p:cNvPicPr>
+          <p:nvPr/>
+        </p:nvPicPr>
+        <p:blipFill rotWithShape="1">
+          <a:blip r:embed="rId22">
+            <a:extLst>
+              <a:ext uri="{28A0092B-C50C-407E-A947-70E740481C1C}">
+                <a14:useLocalDpi xmlns:a14="http://schemas.microsoft.com/office/drawing/2010/main" val="0"/>
+              </a:ext>
+            </a:extLst>
+          </a:blip>
+          <a:srcRect b="23320"/>
+          <a:stretch/>
+        </p:blipFill>
+        <p:spPr>
+          <a:xfrm>
+            <a:off x="8605878" y="6096000"/>
+            <a:ext cx="993734" cy="762000"/>
+          </a:xfrm>
+          <a:prstGeom prst="rect">
+            <a:avLst/>
+          </a:prstGeom>
+        </p:spPr>
+      </p:pic>
+      <p:sp>
+        <p:nvSpPr>
+          <p:cNvPr id="14" name="Rectangle 13"/>
+          <p:cNvSpPr/>
+          <p:nvPr/>
+        </p:nvSpPr>
+        <p:spPr>
+          <a:xfrm>
+            <a:off x="10437812" y="0"/>
+            <a:ext cx="685800" cy="1143000"/>
+          </a:xfrm>
+          <a:prstGeom prst="rect">
+            <a:avLst/>
+          </a:prstGeom>
+          <a:solidFill>
+            <a:schemeClr val="accent1"/>
+          </a:solidFill>
+          <a:ln>
+            <a:noFill/>
+          </a:ln>
+        </p:spPr>
+        <p:style>
+          <a:lnRef idx="1">
+            <a:schemeClr val="accent1"/>
+          </a:lnRef>
+          <a:fillRef idx="3">
+            <a:schemeClr val="accent1"/>
+          </a:fillRef>
+          <a:effectRef idx="2">
+            <a:schemeClr val="accent1"/>
+          </a:effectRef>
+          <a:fontRef idx="minor">
+            <a:schemeClr val="lt1"/>
+          </a:fontRef>
+        </p:style>
+      </p:sp>
+      <p:sp>
+        <p:nvSpPr>
+          <p:cNvPr id="2" name="Title Placeholder 1"/>
+          <p:cNvSpPr>
+            <a:spLocks noGrp="1"/>
+          </p:cNvSpPr>
+          <p:nvPr>
+            <p:ph type="title"/>
+          </p:nvPr>
+        </p:nvSpPr>
+        <p:spPr>
+          <a:xfrm>
+            <a:off x="646111" y="452718"/>
+            <a:ext cx="9404723" cy="1400530"/>
+          </a:xfrm>
+          <a:prstGeom prst="rect">
+            <a:avLst/>
+          </a:prstGeom>
+        </p:spPr>
+        <p:txBody>
+          <a:bodyPr vert="horz" lIns="91440" tIns="45720" rIns="91440" bIns="45720" rtlCol="0" anchor="t">
+            <a:noAutofit/>
+          </a:bodyPr>
+          <a:lstStyle/>
+          <a:p>
+            <a:r>
+              <a:rPr lang="nl-NL" smtClean="0"/>
+              <a:t>Klik om de stijl te bewerken</a:t>
+            </a:r>
+            <a:endParaRPr lang="en-US" dirty="0"/>
+          </a:p>
+        </p:txBody>
+      </p:sp>
+      <p:sp>
+        <p:nvSpPr>
+          <p:cNvPr id="3" name="Text Placeholder 2"/>
+          <p:cNvSpPr>
+            <a:spLocks noGrp="1"/>
+          </p:cNvSpPr>
+          <p:nvPr>
+            <p:ph type="body" idx="1"/>
+          </p:nvPr>
+        </p:nvSpPr>
+        <p:spPr>
+          <a:xfrm>
+            <a:off x="1103312" y="2052918"/>
+            <a:ext cx="8946541" cy="4195481"/>
+          </a:xfrm>
+          <a:prstGeom prst="rect">
+            <a:avLst/>
+          </a:prstGeom>
+        </p:spPr>
+        <p:txBody>
+          <a:bodyPr vert="horz" lIns="91440" tIns="45720" rIns="91440" bIns="45720" rtlCol="0">
+            <a:normAutofit/>
+          </a:bodyPr>
+          <a:lstStyle/>
+          <a:p>
+            <a:pPr lvl="0"/>
+            <a:r>
+              <a:rPr lang="nl-NL" smtClean="0"/>
+              <a:t>Klik om de modelstijlen te bewerken</a:t>
+            </a:r>
+          </a:p>
+          <a:p>
+            <a:pPr lvl="1"/>
+            <a:r>
+              <a:rPr lang="nl-NL" smtClean="0"/>
+              <a:t>Tweede niveau</a:t>
+            </a:r>
+          </a:p>
+          <a:p>
+            <a:pPr lvl="2"/>
+            <a:r>
+              <a:rPr lang="nl-NL" smtClean="0"/>
+              <a:t>Derde niveau</a:t>
+            </a:r>
+          </a:p>
+          <a:p>
+            <a:pPr lvl="3"/>
+            <a:r>
+              <a:rPr lang="nl-NL" smtClean="0"/>
+              <a:t>Vierde niveau</a:t>
+            </a:r>
+          </a:p>
+          <a:p>
+            <a:pPr lvl="4"/>
+            <a:r>
+              <a:rPr lang="nl-NL" smtClean="0"/>
+              <a:t>Vijfde niveau</a:t>
+            </a:r>
+            <a:endParaRPr lang="en-US" dirty="0"/>
+          </a:p>
+        </p:txBody>
+      </p:sp>
+      <p:sp>
+        <p:nvSpPr>
+          <p:cNvPr id="4" name="Date Placeholder 3"/>
+          <p:cNvSpPr>
+            <a:spLocks noGrp="1"/>
+          </p:cNvSpPr>
+          <p:nvPr>
+            <p:ph type="dt" sz="half" idx="2"/>
+          </p:nvPr>
+        </p:nvSpPr>
+        <p:spPr>
+          <a:xfrm rot="5400000">
+            <a:off x="10155639" y="1790701"/>
+            <a:ext cx="990599" cy="304799"/>
+          </a:xfrm>
+          <a:prstGeom prst="rect">
+            <a:avLst/>
+          </a:prstGeom>
+        </p:spPr>
+        <p:txBody>
+          <a:bodyPr vert="horz" lIns="91440" tIns="45720" rIns="91440" bIns="45720" rtlCol="0" anchor="t"/>
           <a:lstStyle>
-            <a:lvl1pPr algn="r">
-              <a:defRPr sz="900">
+            <a:lvl1pPr algn="l">
+              <a:defRPr sz="1100" b="0" i="0">
+                <a:solidFill>
+                  <a:schemeClr val="tx1">
+                    <a:tint val="75000"/>
+                    <a:alpha val="60000"/>
+                  </a:schemeClr>
+                </a:solidFill>
+              </a:defRPr>
+            </a:lvl1pPr>
+          </a:lstStyle>
+          <a:p>
+            <a:fld id="{D079006D-3D4A-43F0-954E-277C07F6533F}" type="datetimeFigureOut">
+              <a:rPr lang="nl-NL" smtClean="0"/>
+              <a:t>26-2-2016</a:t>
+            </a:fld>
+            <a:endParaRPr lang="nl-NL"/>
+          </a:p>
+        </p:txBody>
+      </p:sp>
+      <p:sp>
+        <p:nvSpPr>
+          <p:cNvPr id="5" name="Footer Placeholder 4"/>
+          <p:cNvSpPr>
+            <a:spLocks noGrp="1"/>
+          </p:cNvSpPr>
+          <p:nvPr>
+            <p:ph type="ftr" sz="quarter" idx="3"/>
+          </p:nvPr>
+        </p:nvSpPr>
+        <p:spPr>
+          <a:xfrm rot="5400000">
+            <a:off x="8951573" y="3225297"/>
+            <a:ext cx="3859795" cy="304801"/>
+          </a:xfrm>
+          <a:prstGeom prst="rect">
+            <a:avLst/>
+          </a:prstGeom>
+        </p:spPr>
+        <p:txBody>
+          <a:bodyPr vert="horz" lIns="91440" tIns="45720" rIns="91440" bIns="45720" rtlCol="0" anchor="b"/>
+          <a:lstStyle>
+            <a:lvl1pPr algn="l">
+              <a:defRPr sz="1100" b="0" i="0">
+                <a:solidFill>
+                  <a:schemeClr val="tx1">
+                    <a:tint val="75000"/>
+                    <a:alpha val="60000"/>
+                  </a:schemeClr>
+                </a:solidFill>
+              </a:defRPr>
+            </a:lvl1pPr>
+          </a:lstStyle>
+          <a:p>
+            <a:endParaRPr lang="nl-NL"/>
+          </a:p>
+        </p:txBody>
+      </p:sp>
+      <p:sp>
+        <p:nvSpPr>
+          <p:cNvPr id="6" name="Slide Number Placeholder 5"/>
+          <p:cNvSpPr>
+            <a:spLocks noGrp="1"/>
+          </p:cNvSpPr>
+          <p:nvPr>
+            <p:ph type="sldNum" sz="quarter" idx="4"/>
+          </p:nvPr>
+        </p:nvSpPr>
+        <p:spPr bwMode="gray">
+          <a:xfrm>
+            <a:off x="10352540" y="295729"/>
+            <a:ext cx="838199" cy="767687"/>
+          </a:xfrm>
+          <a:prstGeom prst="rect">
+            <a:avLst/>
+          </a:prstGeom>
+        </p:spPr>
+        <p:txBody>
+          <a:bodyPr vert="horz" lIns="91440" tIns="45720" rIns="91440" bIns="45720" rtlCol="0" anchor="b"/>
+          <a:lstStyle>
+            <a:lvl1pPr algn="ctr">
+              <a:defRPr sz="2800" b="0" i="0">
                 <a:solidFill>
                   <a:schemeClr val="tx1">
                     <a:tint val="75000"/>
@@ -5304,82 +5646,6 @@
             </a:lvl1pPr>
           </a:lstStyle>
           <a:p>
-            <a:fld id="{D079006D-3D4A-43F0-954E-277C07F6533F}" type="datetimeFigureOut">
-              <a:rPr lang="nl-NL" smtClean="0"/>
-              <a:t>26-2-2016</a:t>
-            </a:fld>
-            <a:endParaRPr lang="nl-NL"/>
-          </a:p>
-        </p:txBody>
-      </p:sp>
-      <p:sp>
-        <p:nvSpPr>
-          <p:cNvPr id="5" name="Footer Placeholder 4"/>
-          <p:cNvSpPr>
-            <a:spLocks noGrp="1"/>
-          </p:cNvSpPr>
-          <p:nvPr>
-            <p:ph type="ftr" sz="quarter" idx="3"/>
-          </p:nvPr>
-        </p:nvSpPr>
-        <p:spPr>
-          <a:xfrm>
-            <a:off x="677334" y="6041362"/>
-            <a:ext cx="6297612" cy="365125"/>
-          </a:xfrm>
-          <a:prstGeom prst="rect">
-            <a:avLst/>
-          </a:prstGeom>
-        </p:spPr>
-        <p:txBody>
-          <a:bodyPr vert="horz" lIns="91440" tIns="45720" rIns="91440" bIns="45720" rtlCol="0" anchor="ctr"/>
-          <a:lstStyle>
-            <a:lvl1pPr algn="l">
-              <a:defRPr sz="900">
-                <a:solidFill>
-                  <a:schemeClr val="tx1">
-                    <a:tint val="75000"/>
-                  </a:schemeClr>
-                </a:solidFill>
-              </a:defRPr>
-            </a:lvl1pPr>
-          </a:lstStyle>
-          <a:p>
-            <a:endParaRPr lang="nl-NL"/>
-          </a:p>
-        </p:txBody>
-      </p:sp>
-      <p:sp>
-        <p:nvSpPr>
-          <p:cNvPr id="6" name="Slide Number Placeholder 5"/>
-          <p:cNvSpPr>
-            <a:spLocks noGrp="1"/>
-          </p:cNvSpPr>
-          <p:nvPr>
-            <p:ph type="sldNum" sz="quarter" idx="4"/>
-          </p:nvPr>
-        </p:nvSpPr>
-        <p:spPr>
-          <a:xfrm>
-            <a:off x="8590663" y="6041362"/>
-            <a:ext cx="683339" cy="365125"/>
-          </a:xfrm>
-          <a:prstGeom prst="rect">
-            <a:avLst/>
-          </a:prstGeom>
-        </p:spPr>
-        <p:txBody>
-          <a:bodyPr vert="horz" lIns="91440" tIns="45720" rIns="91440" bIns="45720" rtlCol="0" anchor="ctr"/>
-          <a:lstStyle>
-            <a:lvl1pPr algn="r">
-              <a:defRPr sz="900">
-                <a:solidFill>
-                  <a:schemeClr val="accent1"/>
-                </a:solidFill>
-              </a:defRPr>
-            </a:lvl1pPr>
-          </a:lstStyle>
-          <a:p>
             <a:fld id="{ABB89995-1380-491F-8726-78A6D4E8BF10}" type="slidenum">
               <a:rPr lang="nl-NL" smtClean="0"/>
               <a:t>‹nr.›</a:t>
@@ -5391,28 +5657,29 @@
     </p:spTree>
     <p:extLst>
       <p:ext uri="{BB962C8B-B14F-4D97-AF65-F5344CB8AC3E}">
-        <p14:creationId xmlns:p14="http://schemas.microsoft.com/office/powerpoint/2010/main" val="2851576581"/>
+        <p14:creationId xmlns:p14="http://schemas.microsoft.com/office/powerpoint/2010/main" val="2823630181"/>
       </p:ext>
     </p:extLst>
   </p:cSld>
-  <p:clrMap bg1="lt1" tx1="dk1" bg2="lt2" tx2="dk2" accent1="accent1" accent2="accent2" accent3="accent3" accent4="accent4" accent5="accent5" accent6="accent6" hlink="hlink" folHlink="folHlink"/>
+  <p:clrMap bg1="dk1" tx1="lt1" bg2="dk2" tx2="lt2" accent1="accent1" accent2="accent2" accent3="accent3" accent4="accent4" accent5="accent5" accent6="accent6" hlink="hlink" folHlink="folHlink"/>
   <p:sldLayoutIdLst>
-    <p:sldLayoutId id="2147483661" r:id="rId1"/>
-    <p:sldLayoutId id="2147483662" r:id="rId2"/>
-    <p:sldLayoutId id="2147483663" r:id="rId3"/>
-    <p:sldLayoutId id="2147483664" r:id="rId4"/>
-    <p:sldLayoutId id="2147483665" r:id="rId5"/>
-    <p:sldLayoutId id="2147483666" r:id="rId6"/>
-    <p:sldLayoutId id="2147483667" r:id="rId7"/>
-    <p:sldLayoutId id="2147483668" r:id="rId8"/>
-    <p:sldLayoutId id="2147483669" r:id="rId9"/>
-    <p:sldLayoutId id="2147483670" r:id="rId10"/>
-    <p:sldLayoutId id="2147483671" r:id="rId11"/>
-    <p:sldLayoutId id="2147483672" r:id="rId12"/>
-    <p:sldLayoutId id="2147483673" r:id="rId13"/>
-    <p:sldLayoutId id="2147483674" r:id="rId14"/>
-    <p:sldLayoutId id="2147483675" r:id="rId15"/>
-    <p:sldLayoutId id="2147483676" r:id="rId16"/>
+    <p:sldLayoutId id="2147483678" r:id="rId1"/>
+    <p:sldLayoutId id="2147483679" r:id="rId2"/>
+    <p:sldLayoutId id="2147483680" r:id="rId3"/>
+    <p:sldLayoutId id="2147483681" r:id="rId4"/>
+    <p:sldLayoutId id="2147483682" r:id="rId5"/>
+    <p:sldLayoutId id="2147483683" r:id="rId6"/>
+    <p:sldLayoutId id="2147483684" r:id="rId7"/>
+    <p:sldLayoutId id="2147483685" r:id="rId8"/>
+    <p:sldLayoutId id="2147483686" r:id="rId9"/>
+    <p:sldLayoutId id="2147483687" r:id="rId10"/>
+    <p:sldLayoutId id="2147483688" r:id="rId11"/>
+    <p:sldLayoutId id="2147483689" r:id="rId12"/>
+    <p:sldLayoutId id="2147483690" r:id="rId13"/>
+    <p:sldLayoutId id="2147483691" r:id="rId14"/>
+    <p:sldLayoutId id="2147483692" r:id="rId15"/>
+    <p:sldLayoutId id="2147483693" r:id="rId16"/>
+    <p:sldLayoutId id="2147483694" r:id="rId17"/>
   </p:sldLayoutIdLst>
   <p:txStyles>
     <p:titleStyle>
@@ -5421,9 +5688,9 @@
           <a:spcPct val="0"/>
         </a:spcBef>
         <a:buNone/>
-        <a:defRPr sz="3600" kern="1200">
+        <a:defRPr sz="4200" b="0" i="0" kern="1200">
           <a:solidFill>
-            <a:schemeClr val="accent1"/>
+            <a:schemeClr val="tx2"/>
           </a:solidFill>
           <a:latin typeface="+mj-lt"/>
           <a:ea typeface="+mj-ea"/>
@@ -5496,21 +5763,21 @@
           <a:spcPts val="0"/>
         </a:spcAft>
         <a:buClr>
-          <a:schemeClr val="accent1"/>
+          <a:schemeClr val="bg2">
+            <a:lumMod val="40000"/>
+            <a:lumOff val="60000"/>
+          </a:schemeClr>
         </a:buClr>
         <a:buSzPct val="80000"/>
         <a:buFont typeface="Wingdings 3" charset="2"/>
         <a:buChar char=""/>
-        <a:defRPr sz="1800" kern="1200">
+        <a:defRPr sz="2000" b="0" i="0" kern="1200">
           <a:solidFill>
-            <a:schemeClr val="tx1">
-              <a:lumMod val="75000"/>
-              <a:lumOff val="25000"/>
-            </a:schemeClr>
+            <a:schemeClr val="tx1"/>
           </a:solidFill>
-          <a:latin typeface="+mn-lt"/>
-          <a:ea typeface="+mn-ea"/>
-          <a:cs typeface="+mn-cs"/>
+          <a:latin typeface="+mj-lt"/>
+          <a:ea typeface="+mj-ea"/>
+          <a:cs typeface="+mj-cs"/>
         </a:defRPr>
       </a:lvl1pPr>
       <a:lvl2pPr marL="742950" indent="-285750" algn="l" defTabSz="457200" rtl="0" eaLnBrk="1" latinLnBrk="0" hangingPunct="1">
@@ -5521,21 +5788,21 @@
           <a:spcPts val="0"/>
         </a:spcAft>
         <a:buClr>
-          <a:schemeClr val="accent1"/>
+          <a:schemeClr val="bg2">
+            <a:lumMod val="40000"/>
+            <a:lumOff val="60000"/>
+          </a:schemeClr>
         </a:buClr>
         <a:buSzPct val="80000"/>
         <a:buFont typeface="Wingdings 3" charset="2"/>
         <a:buChar char=""/>
-        <a:defRPr sz="1600" kern="1200">
+        <a:defRPr sz="1800" b="0" i="0" kern="1200">
           <a:solidFill>
-            <a:schemeClr val="tx1">
-              <a:lumMod val="75000"/>
-              <a:lumOff val="25000"/>
-            </a:schemeClr>
+            <a:schemeClr val="tx1"/>
           </a:solidFill>
-          <a:latin typeface="+mn-lt"/>
-          <a:ea typeface="+mn-ea"/>
-          <a:cs typeface="+mn-cs"/>
+          <a:latin typeface="+mj-lt"/>
+          <a:ea typeface="+mj-ea"/>
+          <a:cs typeface="+mj-cs"/>
         </a:defRPr>
       </a:lvl2pPr>
       <a:lvl3pPr marL="1143000" indent="-228600" algn="l" defTabSz="457200" rtl="0" eaLnBrk="1" latinLnBrk="0" hangingPunct="1">
@@ -5546,21 +5813,21 @@
           <a:spcPts val="0"/>
         </a:spcAft>
         <a:buClr>
-          <a:schemeClr val="accent1"/>
+          <a:schemeClr val="bg2">
+            <a:lumMod val="40000"/>
+            <a:lumOff val="60000"/>
+          </a:schemeClr>
         </a:buClr>
         <a:buSzPct val="80000"/>
         <a:buFont typeface="Wingdings 3" charset="2"/>
         <a:buChar char=""/>
-        <a:defRPr sz="1400" kern="1200">
+        <a:defRPr sz="1600" b="0" i="0" kern="1200">
           <a:solidFill>
-            <a:schemeClr val="tx1">
-              <a:lumMod val="75000"/>
-              <a:lumOff val="25000"/>
-            </a:schemeClr>
+            <a:schemeClr val="tx1"/>
           </a:solidFill>
-          <a:latin typeface="+mn-lt"/>
-          <a:ea typeface="+mn-ea"/>
-          <a:cs typeface="+mn-cs"/>
+          <a:latin typeface="+mj-lt"/>
+          <a:ea typeface="+mj-ea"/>
+          <a:cs typeface="+mj-cs"/>
         </a:defRPr>
       </a:lvl3pPr>
       <a:lvl4pPr marL="1600200" indent="-228600" algn="l" defTabSz="457200" rtl="0" eaLnBrk="1" latinLnBrk="0" hangingPunct="1">
@@ -5571,21 +5838,21 @@
           <a:spcPts val="0"/>
         </a:spcAft>
         <a:buClr>
-          <a:schemeClr val="accent1"/>
+          <a:schemeClr val="bg2">
+            <a:lumMod val="40000"/>
+            <a:lumOff val="60000"/>
+          </a:schemeClr>
         </a:buClr>
         <a:buSzPct val="80000"/>
         <a:buFont typeface="Wingdings 3" charset="2"/>
         <a:buChar char=""/>
-        <a:defRPr sz="1200" kern="1200">
+        <a:defRPr sz="1400" b="0" i="0" kern="1200">
           <a:solidFill>
-            <a:schemeClr val="tx1">
-              <a:lumMod val="75000"/>
-              <a:lumOff val="25000"/>
-            </a:schemeClr>
+            <a:schemeClr val="tx1"/>
           </a:solidFill>
-          <a:latin typeface="+mn-lt"/>
-          <a:ea typeface="+mn-ea"/>
-          <a:cs typeface="+mn-cs"/>
+          <a:latin typeface="+mj-lt"/>
+          <a:ea typeface="+mj-ea"/>
+          <a:cs typeface="+mj-cs"/>
         </a:defRPr>
       </a:lvl4pPr>
       <a:lvl5pPr marL="2057400" indent="-228600" algn="l" defTabSz="457200" rtl="0" eaLnBrk="1" latinLnBrk="0" hangingPunct="1">
@@ -5596,24 +5863,24 @@
           <a:spcPts val="0"/>
         </a:spcAft>
         <a:buClr>
-          <a:schemeClr val="accent1"/>
+          <a:schemeClr val="bg2">
+            <a:lumMod val="40000"/>
+            <a:lumOff val="60000"/>
+          </a:schemeClr>
         </a:buClr>
         <a:buSzPct val="80000"/>
         <a:buFont typeface="Wingdings 3" charset="2"/>
         <a:buChar char=""/>
-        <a:defRPr sz="1200" kern="1200">
+        <a:defRPr sz="1400" b="0" i="0" kern="1200">
           <a:solidFill>
-            <a:schemeClr val="tx1">
-              <a:lumMod val="75000"/>
-              <a:lumOff val="25000"/>
-            </a:schemeClr>
+            <a:schemeClr val="tx1"/>
           </a:solidFill>
-          <a:latin typeface="+mn-lt"/>
-          <a:ea typeface="+mn-ea"/>
-          <a:cs typeface="+mn-cs"/>
+          <a:latin typeface="+mj-lt"/>
+          <a:ea typeface="+mj-ea"/>
+          <a:cs typeface="+mj-cs"/>
         </a:defRPr>
       </a:lvl5pPr>
-      <a:lvl6pPr marL="2514600" indent="-228600" algn="l" defTabSz="457200" rtl="0" eaLnBrk="1" latinLnBrk="0" hangingPunct="1">
+      <a:lvl6pPr marL="2506000" indent="-228600" algn="l" defTabSz="457200" rtl="0" eaLnBrk="1" latinLnBrk="0" hangingPunct="1">
         <a:spcBef>
           <a:spcPts val="1000"/>
         </a:spcBef>
@@ -5621,21 +5888,21 @@
           <a:spcPts val="0"/>
         </a:spcAft>
         <a:buClr>
-          <a:schemeClr val="accent1"/>
+          <a:schemeClr val="bg2">
+            <a:lumMod val="40000"/>
+            <a:lumOff val="60000"/>
+          </a:schemeClr>
         </a:buClr>
         <a:buSzPct val="80000"/>
         <a:buFont typeface="Wingdings 3" charset="2"/>
         <a:buChar char=""/>
-        <a:defRPr sz="1200" kern="1200">
+        <a:defRPr sz="1400" b="0" i="0" kern="1200">
           <a:solidFill>
-            <a:schemeClr val="tx1">
-              <a:lumMod val="75000"/>
-              <a:lumOff val="25000"/>
-            </a:schemeClr>
+            <a:schemeClr val="tx1"/>
           </a:solidFill>
-          <a:latin typeface="+mn-lt"/>
-          <a:ea typeface="+mn-ea"/>
-          <a:cs typeface="+mn-cs"/>
+          <a:latin typeface="+mj-lt"/>
+          <a:ea typeface="+mj-ea"/>
+          <a:cs typeface="+mj-cs"/>
         </a:defRPr>
       </a:lvl6pPr>
       <a:lvl7pPr marL="2971800" indent="-228600" algn="l" defTabSz="457200" rtl="0" eaLnBrk="1" latinLnBrk="0" hangingPunct="1">
@@ -5646,21 +5913,21 @@
           <a:spcPts val="0"/>
         </a:spcAft>
         <a:buClr>
-          <a:schemeClr val="accent1"/>
+          <a:schemeClr val="bg2">
+            <a:lumMod val="40000"/>
+            <a:lumOff val="60000"/>
+          </a:schemeClr>
         </a:buClr>
         <a:buSzPct val="80000"/>
         <a:buFont typeface="Wingdings 3" charset="2"/>
         <a:buChar char=""/>
-        <a:defRPr sz="1200" kern="1200">
+        <a:defRPr sz="1400" b="0" i="0" kern="1200">
           <a:solidFill>
-            <a:schemeClr val="tx1">
-              <a:lumMod val="75000"/>
-              <a:lumOff val="25000"/>
-            </a:schemeClr>
+            <a:schemeClr val="tx1"/>
           </a:solidFill>
-          <a:latin typeface="+mn-lt"/>
-          <a:ea typeface="+mn-ea"/>
-          <a:cs typeface="+mn-cs"/>
+          <a:latin typeface="+mj-lt"/>
+          <a:ea typeface="+mj-ea"/>
+          <a:cs typeface="+mj-cs"/>
         </a:defRPr>
       </a:lvl7pPr>
       <a:lvl8pPr marL="3429000" indent="-228600" algn="l" defTabSz="457200" rtl="0" eaLnBrk="1" latinLnBrk="0" hangingPunct="1">
@@ -5671,21 +5938,21 @@
           <a:spcPts val="0"/>
         </a:spcAft>
         <a:buClr>
-          <a:schemeClr val="accent1"/>
+          <a:schemeClr val="bg2">
+            <a:lumMod val="40000"/>
+            <a:lumOff val="60000"/>
+          </a:schemeClr>
         </a:buClr>
         <a:buSzPct val="80000"/>
         <a:buFont typeface="Wingdings 3" charset="2"/>
         <a:buChar char=""/>
-        <a:defRPr sz="1200" kern="1200">
+        <a:defRPr sz="1400" b="0" i="0" kern="1200">
           <a:solidFill>
-            <a:schemeClr val="tx1">
-              <a:lumMod val="75000"/>
-              <a:lumOff val="25000"/>
-            </a:schemeClr>
+            <a:schemeClr val="tx1"/>
           </a:solidFill>
-          <a:latin typeface="+mn-lt"/>
-          <a:ea typeface="+mn-ea"/>
-          <a:cs typeface="+mn-cs"/>
+          <a:latin typeface="+mj-lt"/>
+          <a:ea typeface="+mj-ea"/>
+          <a:cs typeface="+mj-cs"/>
         </a:defRPr>
       </a:lvl8pPr>
       <a:lvl9pPr marL="3886200" indent="-228600" algn="l" defTabSz="457200" rtl="0" eaLnBrk="1" latinLnBrk="0" hangingPunct="1">
@@ -5696,21 +5963,21 @@
           <a:spcPts val="0"/>
         </a:spcAft>
         <a:buClr>
-          <a:schemeClr val="accent1"/>
+          <a:schemeClr val="bg2">
+            <a:lumMod val="40000"/>
+            <a:lumOff val="60000"/>
+          </a:schemeClr>
         </a:buClr>
         <a:buSzPct val="80000"/>
         <a:buFont typeface="Wingdings 3" charset="2"/>
         <a:buChar char=""/>
-        <a:defRPr sz="1200" kern="1200">
+        <a:defRPr sz="1400" b="0" i="0" kern="1200">
           <a:solidFill>
-            <a:schemeClr val="tx1">
-              <a:lumMod val="75000"/>
-              <a:lumOff val="25000"/>
-            </a:schemeClr>
+            <a:schemeClr val="tx1"/>
           </a:solidFill>
-          <a:latin typeface="+mn-lt"/>
-          <a:ea typeface="+mn-ea"/>
-          <a:cs typeface="+mn-cs"/>
+          <a:latin typeface="+mj-lt"/>
+          <a:ea typeface="+mj-ea"/>
+          <a:cs typeface="+mj-cs"/>
         </a:defRPr>
       </a:lvl9pPr>
     </p:bodyStyle>
@@ -5840,7 +6107,12 @@
             <p:ph type="ctrTitle"/>
           </p:nvPr>
         </p:nvSpPr>
-        <p:spPr/>
+        <p:spPr>
+          <a:xfrm>
+            <a:off x="1457639" y="570470"/>
+            <a:ext cx="8825658" cy="3329581"/>
+          </a:xfrm>
+        </p:spPr>
         <p:txBody>
           <a:bodyPr/>
           <a:lstStyle/>
@@ -5875,7 +6147,7 @@
         </p:spPr>
         <p:txBody>
           <a:bodyPr>
-            <a:normAutofit/>
+            <a:normAutofit lnSpcReduction="10000"/>
           </a:bodyPr>
           <a:lstStyle/>
           <a:p>
@@ -5948,20 +6220,20 @@
           <p:nvPr>
             <p:extLst>
               <p:ext uri="{D42A27DB-BD31-4B8C-83A1-F6EECF244321}">
-                <p14:modId xmlns:p14="http://schemas.microsoft.com/office/powerpoint/2010/main" val="23143996"/>
+                <p14:modId xmlns:p14="http://schemas.microsoft.com/office/powerpoint/2010/main" val="917134881"/>
               </p:ext>
             </p:extLst>
           </p:nvPr>
         </p:nvGraphicFramePr>
         <p:xfrm>
-          <a:off x="4883777" y="609600"/>
-          <a:ext cx="3802392" cy="4462530"/>
+          <a:off x="5899465" y="906162"/>
+          <a:ext cx="4257158" cy="4996248"/>
         </p:xfrm>
         <a:graphic>
           <a:graphicData uri="http://schemas.openxmlformats.org/presentationml/2006/ole">
             <mc:AlternateContent xmlns:mc="http://schemas.openxmlformats.org/markup-compatibility/2006">
               <mc:Choice xmlns:v="urn:schemas-microsoft-com:vml" Requires="v">
-                <p:oleObj spid="_x0000_s1029" name="Image" r:id="rId3" imgW="5257080" imgH="6171120" progId="Photoshop.Image.13">
+                <p:oleObj spid="_x0000_s1031" name="Image" r:id="rId3" imgW="5257080" imgH="6171120" progId="Photoshop.Image.13">
                   <p:embed/>
                 </p:oleObj>
               </mc:Choice>
@@ -5982,8 +6254,8 @@
                     </p:blipFill>
                     <p:spPr>
                       <a:xfrm>
-                        <a:off x="4883777" y="609600"/>
-                        <a:ext cx="3802392" cy="4462530"/>
+                        <a:off x="5899465" y="906162"/>
+                        <a:ext cx="4257158" cy="4996248"/>
                       </a:xfrm>
                       <a:prstGeom prst="rect">
                         <a:avLst/>
@@ -6158,8 +6430,8 @@
         </p:blipFill>
         <p:spPr>
           <a:xfrm>
-            <a:off x="5132768" y="1601790"/>
-            <a:ext cx="4038600" cy="4791075"/>
+            <a:off x="5576582" y="756837"/>
+            <a:ext cx="4629070" cy="5491562"/>
           </a:xfrm>
           <a:prstGeom prst="rect">
             <a:avLst/>
@@ -6203,6 +6475,99 @@
           <a:chExt cx="0" cy="0"/>
         </a:xfrm>
       </p:grpSpPr>
+      <p:sp>
+        <p:nvSpPr>
+          <p:cNvPr id="2" name="Titel 1"/>
+          <p:cNvSpPr>
+            <a:spLocks noGrp="1"/>
+          </p:cNvSpPr>
+          <p:nvPr>
+            <p:ph type="title"/>
+          </p:nvPr>
+        </p:nvSpPr>
+        <p:spPr>
+          <a:xfrm>
+            <a:off x="1187600" y="738388"/>
+            <a:ext cx="8596668" cy="1320800"/>
+          </a:xfrm>
+        </p:spPr>
+        <p:txBody>
+          <a:bodyPr/>
+          <a:lstStyle/>
+          <a:p>
+            <a:r>
+              <a:rPr lang="nl-NL" dirty="0" smtClean="0"/>
+              <a:t>Fase 3</a:t>
+            </a:r>
+            <a:r>
+              <a:rPr lang="nl-NL" dirty="0" smtClean="0"/>
+              <a:t>: </a:t>
+            </a:r>
+            <a:r>
+              <a:rPr lang="nl-NL" dirty="0" smtClean="0"/>
+              <a:t>Ontwerp</a:t>
+            </a:r>
+            <a:endParaRPr lang="nl-NL" dirty="0"/>
+          </a:p>
+        </p:txBody>
+      </p:sp>
+      <p:sp>
+        <p:nvSpPr>
+          <p:cNvPr id="3" name="Tijdelijke aanduiding voor inhoud 2"/>
+          <p:cNvSpPr>
+            <a:spLocks noGrp="1"/>
+          </p:cNvSpPr>
+          <p:nvPr>
+            <p:ph idx="1"/>
+          </p:nvPr>
+        </p:nvSpPr>
+        <p:spPr>
+          <a:xfrm>
+            <a:off x="1492755" y="2059188"/>
+            <a:ext cx="8596668" cy="3880773"/>
+          </a:xfrm>
+        </p:spPr>
+        <p:txBody>
+          <a:bodyPr/>
+          <a:lstStyle/>
+          <a:p>
+            <a:r>
+              <a:rPr lang="nl-NL" dirty="0" smtClean="0"/>
+              <a:t>Functioneel ontwerp</a:t>
+            </a:r>
+          </a:p>
+          <a:p>
+            <a:r>
+              <a:rPr lang="nl-NL" dirty="0" smtClean="0"/>
+              <a:t>Aangepaste planning</a:t>
+            </a:r>
+          </a:p>
+        </p:txBody>
+      </p:sp>
+      <p:pic>
+        <p:nvPicPr>
+          <p:cNvPr id="6" name="Afbeelding 5"/>
+          <p:cNvPicPr>
+            <a:picLocks noChangeAspect="1"/>
+          </p:cNvPicPr>
+          <p:nvPr/>
+        </p:nvPicPr>
+        <p:blipFill>
+          <a:blip r:embed="rId2"/>
+          <a:stretch>
+            <a:fillRect/>
+          </a:stretch>
+        </p:blipFill>
+        <p:spPr>
+          <a:xfrm>
+            <a:off x="5585254" y="617915"/>
+            <a:ext cx="6314825" cy="6048001"/>
+          </a:xfrm>
+          <a:prstGeom prst="rect">
+            <a:avLst/>
+          </a:prstGeom>
+        </p:spPr>
+      </p:pic>
       <p:pic>
         <p:nvPicPr>
           <p:cNvPr id="4" name="Afbeelding 3" descr="C:\wamp\www\tovuti\docs\prototype layout\whoop.jpg"/>
@@ -6210,7 +6575,7 @@
           <p:nvPr/>
         </p:nvPicPr>
         <p:blipFill>
-          <a:blip r:embed="rId2">
+          <a:blip r:embed="rId3">
             <a:extLst>
               <a:ext uri="{28A0092B-C50C-407E-A947-70E740481C1C}">
                 <a14:useLocalDpi xmlns:a14="http://schemas.microsoft.com/office/drawing/2010/main" val="0"/>
@@ -6224,7 +6589,7 @@
         </p:blipFill>
         <p:spPr bwMode="auto">
           <a:xfrm>
-            <a:off x="290962" y="3396933"/>
+            <a:off x="278605" y="3500461"/>
             <a:ext cx="5847475" cy="3155354"/>
           </a:xfrm>
           <a:prstGeom prst="rect">
@@ -6234,91 +6599,6 @@
           <a:ln>
             <a:noFill/>
           </a:ln>
-        </p:spPr>
-      </p:pic>
-      <p:sp>
-        <p:nvSpPr>
-          <p:cNvPr id="2" name="Titel 1"/>
-          <p:cNvSpPr>
-            <a:spLocks noGrp="1"/>
-          </p:cNvSpPr>
-          <p:nvPr>
-            <p:ph type="title"/>
-          </p:nvPr>
-        </p:nvSpPr>
-        <p:spPr>
-          <a:xfrm>
-            <a:off x="1187600" y="738388"/>
-            <a:ext cx="8596668" cy="1320800"/>
-          </a:xfrm>
-        </p:spPr>
-        <p:txBody>
-          <a:bodyPr/>
-          <a:lstStyle/>
-          <a:p>
-            <a:r>
-              <a:rPr lang="nl-NL" dirty="0" smtClean="0"/>
-              <a:t>Fase 3: Functioneel Ontwerp</a:t>
-            </a:r>
-            <a:endParaRPr lang="nl-NL" dirty="0"/>
-          </a:p>
-        </p:txBody>
-      </p:sp>
-      <p:sp>
-        <p:nvSpPr>
-          <p:cNvPr id="3" name="Tijdelijke aanduiding voor inhoud 2"/>
-          <p:cNvSpPr>
-            <a:spLocks noGrp="1"/>
-          </p:cNvSpPr>
-          <p:nvPr>
-            <p:ph idx="1"/>
-          </p:nvPr>
-        </p:nvSpPr>
-        <p:spPr>
-          <a:xfrm>
-            <a:off x="1492755" y="2059188"/>
-            <a:ext cx="8596668" cy="3880773"/>
-          </a:xfrm>
-        </p:spPr>
-        <p:txBody>
-          <a:bodyPr/>
-          <a:lstStyle/>
-          <a:p>
-            <a:r>
-              <a:rPr lang="nl-NL" dirty="0" smtClean="0"/>
-              <a:t>Functioneel ontwerp</a:t>
-            </a:r>
-          </a:p>
-          <a:p>
-            <a:r>
-              <a:rPr lang="nl-NL" dirty="0" smtClean="0"/>
-              <a:t>Aangepaste planning</a:t>
-            </a:r>
-          </a:p>
-        </p:txBody>
-      </p:sp>
-      <p:pic>
-        <p:nvPicPr>
-          <p:cNvPr id="6" name="Afbeelding 5"/>
-          <p:cNvPicPr>
-            <a:picLocks noChangeAspect="1"/>
-          </p:cNvPicPr>
-          <p:nvPr/>
-        </p:nvPicPr>
-        <p:blipFill>
-          <a:blip r:embed="rId3"/>
-          <a:stretch>
-            <a:fillRect/>
-          </a:stretch>
-        </p:blipFill>
-        <p:spPr>
-          <a:xfrm>
-            <a:off x="6443592" y="1439985"/>
-            <a:ext cx="5456487" cy="5225931"/>
-          </a:xfrm>
-          <a:prstGeom prst="rect">
-            <a:avLst/>
-          </a:prstGeom>
         </p:spPr>
       </p:pic>
     </p:spTree>
@@ -6441,7 +6721,7 @@
         </p:blipFill>
         <p:spPr>
           <a:xfrm>
-            <a:off x="4975668" y="1681954"/>
+            <a:off x="5576582" y="1410358"/>
             <a:ext cx="4142587" cy="4838041"/>
           </a:xfrm>
           <a:prstGeom prst="rect">
@@ -6567,7 +6847,7 @@
         </p:blipFill>
         <p:spPr>
           <a:xfrm>
-            <a:off x="4616052" y="990243"/>
+            <a:off x="4270062" y="1323876"/>
             <a:ext cx="7575948" cy="4004189"/>
           </a:xfrm>
           <a:prstGeom prst="rect">
@@ -6591,7 +6871,7 @@
         </p:blipFill>
         <p:spPr>
           <a:xfrm>
-            <a:off x="414672" y="4211393"/>
+            <a:off x="299373" y="4106449"/>
             <a:ext cx="5049099" cy="2443232"/>
           </a:xfrm>
           <a:prstGeom prst="rect">
@@ -6698,7 +6978,7 @@
         </p:blipFill>
         <p:spPr>
           <a:xfrm>
-            <a:off x="5138939" y="1793212"/>
+            <a:off x="6030096" y="1360726"/>
             <a:ext cx="5829300" cy="4248150"/>
           </a:xfrm>
           <a:prstGeom prst="rect">
@@ -6706,6 +6986,123 @@
           </a:prstGeom>
         </p:spPr>
       </p:pic>
+      <p:sp>
+        <p:nvSpPr>
+          <p:cNvPr id="5" name="Tekstvak 4"/>
+          <p:cNvSpPr txBox="1"/>
+          <p:nvPr/>
+        </p:nvSpPr>
+        <p:spPr>
+          <a:xfrm>
+            <a:off x="184925" y="3484801"/>
+            <a:ext cx="5845171" cy="2677656"/>
+          </a:xfrm>
+          <a:prstGeom prst="rect">
+            <a:avLst/>
+          </a:prstGeom>
+          <a:noFill/>
+        </p:spPr>
+        <p:txBody>
+          <a:bodyPr wrap="square" rtlCol="0">
+            <a:spAutoFit/>
+          </a:bodyPr>
+          <a:lstStyle/>
+          <a:p>
+            <a:r>
+              <a:rPr lang="nl-NL" sz="1200" b="1" dirty="0"/>
+              <a:t>Testscenario 1</a:t>
+            </a:r>
+            <a:endParaRPr lang="nl-NL" sz="1200" dirty="0"/>
+          </a:p>
+          <a:p>
+            <a:r>
+              <a:rPr lang="nl-NL" sz="1200" b="1" dirty="0"/>
+              <a:t>Case </a:t>
+            </a:r>
+            <a:endParaRPr lang="nl-NL" sz="1200" dirty="0"/>
+          </a:p>
+          <a:p>
+            <a:r>
+              <a:rPr lang="nl-NL" sz="1200" dirty="0"/>
+              <a:t>Lid Wijzigen</a:t>
+            </a:r>
+          </a:p>
+          <a:p>
+            <a:r>
+              <a:rPr lang="nl-NL" sz="1200" dirty="0"/>
+              <a:t> </a:t>
+            </a:r>
+          </a:p>
+          <a:p>
+            <a:r>
+              <a:rPr lang="nl-NL" sz="1200" b="1" dirty="0"/>
+              <a:t>Scenario</a:t>
+            </a:r>
+            <a:endParaRPr lang="nl-NL" sz="1200" dirty="0"/>
+          </a:p>
+          <a:p>
+            <a:r>
+              <a:rPr lang="nl-NL" sz="1200" dirty="0"/>
+              <a:t>De gebruiker start de </a:t>
+            </a:r>
+            <a:r>
+              <a:rPr lang="nl-NL" sz="1200" dirty="0" smtClean="0"/>
+              <a:t>website </a:t>
+            </a:r>
+            <a:r>
+              <a:rPr lang="nl-NL" sz="1200" dirty="0"/>
+              <a:t>op en </a:t>
+            </a:r>
+            <a:r>
+              <a:rPr lang="nl-NL" sz="1200" dirty="0" smtClean="0"/>
+              <a:t>komt </a:t>
+            </a:r>
+            <a:r>
+              <a:rPr lang="nl-NL" sz="1200" dirty="0"/>
+              <a:t>op de homepagina.</a:t>
+            </a:r>
+          </a:p>
+          <a:p>
+            <a:r>
+              <a:rPr lang="nl-NL" sz="1200" dirty="0"/>
+              <a:t>De gebruiker klikt op inloggen.</a:t>
+            </a:r>
+          </a:p>
+          <a:p>
+            <a:r>
+              <a:rPr lang="nl-NL" sz="1200" dirty="0"/>
+              <a:t>De gebruiker logt in met gebruikersnaam en wachtwoord en krijgt een menu te zien.</a:t>
+            </a:r>
+          </a:p>
+          <a:p>
+            <a:r>
+              <a:rPr lang="nl-NL" sz="1200" dirty="0"/>
+              <a:t>De gebruiker klikt op “Leden”.</a:t>
+            </a:r>
+          </a:p>
+          <a:p>
+            <a:r>
+              <a:rPr lang="nl-NL" sz="1200" dirty="0"/>
+              <a:t>De gebruiker klikt achter de gegevens van een lid op “wijzigen”.</a:t>
+            </a:r>
+          </a:p>
+          <a:p>
+            <a:r>
+              <a:rPr lang="nl-NL" sz="1200" dirty="0"/>
+              <a:t>De gebruiker past de gewenste gegevens aan en drukt op “aanpassen”.</a:t>
+            </a:r>
+          </a:p>
+          <a:p>
+            <a:r>
+              <a:rPr lang="nl-NL" sz="1200" dirty="0"/>
+              <a:t>De gegevens zijn aangepast.</a:t>
+            </a:r>
+          </a:p>
+          <a:p>
+            <a:endParaRPr lang="nl-NL" sz="1200" dirty="0"/>
+          </a:p>
+        </p:txBody>
+      </p:sp>
     </p:spTree>
     <p:extLst>
       <p:ext uri="{BB962C8B-B14F-4D97-AF65-F5344CB8AC3E}">
@@ -6727,9 +7124,9 @@
 </file>
 
 <file path=ppt/theme/theme1.xml><?xml version="1.0" encoding="utf-8"?>
-<a:theme xmlns:a="http://schemas.openxmlformats.org/drawingml/2006/main" name="Facet">
+<a:theme xmlns:a="http://schemas.openxmlformats.org/drawingml/2006/main" name="Ion">
   <a:themeElements>
-    <a:clrScheme name="Facet">
+    <a:clrScheme name="Ion">
       <a:dk1>
         <a:sysClr val="windowText" lastClr="000000"/>
       </a:dk1>
@@ -6737,52 +7134,52 @@
         <a:sysClr val="window" lastClr="FFFFFF"/>
       </a:lt1>
       <a:dk2>
-        <a:srgbClr val="2C3C43"/>
+        <a:srgbClr val="1E5155"/>
       </a:dk2>
       <a:lt2>
         <a:srgbClr val="EBEBEB"/>
       </a:lt2>
       <a:accent1>
-        <a:srgbClr val="90C226"/>
+        <a:srgbClr val="B01513"/>
       </a:accent1>
       <a:accent2>
-        <a:srgbClr val="54A021"/>
+        <a:srgbClr val="EA6312"/>
       </a:accent2>
       <a:accent3>
-        <a:srgbClr val="E6B91E"/>
+        <a:srgbClr val="E6B729"/>
       </a:accent3>
       <a:accent4>
-        <a:srgbClr val="E76618"/>
+        <a:srgbClr val="6AAC90"/>
       </a:accent4>
       <a:accent5>
-        <a:srgbClr val="C42F1A"/>
+        <a:srgbClr val="54849A"/>
       </a:accent5>
       <a:accent6>
-        <a:srgbClr val="918655"/>
+        <a:srgbClr val="9E5E9B"/>
       </a:accent6>
       <a:hlink>
-        <a:srgbClr val="99CA3C"/>
+        <a:srgbClr val="58C1BA"/>
       </a:hlink>
       <a:folHlink>
-        <a:srgbClr val="B9D181"/>
+        <a:srgbClr val="9DFFCB"/>
       </a:folHlink>
     </a:clrScheme>
-    <a:fontScheme name="Facet">
+    <a:fontScheme name="Ion">
       <a:majorFont>
-        <a:latin typeface="Trebuchet MS" panose="020B0603020202020204"/>
+        <a:latin typeface="Century Gothic" panose="020B0502020202020204"/>
         <a:ea typeface=""/>
         <a:cs typeface=""/>
         <a:font script="Jpan" typeface="メイリオ"/>
         <a:font script="Hang" typeface="맑은 고딕"/>
-        <a:font script="Hans" typeface="方正姚体"/>
-        <a:font script="Hant" typeface="微軟正黑體"/>
-        <a:font script="Arab" typeface="Tahoma"/>
-        <a:font script="Hebr" typeface="Arial"/>
-        <a:font script="Thai" typeface="Cordia New"/>
+        <a:font script="Hans" typeface="宋体"/>
+        <a:font script="Hant" typeface="新細明體"/>
+        <a:font script="Arab" typeface="Times New Roman"/>
+        <a:font script="Hebr" typeface="Times New Roman"/>
+        <a:font script="Thai" typeface="Angsana New"/>
         <a:font script="Ethi" typeface="Nyala"/>
         <a:font script="Beng" typeface="Vrinda"/>
         <a:font script="Gujr" typeface="Shruti"/>
-        <a:font script="Khmr" typeface="DaunPenh"/>
+        <a:font script="Khmr" typeface="MoolBoran"/>
         <a:font script="Knda" typeface="Tunga"/>
         <a:font script="Guru" typeface="Raavi"/>
         <a:font script="Cans" typeface="Euphemia"/>
@@ -6799,21 +7196,21 @@
         <a:font script="Laoo" typeface="DokChampa"/>
         <a:font script="Sinh" typeface="Iskoola Pota"/>
         <a:font script="Mong" typeface="Mongolian Baiti"/>
-        <a:font script="Viet" typeface="Tahoma"/>
+        <a:font script="Viet" typeface="Times New Roman"/>
         <a:font script="Uigh" typeface="Microsoft Uighur"/>
         <a:font script="Geor" typeface="Sylfaen"/>
       </a:majorFont>
       <a:minorFont>
-        <a:latin typeface="Trebuchet MS" panose="020B0603020202020204"/>
+        <a:latin typeface="Century Gothic" panose="020B0502020202020204"/>
         <a:ea typeface=""/>
         <a:cs typeface=""/>
         <a:font script="Jpan" typeface="メイリオ"/>
-        <a:font script="Hang" typeface="HY그래픽M"/>
-        <a:font script="Hans" typeface="华文新魏"/>
-        <a:font script="Hant" typeface="微軟正黑體"/>
-        <a:font script="Arab" typeface="Tahoma"/>
-        <a:font script="Hebr" typeface="Gisha"/>
-        <a:font script="Thai" typeface="IrisUPC"/>
+        <a:font script="Hang" typeface="맑은 고딕"/>
+        <a:font script="Hans" typeface="宋体"/>
+        <a:font script="Hant" typeface="新細明體"/>
+        <a:font script="Arab" typeface="Arial"/>
+        <a:font script="Hebr" typeface="Arial"/>
+        <a:font script="Thai" typeface="Cordia New"/>
         <a:font script="Ethi" typeface="Nyala"/>
         <a:font script="Beng" typeface="Vrinda"/>
         <a:font script="Gujr" typeface="Shruti"/>
@@ -6839,7 +7236,7 @@
         <a:font script="Geor" typeface="Sylfaen"/>
       </a:minorFont>
     </a:fontScheme>
-    <a:fmtScheme name="Facet">
+    <a:fmtScheme name="Ion">
       <a:fillStyleLst>
         <a:solidFill>
           <a:schemeClr val="phClr"/>
@@ -6848,13 +7245,15 @@
           <a:gsLst>
             <a:gs pos="0">
               <a:schemeClr val="phClr">
-                <a:tint val="65000"/>
-                <a:lumMod val="110000"/>
+                <a:tint val="64000"/>
+                <a:lumMod val="118000"/>
               </a:schemeClr>
             </a:gs>
-            <a:gs pos="88000">
+            <a:gs pos="100000">
               <a:schemeClr val="phClr">
-                <a:tint val="90000"/>
+                <a:tint val="92000"/>
+                <a:alpha val="100000"/>
+                <a:lumMod val="110000"/>
               </a:schemeClr>
             </a:gs>
           </a:gsLst>
@@ -6864,14 +7263,14 @@
           <a:gsLst>
             <a:gs pos="0">
               <a:schemeClr val="phClr">
-                <a:tint val="96000"/>
-                <a:lumMod val="100000"/>
+                <a:tint val="98000"/>
+                <a:lumMod val="114000"/>
               </a:schemeClr>
             </a:gs>
-            <a:gs pos="78000">
+            <a:gs pos="100000">
               <a:schemeClr val="phClr">
-                <a:shade val="94000"/>
-                <a:lumMod val="94000"/>
+                <a:shade val="90000"/>
+                <a:lumMod val="84000"/>
               </a:schemeClr>
             </a:gs>
           </a:gsLst>
@@ -6879,7 +7278,7 @@
         </a:gradFill>
       </a:fillStyleLst>
       <a:lnStyleLst>
-        <a:ln w="12700" cap="rnd" cmpd="sng" algn="ctr">
+        <a:ln w="9525" cap="rnd" cmpd="sng" algn="ctr">
           <a:solidFill>
             <a:schemeClr val="phClr"/>
           </a:solidFill>
@@ -6891,7 +7290,7 @@
           </a:solidFill>
           <a:prstDash val="solid"/>
         </a:ln>
-        <a:ln w="25400" cap="rnd" cmpd="sng" algn="ctr">
+        <a:ln w="28575" cap="rnd" cmpd="sng" algn="ctr">
           <a:solidFill>
             <a:schemeClr val="phClr"/>
           </a:solidFill>
@@ -6906,16 +7305,16 @@
           <a:effectLst>
             <a:outerShdw blurRad="38100" dist="25400" dir="5400000" rotWithShape="0">
               <a:srgbClr val="000000">
-                <a:alpha val="35000"/>
+                <a:alpha val="45000"/>
               </a:srgbClr>
             </a:outerShdw>
           </a:effectLst>
         </a:effectStyle>
         <a:effectStyle>
           <a:effectLst>
-            <a:outerShdw blurRad="50800" dist="38100" dir="5400000" rotWithShape="0">
+            <a:outerShdw blurRad="63500" dist="38100" dir="5400000" rotWithShape="0">
               <a:srgbClr val="000000">
-                <a:alpha val="35000"/>
+                <a:alpha val="60000"/>
               </a:srgbClr>
             </a:outerShdw>
           </a:effectLst>
@@ -6938,38 +7337,45 @@
           <a:gsLst>
             <a:gs pos="0">
               <a:schemeClr val="phClr">
-                <a:tint val="90000"/>
-                <a:lumMod val="104000"/>
-              </a:schemeClr>
-            </a:gs>
-            <a:gs pos="94000">
-              <a:schemeClr val="phClr">
-                <a:shade val="96000"/>
-                <a:lumMod val="82000"/>
-              </a:schemeClr>
-            </a:gs>
-          </a:gsLst>
-          <a:lin ang="5400000" scaled="0"/>
-        </a:gradFill>
-        <a:gradFill rotWithShape="1">
-          <a:gsLst>
-            <a:gs pos="0">
-              <a:schemeClr val="phClr">
-                <a:tint val="90000"/>
-                <a:lumMod val="110000"/>
+                <a:tint val="97000"/>
+                <a:hueMod val="88000"/>
+                <a:satMod val="130000"/>
+                <a:lumMod val="124000"/>
               </a:schemeClr>
             </a:gs>
             <a:gs pos="100000">
               <a:schemeClr val="phClr">
-                <a:shade val="94000"/>
-                <a:lumMod val="96000"/>
+                <a:tint val="96000"/>
+                <a:shade val="88000"/>
+                <a:hueMod val="108000"/>
+                <a:satMod val="164000"/>
+                <a:lumMod val="76000"/>
               </a:schemeClr>
             </a:gs>
           </a:gsLst>
           <a:path path="circle">
-            <a:fillToRect l="50000" t="50000" r="100000" b="100000"/>
+            <a:fillToRect l="45000" t="65000" r="125000" b="100000"/>
           </a:path>
         </a:gradFill>
+        <a:blipFill rotWithShape="1">
+          <a:blip xmlns:r="http://schemas.openxmlformats.org/officeDocument/2006/relationships" r:embed="rId1">
+            <a:duotone>
+              <a:schemeClr val="phClr">
+                <a:shade val="69000"/>
+                <a:hueMod val="108000"/>
+                <a:satMod val="164000"/>
+                <a:lumMod val="74000"/>
+              </a:schemeClr>
+              <a:schemeClr val="phClr">
+                <a:tint val="96000"/>
+                <a:hueMod val="88000"/>
+                <a:satMod val="140000"/>
+                <a:lumMod val="132000"/>
+              </a:schemeClr>
+            </a:duotone>
+          </a:blip>
+          <a:stretch/>
+        </a:blipFill>
       </a:bgFillStyleLst>
     </a:fmtScheme>
   </a:themeElements>
@@ -6977,7 +7383,7 @@
   <a:extraClrSchemeLst/>
   <a:extLst>
     <a:ext uri="{05A4C25C-085E-4340-85A3-A5531E510DB2}">
-      <thm15:themeFamily xmlns:thm15="http://schemas.microsoft.com/office/thememl/2012/main" name="Facet" id="{C0C680CD-088A-49FC-A102-D699147F32B2}" vid="{CFBC31BA-B70F-4F30-BCAA-4F3011E16C4D}"/>
+      <thm15:themeFamily xmlns:thm15="http://schemas.microsoft.com/office/thememl/2012/main" name="Ion" id="{B8441ADB-2E43-4AF7-B97A-BD870242C6A8}" vid="{292E63A9-BB86-4E3D-B92A-7223C6510D2E}"/>
     </a:ext>
   </a:extLst>
 </a:theme>

--- a/docs/PP.pptx
+++ b/docs/PP.pptx
@@ -6233,7 +6233,7 @@
           <a:graphicData uri="http://schemas.openxmlformats.org/presentationml/2006/ole">
             <mc:AlternateContent xmlns:mc="http://schemas.openxmlformats.org/markup-compatibility/2006">
               <mc:Choice xmlns:v="urn:schemas-microsoft-com:vml" Requires="v">
-                <p:oleObj spid="_x0000_s1031" name="Image" r:id="rId3" imgW="5257080" imgH="6171120" progId="Photoshop.Image.13">
+                <p:oleObj spid="_x0000_s1034" name="Image" r:id="rId3" imgW="5257080" imgH="6171120" progId="Photoshop.Image.13">
                   <p:embed/>
                 </p:oleObj>
               </mc:Choice>
@@ -6497,15 +6497,7 @@
           <a:p>
             <a:r>
               <a:rPr lang="nl-NL" dirty="0" smtClean="0"/>
-              <a:t>Fase 3</a:t>
-            </a:r>
-            <a:r>
-              <a:rPr lang="nl-NL" dirty="0" smtClean="0"/>
-              <a:t>: </a:t>
-            </a:r>
-            <a:r>
-              <a:rPr lang="nl-NL" dirty="0" smtClean="0"/>
-              <a:t>Ontwerp</a:t>
+              <a:t>Fase 3: Ontwerp</a:t>
             </a:r>
             <a:endParaRPr lang="nl-NL" dirty="0"/>
           </a:p>
@@ -6539,8 +6531,15 @@
           <a:p>
             <a:r>
               <a:rPr lang="nl-NL" dirty="0" smtClean="0"/>
-              <a:t>Aangepaste planning</a:t>
-            </a:r>
+              <a:t>Lay-out</a:t>
+            </a:r>
+          </a:p>
+          <a:p>
+            <a:r>
+              <a:rPr lang="nl-NL" dirty="0" smtClean="0"/>
+              <a:t>Sitemap</a:t>
+            </a:r>
+            <a:endParaRPr lang="nl-NL" dirty="0" smtClean="0"/>
           </a:p>
         </p:txBody>
       </p:sp>
@@ -6682,28 +6681,11 @@
             </a:r>
           </a:p>
           <a:p>
-            <a:pPr marL="0" indent="0">
-              <a:buNone/>
-            </a:pPr>
-            <a:r>
-              <a:rPr lang="nl-NL" dirty="0" smtClean="0"/>
-              <a:t>      </a:t>
-            </a:r>
-            <a:r>
-              <a:rPr lang="nl-NL" sz="1600" dirty="0" smtClean="0"/>
-              <a:t>Geen </a:t>
-            </a:r>
-            <a:r>
-              <a:rPr lang="nl-NL" sz="1600" dirty="0" err="1" smtClean="0"/>
-              <a:t>Codd</a:t>
-            </a:r>
-            <a:endParaRPr lang="nl-NL" sz="1600" dirty="0" smtClean="0"/>
-          </a:p>
-          <a:p>
             <a:r>
               <a:rPr lang="nl-NL" dirty="0" smtClean="0"/>
               <a:t>ERD</a:t>
             </a:r>
+            <a:endParaRPr lang="nl-NL" dirty="0" smtClean="0"/>
           </a:p>
         </p:txBody>
       </p:sp>
